--- a/aina-foundations.pptx
+++ b/aina-foundations.pptx
@@ -5,42 +5,44 @@
     <p:sldMasterId id="2147483648" r:id="rId1"/>
   </p:sldMasterIdLst>
   <p:notesMasterIdLst>
-    <p:notesMasterId r:id="rId35"/>
+    <p:notesMasterId r:id="rId37"/>
   </p:notesMasterIdLst>
   <p:sldIdLst>
     <p:sldId id="256" r:id="rId2"/>
-    <p:sldId id="436" r:id="rId3"/>
-    <p:sldId id="441" r:id="rId4"/>
-    <p:sldId id="442" r:id="rId5"/>
-    <p:sldId id="332" r:id="rId6"/>
-    <p:sldId id="437" r:id="rId7"/>
-    <p:sldId id="438" r:id="rId8"/>
-    <p:sldId id="411" r:id="rId9"/>
-    <p:sldId id="446" r:id="rId10"/>
-    <p:sldId id="447" r:id="rId11"/>
-    <p:sldId id="448" r:id="rId12"/>
-    <p:sldId id="439" r:id="rId13"/>
-    <p:sldId id="449" r:id="rId14"/>
-    <p:sldId id="444" r:id="rId15"/>
-    <p:sldId id="431" r:id="rId16"/>
-    <p:sldId id="443" r:id="rId17"/>
-    <p:sldId id="450" r:id="rId18"/>
-    <p:sldId id="426" r:id="rId19"/>
-    <p:sldId id="451" r:id="rId20"/>
-    <p:sldId id="452" r:id="rId21"/>
-    <p:sldId id="453" r:id="rId22"/>
-    <p:sldId id="458" r:id="rId23"/>
-    <p:sldId id="459" r:id="rId24"/>
-    <p:sldId id="457" r:id="rId25"/>
-    <p:sldId id="440" r:id="rId26"/>
-    <p:sldId id="456" r:id="rId27"/>
-    <p:sldId id="350" r:id="rId28"/>
-    <p:sldId id="325" r:id="rId29"/>
-    <p:sldId id="455" r:id="rId30"/>
-    <p:sldId id="336" r:id="rId31"/>
-    <p:sldId id="454" r:id="rId32"/>
-    <p:sldId id="434" r:id="rId33"/>
-    <p:sldId id="432" r:id="rId34"/>
+    <p:sldId id="460" r:id="rId3"/>
+    <p:sldId id="436" r:id="rId4"/>
+    <p:sldId id="441" r:id="rId5"/>
+    <p:sldId id="442" r:id="rId6"/>
+    <p:sldId id="332" r:id="rId7"/>
+    <p:sldId id="437" r:id="rId8"/>
+    <p:sldId id="438" r:id="rId9"/>
+    <p:sldId id="461" r:id="rId10"/>
+    <p:sldId id="411" r:id="rId11"/>
+    <p:sldId id="446" r:id="rId12"/>
+    <p:sldId id="447" r:id="rId13"/>
+    <p:sldId id="448" r:id="rId14"/>
+    <p:sldId id="439" r:id="rId15"/>
+    <p:sldId id="449" r:id="rId16"/>
+    <p:sldId id="444" r:id="rId17"/>
+    <p:sldId id="431" r:id="rId18"/>
+    <p:sldId id="443" r:id="rId19"/>
+    <p:sldId id="450" r:id="rId20"/>
+    <p:sldId id="426" r:id="rId21"/>
+    <p:sldId id="451" r:id="rId22"/>
+    <p:sldId id="452" r:id="rId23"/>
+    <p:sldId id="453" r:id="rId24"/>
+    <p:sldId id="458" r:id="rId25"/>
+    <p:sldId id="459" r:id="rId26"/>
+    <p:sldId id="457" r:id="rId27"/>
+    <p:sldId id="440" r:id="rId28"/>
+    <p:sldId id="456" r:id="rId29"/>
+    <p:sldId id="350" r:id="rId30"/>
+    <p:sldId id="325" r:id="rId31"/>
+    <p:sldId id="455" r:id="rId32"/>
+    <p:sldId id="336" r:id="rId33"/>
+    <p:sldId id="454" r:id="rId34"/>
+    <p:sldId id="434" r:id="rId35"/>
+    <p:sldId id="432" r:id="rId36"/>
   </p:sldIdLst>
   <p:sldSz cx="12192000" cy="6858000"/>
   <p:notesSz cx="6858000" cy="9144000"/>
@@ -229,7 +231,7 @@
           <a:p>
             <a:fld id="{503F064B-41F2-4661-BDF0-BFD135E9A557}" type="datetimeFigureOut">
               <a:rPr lang="en-US" smtClean="0"/>
-              <a:t>11/10/2021</a:t>
+              <a:t>12/15/2021</a:t>
             </a:fld>
             <a:endParaRPr lang="en-US"/>
           </a:p>
@@ -570,7 +572,7 @@
           <a:p>
             <a:fld id="{3BB66621-ADCC-4EF8-8003-B9D3E881DCD2}" type="slidenum">
               <a:rPr lang="en-US" smtClean="0"/>
-              <a:t>5</a:t>
+              <a:t>6</a:t>
             </a:fld>
             <a:endParaRPr lang="en-US"/>
           </a:p>
@@ -657,7 +659,7 @@
           <a:p>
             <a:fld id="{3BB66621-ADCC-4EF8-8003-B9D3E881DCD2}" type="slidenum">
               <a:rPr lang="en-US" smtClean="0"/>
-              <a:t>20</a:t>
+              <a:t>22</a:t>
             </a:fld>
             <a:endParaRPr lang="en-US"/>
           </a:p>
@@ -744,7 +746,7 @@
           <a:p>
             <a:fld id="{3BB66621-ADCC-4EF8-8003-B9D3E881DCD2}" type="slidenum">
               <a:rPr lang="en-US" smtClean="0"/>
-              <a:t>21</a:t>
+              <a:t>23</a:t>
             </a:fld>
             <a:endParaRPr lang="en-US"/>
           </a:p>
@@ -831,7 +833,7 @@
           <a:p>
             <a:fld id="{3BB66621-ADCC-4EF8-8003-B9D3E881DCD2}" type="slidenum">
               <a:rPr lang="en-US" smtClean="0"/>
-              <a:t>22</a:t>
+              <a:t>24</a:t>
             </a:fld>
             <a:endParaRPr lang="en-US"/>
           </a:p>
@@ -918,7 +920,7 @@
           <a:p>
             <a:fld id="{3BB66621-ADCC-4EF8-8003-B9D3E881DCD2}" type="slidenum">
               <a:rPr lang="en-US" smtClean="0"/>
-              <a:t>23</a:t>
+              <a:t>25</a:t>
             </a:fld>
             <a:endParaRPr lang="en-US"/>
           </a:p>
@@ -1011,7 +1013,7 @@
           <a:p>
             <a:fld id="{3BB66621-ADCC-4EF8-8003-B9D3E881DCD2}" type="slidenum">
               <a:rPr lang="en-US" smtClean="0"/>
-              <a:t>26</a:t>
+              <a:t>28</a:t>
             </a:fld>
             <a:endParaRPr lang="en-US"/>
           </a:p>
@@ -1115,7 +1117,7 @@
           <a:p>
             <a:fld id="{3BB66621-ADCC-4EF8-8003-B9D3E881DCD2}" type="slidenum">
               <a:rPr lang="en-US" smtClean="0"/>
-              <a:t>27</a:t>
+              <a:t>29</a:t>
             </a:fld>
             <a:endParaRPr lang="en-US"/>
           </a:p>
@@ -1211,7 +1213,7 @@
           <a:p>
             <a:fld id="{3BB66621-ADCC-4EF8-8003-B9D3E881DCD2}" type="slidenum">
               <a:rPr lang="en-US" smtClean="0"/>
-              <a:t>28</a:t>
+              <a:t>30</a:t>
             </a:fld>
             <a:endParaRPr lang="en-US"/>
           </a:p>
@@ -1304,7 +1306,7 @@
           <a:p>
             <a:fld id="{3BB66621-ADCC-4EF8-8003-B9D3E881DCD2}" type="slidenum">
               <a:rPr lang="en-US" smtClean="0"/>
-              <a:t>6</a:t>
+              <a:t>7</a:t>
             </a:fld>
             <a:endParaRPr lang="en-US"/>
           </a:p>
@@ -1397,7 +1399,7 @@
           <a:p>
             <a:fld id="{3BB66621-ADCC-4EF8-8003-B9D3E881DCD2}" type="slidenum">
               <a:rPr lang="en-US" smtClean="0"/>
-              <a:t>7</a:t>
+              <a:t>8</a:t>
             </a:fld>
             <a:endParaRPr lang="en-US"/>
           </a:p>
@@ -1484,7 +1486,7 @@
           <a:p>
             <a:fld id="{3BB66621-ADCC-4EF8-8003-B9D3E881DCD2}" type="slidenum">
               <a:rPr lang="en-US" smtClean="0"/>
-              <a:t>8</a:t>
+              <a:t>10</a:t>
             </a:fld>
             <a:endParaRPr lang="en-US"/>
           </a:p>
@@ -1571,7 +1573,7 @@
           <a:p>
             <a:fld id="{3BB66621-ADCC-4EF8-8003-B9D3E881DCD2}" type="slidenum">
               <a:rPr lang="en-US" smtClean="0"/>
-              <a:t>10</a:t>
+              <a:t>12</a:t>
             </a:fld>
             <a:endParaRPr lang="en-US"/>
           </a:p>
@@ -1658,7 +1660,7 @@
           <a:p>
             <a:fld id="{3BB66621-ADCC-4EF8-8003-B9D3E881DCD2}" type="slidenum">
               <a:rPr lang="en-US" smtClean="0"/>
-              <a:t>11</a:t>
+              <a:t>13</a:t>
             </a:fld>
             <a:endParaRPr lang="en-US"/>
           </a:p>
@@ -1745,7 +1747,7 @@
           <a:p>
             <a:fld id="{3BB66621-ADCC-4EF8-8003-B9D3E881DCD2}" type="slidenum">
               <a:rPr lang="en-US" smtClean="0"/>
-              <a:t>12</a:t>
+              <a:t>14</a:t>
             </a:fld>
             <a:endParaRPr lang="en-US"/>
           </a:p>
@@ -1832,7 +1834,7 @@
           <a:p>
             <a:fld id="{3BB66621-ADCC-4EF8-8003-B9D3E881DCD2}" type="slidenum">
               <a:rPr lang="en-US" smtClean="0"/>
-              <a:t>16</a:t>
+              <a:t>18</a:t>
             </a:fld>
             <a:endParaRPr lang="en-US"/>
           </a:p>
@@ -1919,7 +1921,7 @@
           <a:p>
             <a:fld id="{3BB66621-ADCC-4EF8-8003-B9D3E881DCD2}" type="slidenum">
               <a:rPr lang="en-US" smtClean="0"/>
-              <a:t>17</a:t>
+              <a:t>19</a:t>
             </a:fld>
             <a:endParaRPr lang="en-US"/>
           </a:p>
@@ -2067,7 +2069,7 @@
           <a:p>
             <a:fld id="{0138B082-EFC2-46C1-B47C-51736C670379}" type="datetimeFigureOut">
               <a:rPr lang="en-US" smtClean="0"/>
-              <a:t>11/10/2021</a:t>
+              <a:t>12/15/2021</a:t>
             </a:fld>
             <a:endParaRPr lang="en-US"/>
           </a:p>
@@ -2235,7 +2237,7 @@
           <a:p>
             <a:fld id="{0138B082-EFC2-46C1-B47C-51736C670379}" type="datetimeFigureOut">
               <a:rPr lang="en-US" smtClean="0"/>
-              <a:t>11/10/2021</a:t>
+              <a:t>12/15/2021</a:t>
             </a:fld>
             <a:endParaRPr lang="en-US"/>
           </a:p>
@@ -2413,7 +2415,7 @@
           <a:p>
             <a:fld id="{0138B082-EFC2-46C1-B47C-51736C670379}" type="datetimeFigureOut">
               <a:rPr lang="en-US" smtClean="0"/>
-              <a:t>11/10/2021</a:t>
+              <a:t>12/15/2021</a:t>
             </a:fld>
             <a:endParaRPr lang="en-US"/>
           </a:p>
@@ -2581,7 +2583,7 @@
           <a:p>
             <a:fld id="{0138B082-EFC2-46C1-B47C-51736C670379}" type="datetimeFigureOut">
               <a:rPr lang="en-US" smtClean="0"/>
-              <a:t>11/10/2021</a:t>
+              <a:t>12/15/2021</a:t>
             </a:fld>
             <a:endParaRPr lang="en-US"/>
           </a:p>
@@ -2826,7 +2828,7 @@
           <a:p>
             <a:fld id="{0138B082-EFC2-46C1-B47C-51736C670379}" type="datetimeFigureOut">
               <a:rPr lang="en-US" smtClean="0"/>
-              <a:t>11/10/2021</a:t>
+              <a:t>12/15/2021</a:t>
             </a:fld>
             <a:endParaRPr lang="en-US"/>
           </a:p>
@@ -3055,7 +3057,7 @@
           <a:p>
             <a:fld id="{0138B082-EFC2-46C1-B47C-51736C670379}" type="datetimeFigureOut">
               <a:rPr lang="en-US" smtClean="0"/>
-              <a:t>11/10/2021</a:t>
+              <a:t>12/15/2021</a:t>
             </a:fld>
             <a:endParaRPr lang="en-US"/>
           </a:p>
@@ -3419,7 +3421,7 @@
           <a:p>
             <a:fld id="{0138B082-EFC2-46C1-B47C-51736C670379}" type="datetimeFigureOut">
               <a:rPr lang="en-US" smtClean="0"/>
-              <a:t>11/10/2021</a:t>
+              <a:t>12/15/2021</a:t>
             </a:fld>
             <a:endParaRPr lang="en-US"/>
           </a:p>
@@ -3536,7 +3538,7 @@
           <a:p>
             <a:fld id="{0138B082-EFC2-46C1-B47C-51736C670379}" type="datetimeFigureOut">
               <a:rPr lang="en-US" smtClean="0"/>
-              <a:t>11/10/2021</a:t>
+              <a:t>12/15/2021</a:t>
             </a:fld>
             <a:endParaRPr lang="en-US"/>
           </a:p>
@@ -3631,7 +3633,7 @@
           <a:p>
             <a:fld id="{0138B082-EFC2-46C1-B47C-51736C670379}" type="datetimeFigureOut">
               <a:rPr lang="en-US" smtClean="0"/>
-              <a:t>11/10/2021</a:t>
+              <a:t>12/15/2021</a:t>
             </a:fld>
             <a:endParaRPr lang="en-US"/>
           </a:p>
@@ -3906,7 +3908,7 @@
           <a:p>
             <a:fld id="{0138B082-EFC2-46C1-B47C-51736C670379}" type="datetimeFigureOut">
               <a:rPr lang="en-US" smtClean="0"/>
-              <a:t>11/10/2021</a:t>
+              <a:t>12/15/2021</a:t>
             </a:fld>
             <a:endParaRPr lang="en-US"/>
           </a:p>
@@ -4158,7 +4160,7 @@
           <a:p>
             <a:fld id="{0138B082-EFC2-46C1-B47C-51736C670379}" type="datetimeFigureOut">
               <a:rPr lang="en-US" smtClean="0"/>
-              <a:t>11/10/2021</a:t>
+              <a:t>12/15/2021</a:t>
             </a:fld>
             <a:endParaRPr lang="en-US"/>
           </a:p>
@@ -4369,7 +4371,7 @@
           <a:p>
             <a:fld id="{0138B082-EFC2-46C1-B47C-51736C670379}" type="datetimeFigureOut">
               <a:rPr lang="en-US" smtClean="0"/>
-              <a:t>11/10/2021</a:t>
+              <a:t>12/15/2021</a:t>
             </a:fld>
             <a:endParaRPr lang="en-US"/>
           </a:p>
@@ -5091,6 +5093,492 @@
         </p:nvSpPr>
         <p:spPr>
           <a:xfrm>
+            <a:off x="173620" y="219919"/>
+            <a:ext cx="5937813" cy="5262979"/>
+          </a:xfrm>
+          <a:prstGeom prst="rect">
+            <a:avLst/>
+          </a:prstGeom>
+          <a:noFill/>
+        </p:spPr>
+        <p:txBody>
+          <a:bodyPr wrap="square" rtlCol="0">
+            <a:spAutoFit/>
+          </a:bodyPr>
+          <a:lstStyle/>
+          <a:p>
+            <a:endParaRPr lang="en-US" sz="2800" b="1" dirty="0">
+              <a:solidFill>
+                <a:srgbClr val="CF3338"/>
+              </a:solidFill>
+              <a:latin typeface="Pragmatica" pitchFamily="2" charset="0"/>
+            </a:endParaRPr>
+          </a:p>
+          <a:p>
+            <a:pPr marL="514350" indent="-514350">
+              <a:buFont typeface="Arial" panose="020B0604020202020204" pitchFamily="34" charset="0"/>
+              <a:buChar char="•"/>
+            </a:pPr>
+            <a:r>
+              <a:rPr lang="en-US" sz="2800" b="1" dirty="0">
+                <a:solidFill>
+                  <a:srgbClr val="CF3338"/>
+                </a:solidFill>
+                <a:latin typeface="Pragmatica" pitchFamily="2" charset="0"/>
+              </a:rPr>
+              <a:t>File: </a:t>
+            </a:r>
+            <a:r>
+              <a:rPr lang="en-US" sz="2800" b="1" dirty="0">
+                <a:solidFill>
+                  <a:srgbClr val="CF3338"/>
+                </a:solidFill>
+                <a:latin typeface="Consolas" panose="020B0609020204030204" pitchFamily="49" charset="0"/>
+              </a:rPr>
+              <a:t>titanic.xlsx</a:t>
+            </a:r>
+          </a:p>
+          <a:p>
+            <a:pPr marL="971550" lvl="1" indent="-514350">
+              <a:buFont typeface="Arial" panose="020B0604020202020204" pitchFamily="34" charset="0"/>
+              <a:buChar char="•"/>
+            </a:pPr>
+            <a:r>
+              <a:rPr lang="en-US" sz="2800" b="1" dirty="0">
+                <a:solidFill>
+                  <a:srgbClr val="CF3338"/>
+                </a:solidFill>
+                <a:latin typeface="Pragmatica" panose="020B0403040502020204"/>
+              </a:rPr>
+              <a:t>Variable descriptions: </a:t>
+            </a:r>
+            <a:r>
+              <a:rPr lang="en-US" sz="2800" b="1" dirty="0">
+                <a:solidFill>
+                  <a:srgbClr val="CF3338"/>
+                </a:solidFill>
+                <a:latin typeface="Pragmatica" panose="020B0403040502020204"/>
+                <a:hlinkClick r:id="rId4"/>
+              </a:rPr>
+              <a:t>https://web.stanford.edu/class/archive/cs/cs109/cs109.1166/problem12.html</a:t>
+            </a:r>
+            <a:r>
+              <a:rPr lang="en-US" sz="2800" b="1" dirty="0">
+                <a:solidFill>
+                  <a:srgbClr val="CF3338"/>
+                </a:solidFill>
+                <a:latin typeface="Pragmatica" panose="020B0403040502020204"/>
+              </a:rPr>
+              <a:t> </a:t>
+            </a:r>
+          </a:p>
+          <a:p>
+            <a:pPr marL="514350" indent="-514350">
+              <a:buFont typeface="Arial" panose="020B0604020202020204" pitchFamily="34" charset="0"/>
+              <a:buChar char="•"/>
+            </a:pPr>
+            <a:r>
+              <a:rPr lang="en-US" sz="2800" b="1" dirty="0">
+                <a:solidFill>
+                  <a:srgbClr val="CF3338"/>
+                </a:solidFill>
+                <a:latin typeface="Pragmatica" panose="020B0403040502020204"/>
+              </a:rPr>
+              <a:t>Categorize each variable</a:t>
+            </a:r>
+          </a:p>
+          <a:p>
+            <a:pPr marL="514350" indent="-514350">
+              <a:buFont typeface="Arial" panose="020B0604020202020204" pitchFamily="34" charset="0"/>
+              <a:buChar char="•"/>
+            </a:pPr>
+            <a:r>
+              <a:rPr lang="en-US" sz="2800" b="1" i="1" dirty="0">
+                <a:solidFill>
+                  <a:srgbClr val="CF3338"/>
+                </a:solidFill>
+                <a:latin typeface="Pragmatica"/>
+              </a:rPr>
+              <a:t>Add an index column and convert to table!</a:t>
+            </a:r>
+          </a:p>
+          <a:p>
+            <a:pPr marL="514350" indent="-514350">
+              <a:buFont typeface="Arial" panose="020B0604020202020204" pitchFamily="34" charset="0"/>
+              <a:buChar char="•"/>
+            </a:pPr>
+            <a:endParaRPr lang="en-US" sz="2800" b="1" dirty="0">
+              <a:solidFill>
+                <a:srgbClr val="CF3338"/>
+              </a:solidFill>
+              <a:latin typeface="Pragmatica"/>
+            </a:endParaRPr>
+          </a:p>
+          <a:p>
+            <a:pPr marL="514350" indent="-514350">
+              <a:buFont typeface="Arial" panose="020B0604020202020204" pitchFamily="34" charset="0"/>
+              <a:buChar char="•"/>
+            </a:pPr>
+            <a:r>
+              <a:rPr lang="en-US" sz="2800" b="1" dirty="0">
+                <a:solidFill>
+                  <a:srgbClr val="CF3338"/>
+                </a:solidFill>
+                <a:latin typeface="Pragmatica"/>
+              </a:rPr>
+              <a:t>Solutions: </a:t>
+            </a:r>
+            <a:r>
+              <a:rPr lang="en-US" sz="2800" b="1" dirty="0">
+                <a:solidFill>
+                  <a:srgbClr val="CF3338"/>
+                </a:solidFill>
+                <a:latin typeface="Consolas" panose="020B0609020204030204" pitchFamily="49" charset="0"/>
+              </a:rPr>
+              <a:t>solutions/titanic-solutions.xlsx</a:t>
+            </a:r>
+          </a:p>
+        </p:txBody>
+      </p:sp>
+    </p:spTree>
+    <p:extLst>
+      <p:ext uri="{BB962C8B-B14F-4D97-AF65-F5344CB8AC3E}">
+        <p14:creationId xmlns:p14="http://schemas.microsoft.com/office/powerpoint/2010/main" val="3088895096"/>
+      </p:ext>
+    </p:extLst>
+  </p:cSld>
+  <p:clrMapOvr>
+    <a:masterClrMapping/>
+  </p:clrMapOvr>
+</p:sld>
+</file>
+
+<file path=ppt/slides/slide11.xml><?xml version="1.0" encoding="utf-8"?>
+<p:sld xmlns:a="http://schemas.openxmlformats.org/drawingml/2006/main" xmlns:r="http://schemas.openxmlformats.org/officeDocument/2006/relationships" xmlns:p="http://schemas.openxmlformats.org/presentationml/2006/main">
+  <p:cSld>
+    <p:spTree>
+      <p:nvGrpSpPr>
+        <p:cNvPr id="1" name=""/>
+        <p:cNvGrpSpPr/>
+        <p:nvPr/>
+      </p:nvGrpSpPr>
+      <p:grpSpPr>
+        <a:xfrm>
+          <a:off x="0" y="0"/>
+          <a:ext cx="0" cy="0"/>
+          <a:chOff x="0" y="0"/>
+          <a:chExt cx="0" cy="0"/>
+        </a:xfrm>
+      </p:grpSpPr>
+      <p:pic>
+        <p:nvPicPr>
+          <p:cNvPr id="10" name="Picture 9"/>
+          <p:cNvPicPr>
+            <a:picLocks noChangeAspect="1"/>
+          </p:cNvPicPr>
+          <p:nvPr/>
+        </p:nvPicPr>
+        <p:blipFill rotWithShape="1">
+          <a:blip r:embed="rId2">
+            <a:extLst>
+              <a:ext uri="{28A0092B-C50C-407E-A947-70E740481C1C}">
+                <a14:useLocalDpi xmlns:a14="http://schemas.microsoft.com/office/drawing/2010/main" val="0"/>
+              </a:ext>
+            </a:extLst>
+          </a:blip>
+          <a:srcRect l="50728" t="56371"/>
+          <a:stretch/>
+        </p:blipFill>
+        <p:spPr>
+          <a:xfrm>
+            <a:off x="10894024" y="5370653"/>
+            <a:ext cx="1297975" cy="1487348"/>
+          </a:xfrm>
+          <a:prstGeom prst="rect">
+            <a:avLst/>
+          </a:prstGeom>
+        </p:spPr>
+      </p:pic>
+      <p:sp>
+        <p:nvSpPr>
+          <p:cNvPr id="11" name="TextBox 10"/>
+          <p:cNvSpPr txBox="1"/>
+          <p:nvPr/>
+        </p:nvSpPr>
+        <p:spPr>
+          <a:xfrm>
+            <a:off x="347240" y="113388"/>
+            <a:ext cx="9799937" cy="923330"/>
+          </a:xfrm>
+          <a:prstGeom prst="rect">
+            <a:avLst/>
+          </a:prstGeom>
+          <a:noFill/>
+        </p:spPr>
+        <p:txBody>
+          <a:bodyPr wrap="square" rtlCol="0">
+            <a:spAutoFit/>
+          </a:bodyPr>
+          <a:lstStyle/>
+          <a:p>
+            <a:r>
+              <a:rPr lang="en-US" sz="5400" dirty="0">
+                <a:latin typeface="Aliens &amp; cows" panose="00000500000000000000" pitchFamily="2" charset="0"/>
+              </a:rPr>
+              <a:t>Summarizing continuous variables</a:t>
+            </a:r>
+          </a:p>
+        </p:txBody>
+      </p:sp>
+      <p:sp>
+        <p:nvSpPr>
+          <p:cNvPr id="13" name="TextBox 12">
+            <a:extLst>
+              <a:ext uri="{FF2B5EF4-FFF2-40B4-BE49-F238E27FC236}">
+                <a16:creationId xmlns:a16="http://schemas.microsoft.com/office/drawing/2014/main" id="{028B35C6-31DB-454A-95C1-1F1FC93CAB77}"/>
+              </a:ext>
+            </a:extLst>
+          </p:cNvPr>
+          <p:cNvSpPr txBox="1"/>
+          <p:nvPr/>
+        </p:nvSpPr>
+        <p:spPr>
+          <a:xfrm>
+            <a:off x="462987" y="1365813"/>
+            <a:ext cx="9595413" cy="2677656"/>
+          </a:xfrm>
+          <a:prstGeom prst="rect">
+            <a:avLst/>
+          </a:prstGeom>
+          <a:noFill/>
+        </p:spPr>
+        <p:txBody>
+          <a:bodyPr wrap="square" rtlCol="0">
+            <a:spAutoFit/>
+          </a:bodyPr>
+          <a:lstStyle/>
+          <a:p>
+            <a:pPr marL="457200" indent="-457200">
+              <a:buFont typeface="Arial" panose="020B0604020202020204" pitchFamily="34" charset="0"/>
+              <a:buChar char="•"/>
+            </a:pPr>
+            <a:r>
+              <a:rPr lang="en-US" sz="2800" dirty="0">
+                <a:solidFill>
+                  <a:srgbClr val="707070"/>
+                </a:solidFill>
+                <a:latin typeface="Pragmatica" panose="020B0403040502020204" pitchFamily="34" charset="0"/>
+              </a:rPr>
+              <a:t>Central tendency: what value is the variable centered around?</a:t>
+            </a:r>
+          </a:p>
+          <a:p>
+            <a:pPr marL="914400" lvl="1" indent="-457200">
+              <a:buFont typeface="Arial" panose="020B0604020202020204" pitchFamily="34" charset="0"/>
+              <a:buChar char="•"/>
+            </a:pPr>
+            <a:r>
+              <a:rPr lang="en-US" sz="2800" dirty="0">
+                <a:solidFill>
+                  <a:srgbClr val="707070"/>
+                </a:solidFill>
+                <a:latin typeface="Pragmatica" panose="020B0403040502020204" pitchFamily="34" charset="0"/>
+              </a:rPr>
+              <a:t>Mean: “average”</a:t>
+            </a:r>
+          </a:p>
+          <a:p>
+            <a:pPr marL="914400" lvl="1" indent="-457200">
+              <a:buFont typeface="Arial" panose="020B0604020202020204" pitchFamily="34" charset="0"/>
+              <a:buChar char="•"/>
+            </a:pPr>
+            <a:r>
+              <a:rPr lang="en-US" sz="2800" dirty="0">
+                <a:solidFill>
+                  <a:srgbClr val="707070"/>
+                </a:solidFill>
+                <a:latin typeface="Pragmatica" panose="020B0403040502020204" pitchFamily="34" charset="0"/>
+              </a:rPr>
+              <a:t>Median: “middle”</a:t>
+            </a:r>
+          </a:p>
+          <a:p>
+            <a:pPr marL="914400" lvl="1" indent="-457200">
+              <a:buFont typeface="Arial" panose="020B0604020202020204" pitchFamily="34" charset="0"/>
+              <a:buChar char="•"/>
+            </a:pPr>
+            <a:r>
+              <a:rPr lang="en-US" sz="2800" dirty="0">
+                <a:solidFill>
+                  <a:srgbClr val="707070"/>
+                </a:solidFill>
+                <a:latin typeface="Pragmatica" panose="020B0403040502020204" pitchFamily="34" charset="0"/>
+              </a:rPr>
+              <a:t>Mode: “most common”</a:t>
+            </a:r>
+          </a:p>
+          <a:p>
+            <a:endParaRPr lang="en-US" sz="2800" dirty="0">
+              <a:solidFill>
+                <a:srgbClr val="707070"/>
+              </a:solidFill>
+              <a:latin typeface="Pragmatica" panose="020B0403040502020204" pitchFamily="34" charset="0"/>
+            </a:endParaRPr>
+          </a:p>
+          <a:p>
+            <a:endParaRPr lang="en-US" sz="2800" dirty="0">
+              <a:solidFill>
+                <a:srgbClr val="707070"/>
+              </a:solidFill>
+              <a:latin typeface="Pragmatica" panose="020B0403040502020204" pitchFamily="34" charset="0"/>
+            </a:endParaRPr>
+          </a:p>
+        </p:txBody>
+      </p:sp>
+    </p:spTree>
+    <p:extLst>
+      <p:ext uri="{BB962C8B-B14F-4D97-AF65-F5344CB8AC3E}">
+        <p14:creationId xmlns:p14="http://schemas.microsoft.com/office/powerpoint/2010/main" val="2014522667"/>
+      </p:ext>
+    </p:extLst>
+  </p:cSld>
+  <p:clrMapOvr>
+    <a:masterClrMapping/>
+  </p:clrMapOvr>
+</p:sld>
+</file>
+
+<file path=ppt/slides/slide12.xml><?xml version="1.0" encoding="utf-8"?>
+<p:sld xmlns:a="http://schemas.openxmlformats.org/drawingml/2006/main" xmlns:r="http://schemas.openxmlformats.org/officeDocument/2006/relationships" xmlns:p="http://schemas.openxmlformats.org/presentationml/2006/main">
+  <p:cSld>
+    <p:spTree>
+      <p:nvGrpSpPr>
+        <p:cNvPr id="1" name=""/>
+        <p:cNvGrpSpPr/>
+        <p:nvPr/>
+      </p:nvGrpSpPr>
+      <p:grpSpPr>
+        <a:xfrm>
+          <a:off x="0" y="0"/>
+          <a:ext cx="0" cy="0"/>
+          <a:chOff x="0" y="0"/>
+          <a:chExt cx="0" cy="0"/>
+        </a:xfrm>
+      </p:grpSpPr>
+      <p:sp>
+        <p:nvSpPr>
+          <p:cNvPr id="4" name="Rectangle 3"/>
+          <p:cNvSpPr/>
+          <p:nvPr/>
+        </p:nvSpPr>
+        <p:spPr>
+          <a:xfrm>
+            <a:off x="6574420" y="0"/>
+            <a:ext cx="5617580" cy="6858000"/>
+          </a:xfrm>
+          <a:prstGeom prst="rect">
+            <a:avLst/>
+          </a:prstGeom>
+          <a:solidFill>
+            <a:srgbClr val="CF3338"/>
+          </a:solidFill>
+        </p:spPr>
+        <p:style>
+          <a:lnRef idx="2">
+            <a:schemeClr val="accent1">
+              <a:shade val="50000"/>
+            </a:schemeClr>
+          </a:lnRef>
+          <a:fillRef idx="1">
+            <a:schemeClr val="accent1"/>
+          </a:fillRef>
+          <a:effectRef idx="0">
+            <a:schemeClr val="accent1"/>
+          </a:effectRef>
+          <a:fontRef idx="minor">
+            <a:schemeClr val="lt1"/>
+          </a:fontRef>
+        </p:style>
+        <p:txBody>
+          <a:bodyPr rtlCol="0" anchor="ctr"/>
+          <a:lstStyle/>
+          <a:p>
+            <a:pPr algn="ctr"/>
+            <a:endParaRPr lang="en-US"/>
+          </a:p>
+        </p:txBody>
+      </p:sp>
+      <p:sp>
+        <p:nvSpPr>
+          <p:cNvPr id="5" name="TextBox 4"/>
+          <p:cNvSpPr txBox="1"/>
+          <p:nvPr/>
+        </p:nvSpPr>
+        <p:spPr>
+          <a:xfrm>
+            <a:off x="6817489" y="0"/>
+            <a:ext cx="4120587" cy="1446550"/>
+          </a:xfrm>
+          <a:prstGeom prst="rect">
+            <a:avLst/>
+          </a:prstGeom>
+          <a:noFill/>
+        </p:spPr>
+        <p:txBody>
+          <a:bodyPr wrap="square" rtlCol="0">
+            <a:spAutoFit/>
+          </a:bodyPr>
+          <a:lstStyle/>
+          <a:p>
+            <a:r>
+              <a:rPr lang="en-US" sz="8800" dirty="0">
+                <a:solidFill>
+                  <a:schemeClr val="bg1"/>
+                </a:solidFill>
+                <a:latin typeface="Aliens &amp; cows" panose="00000500000000000000" pitchFamily="2" charset="0"/>
+              </a:rPr>
+              <a:t>Drill</a:t>
+            </a:r>
+          </a:p>
+        </p:txBody>
+      </p:sp>
+      <p:pic>
+        <p:nvPicPr>
+          <p:cNvPr id="2" name="Picture 1"/>
+          <p:cNvPicPr>
+            <a:picLocks noChangeAspect="1"/>
+          </p:cNvPicPr>
+          <p:nvPr/>
+        </p:nvPicPr>
+        <p:blipFill rotWithShape="1">
+          <a:blip r:embed="rId3">
+            <a:extLst>
+              <a:ext uri="{28A0092B-C50C-407E-A947-70E740481C1C}">
+                <a14:useLocalDpi xmlns:a14="http://schemas.microsoft.com/office/drawing/2010/main" val="0"/>
+              </a:ext>
+            </a:extLst>
+          </a:blip>
+          <a:srcRect l="69227" t="33418" r="20112" b="50548"/>
+          <a:stretch/>
+        </p:blipFill>
+        <p:spPr>
+          <a:xfrm>
+            <a:off x="10386349" y="5029795"/>
+            <a:ext cx="1805651" cy="1991719"/>
+          </a:xfrm>
+          <a:prstGeom prst="rect">
+            <a:avLst/>
+          </a:prstGeom>
+        </p:spPr>
+      </p:pic>
+      <p:sp>
+        <p:nvSpPr>
+          <p:cNvPr id="3" name="TextBox 2"/>
+          <p:cNvSpPr txBox="1"/>
+          <p:nvPr/>
+        </p:nvSpPr>
+        <p:spPr>
+          <a:xfrm>
             <a:off x="158187" y="-144107"/>
             <a:ext cx="5937813" cy="3108543"/>
           </a:xfrm>
@@ -5356,7 +5844,7 @@
 </p:sld>
 </file>
 
-<file path=ppt/slides/slide11.xml><?xml version="1.0" encoding="utf-8"?>
+<file path=ppt/slides/slide13.xml><?xml version="1.0" encoding="utf-8"?>
 <p:sld xmlns:a="http://schemas.openxmlformats.org/drawingml/2006/main" xmlns:r="http://schemas.openxmlformats.org/officeDocument/2006/relationships" xmlns:p="http://schemas.openxmlformats.org/presentationml/2006/main">
   <p:cSld>
     <p:spTree>
@@ -5934,516 +6422,6 @@
 </p:sld>
 </file>
 
-<file path=ppt/slides/slide12.xml><?xml version="1.0" encoding="utf-8"?>
-<p:sld xmlns:a="http://schemas.openxmlformats.org/drawingml/2006/main" xmlns:r="http://schemas.openxmlformats.org/officeDocument/2006/relationships" xmlns:p="http://schemas.openxmlformats.org/presentationml/2006/main">
-  <p:cSld>
-    <p:spTree>
-      <p:nvGrpSpPr>
-        <p:cNvPr id="1" name=""/>
-        <p:cNvGrpSpPr/>
-        <p:nvPr/>
-      </p:nvGrpSpPr>
-      <p:grpSpPr>
-        <a:xfrm>
-          <a:off x="0" y="0"/>
-          <a:ext cx="0" cy="0"/>
-          <a:chOff x="0" y="0"/>
-          <a:chExt cx="0" cy="0"/>
-        </a:xfrm>
-      </p:grpSpPr>
-      <p:sp>
-        <p:nvSpPr>
-          <p:cNvPr id="4" name="Rectangle 3"/>
-          <p:cNvSpPr/>
-          <p:nvPr/>
-        </p:nvSpPr>
-        <p:spPr>
-          <a:xfrm>
-            <a:off x="6574420" y="0"/>
-            <a:ext cx="5617580" cy="6858000"/>
-          </a:xfrm>
-          <a:prstGeom prst="rect">
-            <a:avLst/>
-          </a:prstGeom>
-          <a:solidFill>
-            <a:srgbClr val="CF3338"/>
-          </a:solidFill>
-        </p:spPr>
-        <p:style>
-          <a:lnRef idx="2">
-            <a:schemeClr val="accent1">
-              <a:shade val="50000"/>
-            </a:schemeClr>
-          </a:lnRef>
-          <a:fillRef idx="1">
-            <a:schemeClr val="accent1"/>
-          </a:fillRef>
-          <a:effectRef idx="0">
-            <a:schemeClr val="accent1"/>
-          </a:effectRef>
-          <a:fontRef idx="minor">
-            <a:schemeClr val="lt1"/>
-          </a:fontRef>
-        </p:style>
-        <p:txBody>
-          <a:bodyPr rtlCol="0" anchor="ctr"/>
-          <a:lstStyle/>
-          <a:p>
-            <a:pPr algn="ctr"/>
-            <a:endParaRPr lang="en-US"/>
-          </a:p>
-        </p:txBody>
-      </p:sp>
-      <p:sp>
-        <p:nvSpPr>
-          <p:cNvPr id="5" name="TextBox 4"/>
-          <p:cNvSpPr txBox="1"/>
-          <p:nvPr/>
-        </p:nvSpPr>
-        <p:spPr>
-          <a:xfrm>
-            <a:off x="6817489" y="0"/>
-            <a:ext cx="4120587" cy="1446550"/>
-          </a:xfrm>
-          <a:prstGeom prst="rect">
-            <a:avLst/>
-          </a:prstGeom>
-          <a:noFill/>
-        </p:spPr>
-        <p:txBody>
-          <a:bodyPr wrap="square" rtlCol="0">
-            <a:spAutoFit/>
-          </a:bodyPr>
-          <a:lstStyle/>
-          <a:p>
-            <a:r>
-              <a:rPr lang="en-US" sz="8800" dirty="0">
-                <a:solidFill>
-                  <a:schemeClr val="bg1"/>
-                </a:solidFill>
-                <a:latin typeface="Aliens &amp; cows" panose="00000500000000000000" pitchFamily="2" charset="0"/>
-              </a:rPr>
-              <a:t>Demo</a:t>
-            </a:r>
-          </a:p>
-        </p:txBody>
-      </p:sp>
-      <p:pic>
-        <p:nvPicPr>
-          <p:cNvPr id="2" name="Picture 1"/>
-          <p:cNvPicPr>
-            <a:picLocks noChangeAspect="1"/>
-          </p:cNvPicPr>
-          <p:nvPr/>
-        </p:nvPicPr>
-        <p:blipFill rotWithShape="1">
-          <a:blip r:embed="rId3">
-            <a:extLst>
-              <a:ext uri="{28A0092B-C50C-407E-A947-70E740481C1C}">
-                <a14:useLocalDpi xmlns:a14="http://schemas.microsoft.com/office/drawing/2010/main" val="0"/>
-              </a:ext>
-            </a:extLst>
-          </a:blip>
-          <a:srcRect l="69227" t="33418" r="20112" b="50548"/>
-          <a:stretch/>
-        </p:blipFill>
-        <p:spPr>
-          <a:xfrm>
-            <a:off x="10386349" y="5029795"/>
-            <a:ext cx="1805651" cy="1991719"/>
-          </a:xfrm>
-          <a:prstGeom prst="rect">
-            <a:avLst/>
-          </a:prstGeom>
-        </p:spPr>
-      </p:pic>
-      <p:sp>
-        <p:nvSpPr>
-          <p:cNvPr id="3" name="TextBox 2"/>
-          <p:cNvSpPr txBox="1"/>
-          <p:nvPr/>
-        </p:nvSpPr>
-        <p:spPr>
-          <a:xfrm>
-            <a:off x="173620" y="219919"/>
-            <a:ext cx="5937813" cy="6124754"/>
-          </a:xfrm>
-          <a:prstGeom prst="rect">
-            <a:avLst/>
-          </a:prstGeom>
-          <a:noFill/>
-        </p:spPr>
-        <p:txBody>
-          <a:bodyPr wrap="square" rtlCol="0">
-            <a:spAutoFit/>
-          </a:bodyPr>
-          <a:lstStyle/>
-          <a:p>
-            <a:r>
-              <a:rPr lang="en-US" sz="2800" b="1" dirty="0">
-                <a:solidFill>
-                  <a:srgbClr val="CF3338"/>
-                </a:solidFill>
-                <a:latin typeface="Pragmatica" pitchFamily="2" charset="0"/>
-              </a:rPr>
-              <a:t>Summarizing categorical variables</a:t>
-            </a:r>
-          </a:p>
-          <a:p>
-            <a:endParaRPr lang="en-US" sz="2800" b="1" dirty="0">
-              <a:solidFill>
-                <a:srgbClr val="CF3338"/>
-              </a:solidFill>
-              <a:latin typeface="Pragmatica" pitchFamily="2" charset="0"/>
-            </a:endParaRPr>
-          </a:p>
-          <a:p>
-            <a:pPr marL="514350" indent="-514350">
-              <a:buFont typeface="Arial" panose="020B0604020202020204" pitchFamily="34" charset="0"/>
-              <a:buChar char="•"/>
-            </a:pPr>
-            <a:r>
-              <a:rPr lang="en-US" sz="2800" b="1" dirty="0">
-                <a:solidFill>
-                  <a:srgbClr val="CF3338"/>
-                </a:solidFill>
-                <a:latin typeface="Pragmatica" pitchFamily="2" charset="0"/>
-              </a:rPr>
-              <a:t>How many of each category?</a:t>
-            </a:r>
-          </a:p>
-          <a:p>
-            <a:pPr marL="971550" lvl="1" indent="-514350">
-              <a:buFont typeface="Arial" panose="020B0604020202020204" pitchFamily="34" charset="0"/>
-              <a:buChar char="•"/>
-            </a:pPr>
-            <a:r>
-              <a:rPr lang="en-US" sz="2800" b="1" dirty="0">
-                <a:solidFill>
-                  <a:srgbClr val="CF3338"/>
-                </a:solidFill>
-                <a:latin typeface="Pragmatica" pitchFamily="2" charset="0"/>
-              </a:rPr>
-              <a:t>PivotTables</a:t>
-            </a:r>
-          </a:p>
-          <a:p>
-            <a:pPr marL="971550" lvl="1" indent="-514350">
-              <a:buFont typeface="Arial" panose="020B0604020202020204" pitchFamily="34" charset="0"/>
-              <a:buChar char="•"/>
-            </a:pPr>
-            <a:r>
-              <a:rPr lang="en-US" sz="2800" b="1" dirty="0">
-                <a:solidFill>
-                  <a:srgbClr val="CF3338"/>
-                </a:solidFill>
-                <a:latin typeface="Pragmatica" pitchFamily="2" charset="0"/>
-              </a:rPr>
-              <a:t>Bar charts</a:t>
-            </a:r>
-          </a:p>
-          <a:p>
-            <a:endParaRPr lang="en-US" sz="2800" b="1" dirty="0">
-              <a:solidFill>
-                <a:srgbClr val="CF3338"/>
-              </a:solidFill>
-              <a:latin typeface="Pragmatica" pitchFamily="2" charset="0"/>
-            </a:endParaRPr>
-          </a:p>
-          <a:p>
-            <a:r>
-              <a:rPr lang="en-US" sz="2800" b="1" dirty="0">
-                <a:solidFill>
-                  <a:srgbClr val="CF3338"/>
-                </a:solidFill>
-                <a:latin typeface="Pragmatica" pitchFamily="2" charset="0"/>
-              </a:rPr>
-              <a:t>Dataset: </a:t>
-            </a:r>
-            <a:r>
-              <a:rPr lang="en-US" sz="2800" b="1" dirty="0">
-                <a:solidFill>
-                  <a:srgbClr val="CF3338"/>
-                </a:solidFill>
-                <a:latin typeface="Consolas" panose="020B0609020204030204" pitchFamily="49" charset="0"/>
-              </a:rPr>
-              <a:t>housing.xlsx</a:t>
-            </a:r>
-          </a:p>
-          <a:p>
-            <a:r>
-              <a:rPr lang="en-US" sz="2800" b="1" dirty="0">
-                <a:solidFill>
-                  <a:srgbClr val="CF3338"/>
-                </a:solidFill>
-                <a:latin typeface="Pragmatica" panose="020B0403040502020204"/>
-              </a:rPr>
-              <a:t>Complete file:</a:t>
-            </a:r>
-            <a:r>
-              <a:rPr lang="en-US" sz="2800" b="1" dirty="0">
-                <a:solidFill>
-                  <a:srgbClr val="CF3338"/>
-                </a:solidFill>
-                <a:latin typeface="Consolas" panose="020B0609020204030204" pitchFamily="49" charset="0"/>
-              </a:rPr>
-              <a:t> solutions/housing-complete.xlsx</a:t>
-            </a:r>
-          </a:p>
-          <a:p>
-            <a:endParaRPr lang="en-US" sz="2800" b="1" dirty="0">
-              <a:solidFill>
-                <a:srgbClr val="CF3338"/>
-              </a:solidFill>
-              <a:latin typeface="Consolas" panose="020B0609020204030204" pitchFamily="49" charset="0"/>
-            </a:endParaRPr>
-          </a:p>
-          <a:p>
-            <a:r>
-              <a:rPr lang="en-US" sz="2800" b="1" dirty="0">
-                <a:solidFill>
-                  <a:srgbClr val="CF3338"/>
-                </a:solidFill>
-                <a:latin typeface="Pragmatica" panose="020B0403040502020204"/>
-              </a:rPr>
-              <a:t>Demo notes:  </a:t>
-            </a:r>
-            <a:r>
-              <a:rPr lang="en-US" sz="2800" b="1" dirty="0">
-                <a:solidFill>
-                  <a:srgbClr val="CF3338"/>
-                </a:solidFill>
-                <a:latin typeface="Consolas" panose="020B0609020204030204" pitchFamily="49" charset="0"/>
-              </a:rPr>
-              <a:t>demo-notes.xlsx</a:t>
-            </a:r>
-          </a:p>
-          <a:p>
-            <a:endParaRPr lang="en-US" sz="2800" b="1" dirty="0">
-              <a:solidFill>
-                <a:srgbClr val="CF3338"/>
-              </a:solidFill>
-              <a:latin typeface="Pragmatica" panose="020B0403040502020204"/>
-            </a:endParaRPr>
-          </a:p>
-          <a:p>
-            <a:endParaRPr lang="en-US" sz="2800" b="1" dirty="0">
-              <a:solidFill>
-                <a:srgbClr val="CF3338"/>
-              </a:solidFill>
-              <a:latin typeface="Pragmatica" pitchFamily="2" charset="0"/>
-            </a:endParaRPr>
-          </a:p>
-        </p:txBody>
-      </p:sp>
-    </p:spTree>
-    <p:extLst>
-      <p:ext uri="{BB962C8B-B14F-4D97-AF65-F5344CB8AC3E}">
-        <p14:creationId xmlns:p14="http://schemas.microsoft.com/office/powerpoint/2010/main" val="2312641399"/>
-      </p:ext>
-    </p:extLst>
-  </p:cSld>
-  <p:clrMapOvr>
-    <a:masterClrMapping/>
-  </p:clrMapOvr>
-</p:sld>
-</file>
-
-<file path=ppt/slides/slide13.xml><?xml version="1.0" encoding="utf-8"?>
-<p:sld xmlns:a="http://schemas.openxmlformats.org/drawingml/2006/main" xmlns:r="http://schemas.openxmlformats.org/officeDocument/2006/relationships" xmlns:p="http://schemas.openxmlformats.org/presentationml/2006/main">
-  <p:cSld>
-    <p:spTree>
-      <p:nvGrpSpPr>
-        <p:cNvPr id="1" name=""/>
-        <p:cNvGrpSpPr/>
-        <p:nvPr/>
-      </p:nvGrpSpPr>
-      <p:grpSpPr>
-        <a:xfrm>
-          <a:off x="0" y="0"/>
-          <a:ext cx="0" cy="0"/>
-          <a:chOff x="0" y="0"/>
-          <a:chExt cx="0" cy="0"/>
-        </a:xfrm>
-      </p:grpSpPr>
-      <p:pic>
-        <p:nvPicPr>
-          <p:cNvPr id="10" name="Picture 9"/>
-          <p:cNvPicPr>
-            <a:picLocks noChangeAspect="1"/>
-          </p:cNvPicPr>
-          <p:nvPr/>
-        </p:nvPicPr>
-        <p:blipFill rotWithShape="1">
-          <a:blip r:embed="rId2">
-            <a:extLst>
-              <a:ext uri="{28A0092B-C50C-407E-A947-70E740481C1C}">
-                <a14:useLocalDpi xmlns:a14="http://schemas.microsoft.com/office/drawing/2010/main" val="0"/>
-              </a:ext>
-            </a:extLst>
-          </a:blip>
-          <a:srcRect l="50728" t="56371"/>
-          <a:stretch/>
-        </p:blipFill>
-        <p:spPr>
-          <a:xfrm>
-            <a:off x="10894024" y="5370653"/>
-            <a:ext cx="1297975" cy="1487348"/>
-          </a:xfrm>
-          <a:prstGeom prst="rect">
-            <a:avLst/>
-          </a:prstGeom>
-        </p:spPr>
-      </p:pic>
-      <p:sp>
-        <p:nvSpPr>
-          <p:cNvPr id="11" name="TextBox 10"/>
-          <p:cNvSpPr txBox="1"/>
-          <p:nvPr/>
-        </p:nvSpPr>
-        <p:spPr>
-          <a:xfrm>
-            <a:off x="347240" y="113388"/>
-            <a:ext cx="9799937" cy="923330"/>
-          </a:xfrm>
-          <a:prstGeom prst="rect">
-            <a:avLst/>
-          </a:prstGeom>
-          <a:noFill/>
-        </p:spPr>
-        <p:txBody>
-          <a:bodyPr wrap="square" rtlCol="0">
-            <a:spAutoFit/>
-          </a:bodyPr>
-          <a:lstStyle/>
-          <a:p>
-            <a:r>
-              <a:rPr lang="en-US" sz="5400" dirty="0">
-                <a:latin typeface="Aliens &amp; cows" panose="00000500000000000000" pitchFamily="2" charset="0"/>
-              </a:rPr>
-              <a:t>Summarizing continuous variables</a:t>
-            </a:r>
-          </a:p>
-        </p:txBody>
-      </p:sp>
-      <p:sp>
-        <p:nvSpPr>
-          <p:cNvPr id="13" name="TextBox 12">
-            <a:extLst>
-              <a:ext uri="{FF2B5EF4-FFF2-40B4-BE49-F238E27FC236}">
-                <a16:creationId xmlns:a16="http://schemas.microsoft.com/office/drawing/2014/main" id="{028B35C6-31DB-454A-95C1-1F1FC93CAB77}"/>
-              </a:ext>
-            </a:extLst>
-          </p:cNvPr>
-          <p:cNvSpPr txBox="1"/>
-          <p:nvPr/>
-        </p:nvSpPr>
-        <p:spPr>
-          <a:xfrm>
-            <a:off x="462987" y="1365813"/>
-            <a:ext cx="9595413" cy="3108543"/>
-          </a:xfrm>
-          <a:prstGeom prst="rect">
-            <a:avLst/>
-          </a:prstGeom>
-          <a:noFill/>
-        </p:spPr>
-        <p:txBody>
-          <a:bodyPr wrap="square" rtlCol="0">
-            <a:spAutoFit/>
-          </a:bodyPr>
-          <a:lstStyle/>
-          <a:p>
-            <a:pPr marL="457200" indent="-457200">
-              <a:buFont typeface="Arial" panose="020B0604020202020204" pitchFamily="34" charset="0"/>
-              <a:buChar char="•"/>
-            </a:pPr>
-            <a:r>
-              <a:rPr lang="en-US" sz="2800" dirty="0">
-                <a:solidFill>
-                  <a:srgbClr val="707070"/>
-                </a:solidFill>
-                <a:latin typeface="Pragmatica" panose="020B0403040502020204" pitchFamily="34" charset="0"/>
-              </a:rPr>
-              <a:t>Variability: how spread is the variable from the center?</a:t>
-            </a:r>
-          </a:p>
-          <a:p>
-            <a:pPr marL="914400" lvl="1" indent="-457200">
-              <a:buFont typeface="Arial" panose="020B0604020202020204" pitchFamily="34" charset="0"/>
-              <a:buChar char="•"/>
-            </a:pPr>
-            <a:r>
-              <a:rPr lang="en-US" sz="2800" dirty="0">
-                <a:solidFill>
-                  <a:srgbClr val="707070"/>
-                </a:solidFill>
-                <a:latin typeface="Pragmatica" panose="020B0403040502020204" pitchFamily="34" charset="0"/>
-              </a:rPr>
-              <a:t>Range: What are the min/max?</a:t>
-            </a:r>
-          </a:p>
-          <a:p>
-            <a:pPr marL="914400" lvl="1" indent="-457200">
-              <a:buFont typeface="Arial" panose="020B0604020202020204" pitchFamily="34" charset="0"/>
-              <a:buChar char="•"/>
-            </a:pPr>
-            <a:r>
-              <a:rPr lang="en-US" sz="2800" dirty="0">
-                <a:solidFill>
-                  <a:srgbClr val="707070"/>
-                </a:solidFill>
-                <a:latin typeface="Pragmatica" panose="020B0403040502020204" pitchFamily="34" charset="0"/>
-              </a:rPr>
-              <a:t>Variance: Relative to the mean, how far away does the data fall? </a:t>
-            </a:r>
-          </a:p>
-          <a:p>
-            <a:pPr marL="914400" lvl="1" indent="-457200">
-              <a:buFont typeface="Arial" panose="020B0604020202020204" pitchFamily="34" charset="0"/>
-              <a:buChar char="•"/>
-            </a:pPr>
-            <a:r>
-              <a:rPr lang="en-US" sz="2800" dirty="0">
-                <a:solidFill>
-                  <a:srgbClr val="707070"/>
-                </a:solidFill>
-                <a:latin typeface="Pragmatica" panose="020B0403040502020204" pitchFamily="34" charset="0"/>
-              </a:rPr>
-              <a:t>Standard deviation: Square root of the variance</a:t>
-            </a:r>
-          </a:p>
-          <a:p>
-            <a:endParaRPr lang="en-US" sz="2800" dirty="0">
-              <a:solidFill>
-                <a:srgbClr val="707070"/>
-              </a:solidFill>
-              <a:latin typeface="Pragmatica" panose="020B0403040502020204" pitchFamily="34" charset="0"/>
-            </a:endParaRPr>
-          </a:p>
-          <a:p>
-            <a:endParaRPr lang="en-US" sz="2800" dirty="0">
-              <a:solidFill>
-                <a:srgbClr val="707070"/>
-              </a:solidFill>
-              <a:latin typeface="Pragmatica" panose="020B0403040502020204" pitchFamily="34" charset="0"/>
-            </a:endParaRPr>
-          </a:p>
-        </p:txBody>
-      </p:sp>
-    </p:spTree>
-    <p:extLst>
-      <p:ext uri="{BB962C8B-B14F-4D97-AF65-F5344CB8AC3E}">
-        <p14:creationId xmlns:p14="http://schemas.microsoft.com/office/powerpoint/2010/main" val="1171319544"/>
-      </p:ext>
-    </p:extLst>
-  </p:cSld>
-  <p:clrMapOvr>
-    <a:masterClrMapping/>
-  </p:clrMapOvr>
-</p:sld>
-</file>
-
 <file path=ppt/slides/slide14.xml><?xml version="1.0" encoding="utf-8"?>
 <p:sld xmlns:a="http://schemas.openxmlformats.org/drawingml/2006/main" xmlns:r="http://schemas.openxmlformats.org/officeDocument/2006/relationships" xmlns:p="http://schemas.openxmlformats.org/presentationml/2006/main">
   <p:cSld>
@@ -6461,44 +6439,92 @@
           <a:chExt cx="0" cy="0"/>
         </a:xfrm>
       </p:grpSpPr>
+      <p:sp>
+        <p:nvSpPr>
+          <p:cNvPr id="4" name="Rectangle 3"/>
+          <p:cNvSpPr/>
+          <p:nvPr/>
+        </p:nvSpPr>
+        <p:spPr>
+          <a:xfrm>
+            <a:off x="6574420" y="0"/>
+            <a:ext cx="5617580" cy="6858000"/>
+          </a:xfrm>
+          <a:prstGeom prst="rect">
+            <a:avLst/>
+          </a:prstGeom>
+          <a:solidFill>
+            <a:srgbClr val="CF3338"/>
+          </a:solidFill>
+        </p:spPr>
+        <p:style>
+          <a:lnRef idx="2">
+            <a:schemeClr val="accent1">
+              <a:shade val="50000"/>
+            </a:schemeClr>
+          </a:lnRef>
+          <a:fillRef idx="1">
+            <a:schemeClr val="accent1"/>
+          </a:fillRef>
+          <a:effectRef idx="0">
+            <a:schemeClr val="accent1"/>
+          </a:effectRef>
+          <a:fontRef idx="minor">
+            <a:schemeClr val="lt1"/>
+          </a:fontRef>
+        </p:style>
+        <p:txBody>
+          <a:bodyPr rtlCol="0" anchor="ctr"/>
+          <a:lstStyle/>
+          <a:p>
+            <a:pPr algn="ctr"/>
+            <a:endParaRPr lang="en-US"/>
+          </a:p>
+        </p:txBody>
+      </p:sp>
+      <p:sp>
+        <p:nvSpPr>
+          <p:cNvPr id="5" name="TextBox 4"/>
+          <p:cNvSpPr txBox="1"/>
+          <p:nvPr/>
+        </p:nvSpPr>
+        <p:spPr>
+          <a:xfrm>
+            <a:off x="6817489" y="0"/>
+            <a:ext cx="4120587" cy="1446550"/>
+          </a:xfrm>
+          <a:prstGeom prst="rect">
+            <a:avLst/>
+          </a:prstGeom>
+          <a:noFill/>
+        </p:spPr>
+        <p:txBody>
+          <a:bodyPr wrap="square" rtlCol="0">
+            <a:spAutoFit/>
+          </a:bodyPr>
+          <a:lstStyle/>
+          <a:p>
+            <a:r>
+              <a:rPr lang="en-US" sz="8800" dirty="0">
+                <a:solidFill>
+                  <a:schemeClr val="bg1"/>
+                </a:solidFill>
+                <a:latin typeface="Aliens &amp; cows" panose="00000500000000000000" pitchFamily="2" charset="0"/>
+              </a:rPr>
+              <a:t>Demo</a:t>
+            </a:r>
+          </a:p>
+        </p:txBody>
+      </p:sp>
       <p:pic>
         <p:nvPicPr>
-          <p:cNvPr id="10" name="Picture 9"/>
+          <p:cNvPr id="2" name="Picture 1"/>
           <p:cNvPicPr>
             <a:picLocks noChangeAspect="1"/>
           </p:cNvPicPr>
           <p:nvPr/>
         </p:nvPicPr>
         <p:blipFill rotWithShape="1">
-          <a:blip r:embed="rId2">
-            <a:extLst>
-              <a:ext uri="{28A0092B-C50C-407E-A947-70E740481C1C}">
-                <a14:useLocalDpi xmlns:a14="http://schemas.microsoft.com/office/drawing/2010/main" val="0"/>
-              </a:ext>
-            </a:extLst>
-          </a:blip>
-          <a:srcRect l="50728" t="56371"/>
-          <a:stretch/>
-        </p:blipFill>
-        <p:spPr>
-          <a:xfrm>
-            <a:off x="8136460" y="2210765"/>
-            <a:ext cx="4055539" cy="4647236"/>
-          </a:xfrm>
-          <a:prstGeom prst="rect">
-            <a:avLst/>
-          </a:prstGeom>
-        </p:spPr>
-      </p:pic>
-      <p:pic>
-        <p:nvPicPr>
-          <p:cNvPr id="4" name="Picture 3"/>
-          <p:cNvPicPr>
-            <a:picLocks noChangeAspect="1"/>
-          </p:cNvPicPr>
-          <p:nvPr/>
-        </p:nvPicPr>
-        <p:blipFill>
           <a:blip r:embed="rId3">
             <a:extLst>
               <a:ext uri="{28A0092B-C50C-407E-A947-70E740481C1C}">
@@ -6506,14 +6532,13 @@
               </a:ext>
             </a:extLst>
           </a:blip>
-          <a:stretch>
-            <a:fillRect/>
-          </a:stretch>
+          <a:srcRect l="69227" t="33418" r="20112" b="50548"/>
+          <a:stretch/>
         </p:blipFill>
         <p:spPr>
           <a:xfrm>
-            <a:off x="-538496" y="-2482770"/>
-            <a:ext cx="10171472" cy="7459883"/>
+            <a:off x="10386349" y="5029795"/>
+            <a:ext cx="1805651" cy="1991719"/>
           </a:xfrm>
           <a:prstGeom prst="rect">
             <a:avLst/>
@@ -6522,14 +6547,14 @@
       </p:pic>
       <p:sp>
         <p:nvSpPr>
-          <p:cNvPr id="11" name="TextBox 10"/>
+          <p:cNvPr id="3" name="TextBox 2"/>
           <p:cNvSpPr txBox="1"/>
           <p:nvPr/>
         </p:nvSpPr>
         <p:spPr>
           <a:xfrm>
-            <a:off x="324091" y="1687545"/>
-            <a:ext cx="7986531" cy="769441"/>
+            <a:off x="173620" y="219919"/>
+            <a:ext cx="5937813" cy="6124754"/>
           </a:xfrm>
           <a:prstGeom prst="rect">
             <a:avLst/>
@@ -6543,21 +6568,166 @@
           <a:lstStyle/>
           <a:p>
             <a:r>
-              <a:rPr lang="en-US" sz="4400" b="1" dirty="0">
-                <a:solidFill>
-                  <a:srgbClr val="707070"/>
-                </a:solidFill>
-                <a:latin typeface="Pragmatica" panose="020B0403040502020204" pitchFamily="34" charset="0"/>
-              </a:rPr>
-              <a:t>Questions?</a:t>
-            </a:r>
+              <a:rPr lang="en-US" sz="2800" b="1" dirty="0">
+                <a:solidFill>
+                  <a:srgbClr val="CF3338"/>
+                </a:solidFill>
+                <a:latin typeface="Pragmatica" pitchFamily="2" charset="0"/>
+              </a:rPr>
+              <a:t>Summarizing categorical variables</a:t>
+            </a:r>
+          </a:p>
+          <a:p>
+            <a:endParaRPr lang="en-US" sz="2800" b="1" dirty="0">
+              <a:solidFill>
+                <a:srgbClr val="CF3338"/>
+              </a:solidFill>
+              <a:latin typeface="Pragmatica" pitchFamily="2" charset="0"/>
+            </a:endParaRPr>
+          </a:p>
+          <a:p>
+            <a:pPr marL="514350" indent="-514350">
+              <a:buFont typeface="Arial" panose="020B0604020202020204" pitchFamily="34" charset="0"/>
+              <a:buChar char="•"/>
+            </a:pPr>
+            <a:r>
+              <a:rPr lang="en-US" sz="2800" b="1" dirty="0">
+                <a:solidFill>
+                  <a:srgbClr val="CF3338"/>
+                </a:solidFill>
+                <a:latin typeface="Pragmatica" pitchFamily="2" charset="0"/>
+              </a:rPr>
+              <a:t>How many of each category?</a:t>
+            </a:r>
+          </a:p>
+          <a:p>
+            <a:pPr marL="971550" lvl="1" indent="-514350">
+              <a:buFont typeface="Arial" panose="020B0604020202020204" pitchFamily="34" charset="0"/>
+              <a:buChar char="•"/>
+            </a:pPr>
+            <a:r>
+              <a:rPr lang="en-US" sz="2800" b="1" dirty="0">
+                <a:solidFill>
+                  <a:srgbClr val="CF3338"/>
+                </a:solidFill>
+                <a:latin typeface="Pragmatica" pitchFamily="2" charset="0"/>
+              </a:rPr>
+              <a:t>PivotTables</a:t>
+            </a:r>
+          </a:p>
+          <a:p>
+            <a:pPr marL="971550" lvl="1" indent="-514350">
+              <a:buFont typeface="Arial" panose="020B0604020202020204" pitchFamily="34" charset="0"/>
+              <a:buChar char="•"/>
+            </a:pPr>
+            <a:r>
+              <a:rPr lang="en-US" sz="2800" b="1" dirty="0">
+                <a:solidFill>
+                  <a:srgbClr val="CF3338"/>
+                </a:solidFill>
+                <a:latin typeface="Pragmatica" pitchFamily="2" charset="0"/>
+              </a:rPr>
+              <a:t>Bar charts</a:t>
+            </a:r>
+          </a:p>
+          <a:p>
+            <a:endParaRPr lang="en-US" sz="2800" b="1" dirty="0">
+              <a:solidFill>
+                <a:srgbClr val="CF3338"/>
+              </a:solidFill>
+              <a:latin typeface="Pragmatica" pitchFamily="2" charset="0"/>
+            </a:endParaRPr>
+          </a:p>
+          <a:p>
+            <a:r>
+              <a:rPr lang="en-US" sz="2800" b="1" dirty="0">
+                <a:solidFill>
+                  <a:srgbClr val="CF3338"/>
+                </a:solidFill>
+                <a:latin typeface="Pragmatica" pitchFamily="2" charset="0"/>
+              </a:rPr>
+              <a:t>Dataset: </a:t>
+            </a:r>
+            <a:r>
+              <a:rPr lang="en-US" sz="2800" b="1" dirty="0">
+                <a:solidFill>
+                  <a:srgbClr val="CF3338"/>
+                </a:solidFill>
+                <a:latin typeface="Consolas" panose="020B0609020204030204" pitchFamily="49" charset="0"/>
+              </a:rPr>
+              <a:t>housing.xlsx</a:t>
+            </a:r>
+          </a:p>
+          <a:p>
+            <a:r>
+              <a:rPr lang="en-US" sz="2800" b="1" dirty="0">
+                <a:solidFill>
+                  <a:srgbClr val="CF3338"/>
+                </a:solidFill>
+                <a:latin typeface="Pragmatica" panose="020B0403040502020204"/>
+              </a:rPr>
+              <a:t>Complete file:</a:t>
+            </a:r>
+            <a:r>
+              <a:rPr lang="en-US" sz="2800" b="1" dirty="0">
+                <a:solidFill>
+                  <a:srgbClr val="CF3338"/>
+                </a:solidFill>
+                <a:latin typeface="Consolas" panose="020B0609020204030204" pitchFamily="49" charset="0"/>
+              </a:rPr>
+              <a:t> solutions/housing-complete.xlsx</a:t>
+            </a:r>
+          </a:p>
+          <a:p>
+            <a:endParaRPr lang="en-US" sz="2800" b="1" dirty="0">
+              <a:solidFill>
+                <a:srgbClr val="CF3338"/>
+              </a:solidFill>
+              <a:latin typeface="Consolas" panose="020B0609020204030204" pitchFamily="49" charset="0"/>
+            </a:endParaRPr>
+          </a:p>
+          <a:p>
+            <a:r>
+              <a:rPr lang="en-US" sz="2800" b="1" dirty="0">
+                <a:solidFill>
+                  <a:srgbClr val="CF3338"/>
+                </a:solidFill>
+                <a:latin typeface="Pragmatica" panose="020B0403040502020204"/>
+              </a:rPr>
+              <a:t>Demo notes:  </a:t>
+            </a:r>
+            <a:r>
+              <a:rPr lang="en-US" sz="2800" b="1" dirty="0">
+                <a:solidFill>
+                  <a:srgbClr val="CF3338"/>
+                </a:solidFill>
+                <a:latin typeface="Consolas" panose="020B0609020204030204" pitchFamily="49" charset="0"/>
+              </a:rPr>
+              <a:t>demo-notes.xlsx</a:t>
+            </a:r>
+          </a:p>
+          <a:p>
+            <a:endParaRPr lang="en-US" sz="2800" b="1" dirty="0">
+              <a:solidFill>
+                <a:srgbClr val="CF3338"/>
+              </a:solidFill>
+              <a:latin typeface="Pragmatica" panose="020B0403040502020204"/>
+            </a:endParaRPr>
+          </a:p>
+          <a:p>
+            <a:endParaRPr lang="en-US" sz="2800" b="1" dirty="0">
+              <a:solidFill>
+                <a:srgbClr val="CF3338"/>
+              </a:solidFill>
+              <a:latin typeface="Pragmatica" pitchFamily="2" charset="0"/>
+            </a:endParaRPr>
           </a:p>
         </p:txBody>
       </p:sp>
     </p:spTree>
     <p:extLst>
       <p:ext uri="{BB962C8B-B14F-4D97-AF65-F5344CB8AC3E}">
-        <p14:creationId xmlns:p14="http://schemas.microsoft.com/office/powerpoint/2010/main" val="3277195189"/>
+        <p14:creationId xmlns:p14="http://schemas.microsoft.com/office/powerpoint/2010/main" val="2312641399"/>
       </p:ext>
     </p:extLst>
   </p:cSld>
@@ -6584,59 +6754,45 @@
           <a:chExt cx="0" cy="0"/>
         </a:xfrm>
       </p:grpSpPr>
-      <p:sp>
-        <p:nvSpPr>
-          <p:cNvPr id="4" name="Rectangle 3"/>
-          <p:cNvSpPr/>
-          <p:nvPr/>
-        </p:nvSpPr>
-        <p:spPr>
-          <a:xfrm>
-            <a:off x="0" y="0"/>
-            <a:ext cx="12192000" cy="6858000"/>
-          </a:xfrm>
-          <a:prstGeom prst="rect">
-            <a:avLst/>
-          </a:prstGeom>
-          <a:solidFill>
-            <a:srgbClr val="CF3338"/>
-          </a:solidFill>
-        </p:spPr>
-        <p:style>
-          <a:lnRef idx="2">
-            <a:schemeClr val="accent1">
-              <a:shade val="50000"/>
-            </a:schemeClr>
-          </a:lnRef>
-          <a:fillRef idx="1">
-            <a:schemeClr val="accent1"/>
-          </a:fillRef>
-          <a:effectRef idx="0">
-            <a:schemeClr val="accent1"/>
-          </a:effectRef>
-          <a:fontRef idx="minor">
-            <a:schemeClr val="lt1"/>
-          </a:fontRef>
-        </p:style>
-        <p:txBody>
-          <a:bodyPr rtlCol="0" anchor="ctr"/>
-          <a:lstStyle/>
-          <a:p>
-            <a:pPr algn="ctr"/>
-            <a:endParaRPr lang="en-US"/>
-          </a:p>
-        </p:txBody>
-      </p:sp>
-      <p:sp>
-        <p:nvSpPr>
-          <p:cNvPr id="5" name="TextBox 4"/>
+      <p:pic>
+        <p:nvPicPr>
+          <p:cNvPr id="10" name="Picture 9"/>
+          <p:cNvPicPr>
+            <a:picLocks noChangeAspect="1"/>
+          </p:cNvPicPr>
+          <p:nvPr/>
+        </p:nvPicPr>
+        <p:blipFill rotWithShape="1">
+          <a:blip r:embed="rId2">
+            <a:extLst>
+              <a:ext uri="{28A0092B-C50C-407E-A947-70E740481C1C}">
+                <a14:useLocalDpi xmlns:a14="http://schemas.microsoft.com/office/drawing/2010/main" val="0"/>
+              </a:ext>
+            </a:extLst>
+          </a:blip>
+          <a:srcRect l="50728" t="56371"/>
+          <a:stretch/>
+        </p:blipFill>
+        <p:spPr>
+          <a:xfrm>
+            <a:off x="10894024" y="5370653"/>
+            <a:ext cx="1297975" cy="1487348"/>
+          </a:xfrm>
+          <a:prstGeom prst="rect">
+            <a:avLst/>
+          </a:prstGeom>
+        </p:spPr>
+      </p:pic>
+      <p:sp>
+        <p:nvSpPr>
+          <p:cNvPr id="11" name="TextBox 10"/>
           <p:cNvSpPr txBox="1"/>
           <p:nvPr/>
         </p:nvSpPr>
         <p:spPr>
           <a:xfrm>
-            <a:off x="520861" y="393539"/>
-            <a:ext cx="10324617" cy="4154984"/>
+            <a:off x="347240" y="113388"/>
+            <a:ext cx="9799937" cy="923330"/>
           </a:xfrm>
           <a:prstGeom prst="rect">
             <a:avLst/>
@@ -6650,63 +6806,115 @@
           <a:lstStyle/>
           <a:p>
             <a:r>
-              <a:rPr lang="en-US" sz="6600" b="1" dirty="0">
-                <a:solidFill>
-                  <a:schemeClr val="bg1"/>
-                </a:solidFill>
-                <a:latin typeface="Pragmatica" pitchFamily="2" charset="0"/>
-              </a:rPr>
-              <a:t>Do you have the </a:t>
-            </a:r>
-            <a:r>
-              <a:rPr lang="en-US" sz="6600" b="1" dirty="0" err="1">
-                <a:solidFill>
-                  <a:schemeClr val="bg1"/>
-                </a:solidFill>
-                <a:latin typeface="Pragmatica" pitchFamily="2" charset="0"/>
-              </a:rPr>
-              <a:t>the</a:t>
-            </a:r>
-            <a:r>
-              <a:rPr lang="en-US" sz="6600" b="1" dirty="0">
-                <a:solidFill>
-                  <a:schemeClr val="bg1"/>
-                </a:solidFill>
-                <a:latin typeface="Pragmatica" pitchFamily="2" charset="0"/>
-              </a:rPr>
-              <a:t> Analysis ToolPak?</a:t>
-            </a:r>
-          </a:p>
-          <a:p>
-            <a:endParaRPr lang="en-US" sz="6600" b="1" dirty="0">
+              <a:rPr lang="en-US" sz="5400" dirty="0">
+                <a:latin typeface="Aliens &amp; cows" panose="00000500000000000000" pitchFamily="2" charset="0"/>
+              </a:rPr>
+              <a:t>Summarizing continuous variables</a:t>
+            </a:r>
+          </a:p>
+        </p:txBody>
+      </p:sp>
+      <p:sp>
+        <p:nvSpPr>
+          <p:cNvPr id="13" name="TextBox 12">
+            <a:extLst>
+              <a:ext uri="{FF2B5EF4-FFF2-40B4-BE49-F238E27FC236}">
+                <a16:creationId xmlns:a16="http://schemas.microsoft.com/office/drawing/2014/main" id="{028B35C6-31DB-454A-95C1-1F1FC93CAB77}"/>
+              </a:ext>
+            </a:extLst>
+          </p:cNvPr>
+          <p:cNvSpPr txBox="1"/>
+          <p:nvPr/>
+        </p:nvSpPr>
+        <p:spPr>
+          <a:xfrm>
+            <a:off x="462987" y="1365813"/>
+            <a:ext cx="9595413" cy="3108543"/>
+          </a:xfrm>
+          <a:prstGeom prst="rect">
+            <a:avLst/>
+          </a:prstGeom>
+          <a:noFill/>
+        </p:spPr>
+        <p:txBody>
+          <a:bodyPr wrap="square" rtlCol="0">
+            <a:spAutoFit/>
+          </a:bodyPr>
+          <a:lstStyle/>
+          <a:p>
+            <a:pPr marL="457200" indent="-457200">
+              <a:buFont typeface="Arial" panose="020B0604020202020204" pitchFamily="34" charset="0"/>
+              <a:buChar char="•"/>
+            </a:pPr>
+            <a:r>
+              <a:rPr lang="en-US" sz="2800" dirty="0">
+                <a:solidFill>
+                  <a:srgbClr val="707070"/>
+                </a:solidFill>
+                <a:latin typeface="Pragmatica" panose="020B0403040502020204" pitchFamily="34" charset="0"/>
+              </a:rPr>
+              <a:t>Variability: how spread is the variable from the center?</a:t>
+            </a:r>
+          </a:p>
+          <a:p>
+            <a:pPr marL="914400" lvl="1" indent="-457200">
+              <a:buFont typeface="Arial" panose="020B0604020202020204" pitchFamily="34" charset="0"/>
+              <a:buChar char="•"/>
+            </a:pPr>
+            <a:r>
+              <a:rPr lang="en-US" sz="2800" dirty="0">
+                <a:solidFill>
+                  <a:srgbClr val="707070"/>
+                </a:solidFill>
+                <a:latin typeface="Pragmatica" panose="020B0403040502020204" pitchFamily="34" charset="0"/>
+              </a:rPr>
+              <a:t>Range: What are the min/max?</a:t>
+            </a:r>
+          </a:p>
+          <a:p>
+            <a:pPr marL="914400" lvl="1" indent="-457200">
+              <a:buFont typeface="Arial" panose="020B0604020202020204" pitchFamily="34" charset="0"/>
+              <a:buChar char="•"/>
+            </a:pPr>
+            <a:r>
+              <a:rPr lang="en-US" sz="2800" dirty="0">
+                <a:solidFill>
+                  <a:srgbClr val="707070"/>
+                </a:solidFill>
+                <a:latin typeface="Pragmatica" panose="020B0403040502020204" pitchFamily="34" charset="0"/>
+              </a:rPr>
+              <a:t>Variance: Relative to the mean, how far away does the data fall? </a:t>
+            </a:r>
+          </a:p>
+          <a:p>
+            <a:pPr marL="914400" lvl="1" indent="-457200">
+              <a:buFont typeface="Arial" panose="020B0604020202020204" pitchFamily="34" charset="0"/>
+              <a:buChar char="•"/>
+            </a:pPr>
+            <a:r>
+              <a:rPr lang="en-US" sz="2800" dirty="0">
+                <a:solidFill>
+                  <a:srgbClr val="707070"/>
+                </a:solidFill>
+                <a:latin typeface="Pragmatica" panose="020B0403040502020204" pitchFamily="34" charset="0"/>
+              </a:rPr>
+              <a:t>Standard deviation: Square root of the variance</a:t>
+            </a:r>
+          </a:p>
+          <a:p>
+            <a:endParaRPr lang="en-US" sz="2800" dirty="0">
               <a:solidFill>
-                <a:schemeClr val="bg1"/>
+                <a:srgbClr val="707070"/>
               </a:solidFill>
-              <a:latin typeface="Pragmatica" pitchFamily="2" charset="0"/>
+              <a:latin typeface="Pragmatica" panose="020B0403040502020204" pitchFamily="34" charset="0"/>
             </a:endParaRPr>
           </a:p>
           <a:p>
-            <a:r>
-              <a:rPr lang="en-US" sz="6600" b="1" dirty="0">
-                <a:solidFill>
-                  <a:schemeClr val="bg1"/>
-                </a:solidFill>
-                <a:latin typeface="Pragmatica" pitchFamily="2" charset="0"/>
-                <a:hlinkClick r:id="rId2">
-                  <a:extLst>
-                    <a:ext uri="{A12FA001-AC4F-418D-AE19-62706E023703}">
-                      <ahyp:hlinkClr xmlns:ahyp="http://schemas.microsoft.com/office/drawing/2018/hyperlinkcolor" val="tx"/>
-                    </a:ext>
-                  </a:extLst>
-                </a:hlinkClick>
-              </a:rPr>
-              <a:t>https://bit.ly/3jZaw9X</a:t>
-            </a:r>
-            <a:endParaRPr lang="en-US" sz="6600" b="1" dirty="0">
+            <a:endParaRPr lang="en-US" sz="2800" dirty="0">
               <a:solidFill>
-                <a:schemeClr val="bg1"/>
+                <a:srgbClr val="707070"/>
               </a:solidFill>
-              <a:latin typeface="Pragmatica" pitchFamily="2" charset="0"/>
+              <a:latin typeface="Pragmatica" panose="020B0403040502020204" pitchFamily="34" charset="0"/>
             </a:endParaRPr>
           </a:p>
         </p:txBody>
@@ -6714,7 +6922,7 @@
     </p:spTree>
     <p:extLst>
       <p:ext uri="{BB962C8B-B14F-4D97-AF65-F5344CB8AC3E}">
-        <p14:creationId xmlns:p14="http://schemas.microsoft.com/office/powerpoint/2010/main" val="510588120"/>
+        <p14:creationId xmlns:p14="http://schemas.microsoft.com/office/powerpoint/2010/main" val="1171319544"/>
       </p:ext>
     </p:extLst>
   </p:cSld>
@@ -6741,92 +6949,44 @@
           <a:chExt cx="0" cy="0"/>
         </a:xfrm>
       </p:grpSpPr>
-      <p:sp>
-        <p:nvSpPr>
-          <p:cNvPr id="4" name="Rectangle 3"/>
-          <p:cNvSpPr/>
-          <p:nvPr/>
-        </p:nvSpPr>
-        <p:spPr>
-          <a:xfrm>
-            <a:off x="6574420" y="0"/>
-            <a:ext cx="5617580" cy="6858000"/>
-          </a:xfrm>
-          <a:prstGeom prst="rect">
-            <a:avLst/>
-          </a:prstGeom>
-          <a:solidFill>
-            <a:srgbClr val="CF3338"/>
-          </a:solidFill>
-        </p:spPr>
-        <p:style>
-          <a:lnRef idx="2">
-            <a:schemeClr val="accent1">
-              <a:shade val="50000"/>
-            </a:schemeClr>
-          </a:lnRef>
-          <a:fillRef idx="1">
-            <a:schemeClr val="accent1"/>
-          </a:fillRef>
-          <a:effectRef idx="0">
-            <a:schemeClr val="accent1"/>
-          </a:effectRef>
-          <a:fontRef idx="minor">
-            <a:schemeClr val="lt1"/>
-          </a:fontRef>
-        </p:style>
-        <p:txBody>
-          <a:bodyPr rtlCol="0" anchor="ctr"/>
-          <a:lstStyle/>
-          <a:p>
-            <a:pPr algn="ctr"/>
-            <a:endParaRPr lang="en-US"/>
-          </a:p>
-        </p:txBody>
-      </p:sp>
-      <p:sp>
-        <p:nvSpPr>
-          <p:cNvPr id="5" name="TextBox 4"/>
-          <p:cNvSpPr txBox="1"/>
-          <p:nvPr/>
-        </p:nvSpPr>
-        <p:spPr>
-          <a:xfrm>
-            <a:off x="6817489" y="0"/>
-            <a:ext cx="4120587" cy="1446550"/>
-          </a:xfrm>
-          <a:prstGeom prst="rect">
-            <a:avLst/>
-          </a:prstGeom>
-          <a:noFill/>
-        </p:spPr>
-        <p:txBody>
-          <a:bodyPr wrap="square" rtlCol="0">
-            <a:spAutoFit/>
-          </a:bodyPr>
-          <a:lstStyle/>
-          <a:p>
-            <a:r>
-              <a:rPr lang="en-US" sz="8800" dirty="0">
-                <a:solidFill>
-                  <a:schemeClr val="bg1"/>
-                </a:solidFill>
-                <a:latin typeface="Aliens &amp; cows" panose="00000500000000000000" pitchFamily="2" charset="0"/>
-              </a:rPr>
-              <a:t>Demo</a:t>
-            </a:r>
-          </a:p>
-        </p:txBody>
-      </p:sp>
       <p:pic>
         <p:nvPicPr>
-          <p:cNvPr id="2" name="Picture 1"/>
+          <p:cNvPr id="10" name="Picture 9"/>
           <p:cNvPicPr>
             <a:picLocks noChangeAspect="1"/>
           </p:cNvPicPr>
           <p:nvPr/>
         </p:nvPicPr>
         <p:blipFill rotWithShape="1">
+          <a:blip r:embed="rId2">
+            <a:extLst>
+              <a:ext uri="{28A0092B-C50C-407E-A947-70E740481C1C}">
+                <a14:useLocalDpi xmlns:a14="http://schemas.microsoft.com/office/drawing/2010/main" val="0"/>
+              </a:ext>
+            </a:extLst>
+          </a:blip>
+          <a:srcRect l="50728" t="56371"/>
+          <a:stretch/>
+        </p:blipFill>
+        <p:spPr>
+          <a:xfrm>
+            <a:off x="8136460" y="2210765"/>
+            <a:ext cx="4055539" cy="4647236"/>
+          </a:xfrm>
+          <a:prstGeom prst="rect">
+            <a:avLst/>
+          </a:prstGeom>
+        </p:spPr>
+      </p:pic>
+      <p:pic>
+        <p:nvPicPr>
+          <p:cNvPr id="4" name="Picture 3"/>
+          <p:cNvPicPr>
+            <a:picLocks noChangeAspect="1"/>
+          </p:cNvPicPr>
+          <p:nvPr/>
+        </p:nvPicPr>
+        <p:blipFill>
           <a:blip r:embed="rId3">
             <a:extLst>
               <a:ext uri="{28A0092B-C50C-407E-A947-70E740481C1C}">
@@ -6834,13 +6994,14 @@
               </a:ext>
             </a:extLst>
           </a:blip>
-          <a:srcRect l="69227" t="33418" r="20112" b="50548"/>
-          <a:stretch/>
+          <a:stretch>
+            <a:fillRect/>
+          </a:stretch>
         </p:blipFill>
         <p:spPr>
           <a:xfrm>
-            <a:off x="10386349" y="5029795"/>
-            <a:ext cx="1805651" cy="1991719"/>
+            <a:off x="-538496" y="-2482770"/>
+            <a:ext cx="10171472" cy="7459883"/>
           </a:xfrm>
           <a:prstGeom prst="rect">
             <a:avLst/>
@@ -6849,14 +7010,14 @@
       </p:pic>
       <p:sp>
         <p:nvSpPr>
-          <p:cNvPr id="3" name="TextBox 2"/>
+          <p:cNvPr id="11" name="TextBox 10"/>
           <p:cNvSpPr txBox="1"/>
           <p:nvPr/>
         </p:nvSpPr>
         <p:spPr>
           <a:xfrm>
-            <a:off x="173620" y="219919"/>
-            <a:ext cx="5937813" cy="2246769"/>
+            <a:off x="324091" y="1687545"/>
+            <a:ext cx="7986531" cy="769441"/>
           </a:xfrm>
           <a:prstGeom prst="rect">
             <a:avLst/>
@@ -6870,79 +7031,21 @@
           <a:lstStyle/>
           <a:p>
             <a:r>
-              <a:rPr lang="en-US" sz="2800" b="1" dirty="0">
-                <a:solidFill>
-                  <a:srgbClr val="CF3338"/>
-                </a:solidFill>
-                <a:latin typeface="Pragmatica" pitchFamily="2" charset="0"/>
-              </a:rPr>
-              <a:t>File: </a:t>
-            </a:r>
-            <a:r>
-              <a:rPr lang="en-US" sz="2800" b="1" dirty="0">
-                <a:solidFill>
-                  <a:srgbClr val="CF3338"/>
-                </a:solidFill>
-                <a:latin typeface="Consolas" panose="020B0609020204030204" pitchFamily="49" charset="0"/>
-              </a:rPr>
-              <a:t>housing.xlsx</a:t>
-            </a:r>
-          </a:p>
-          <a:p>
-            <a:endParaRPr lang="en-US" sz="2800" b="1" dirty="0">
-              <a:solidFill>
-                <a:srgbClr val="CF3338"/>
-              </a:solidFill>
-              <a:latin typeface="Pragmatica" pitchFamily="2" charset="0"/>
-            </a:endParaRPr>
-          </a:p>
-          <a:p>
-            <a:pPr marL="457200" indent="-457200">
-              <a:buFont typeface="Arial" panose="020B0604020202020204" pitchFamily="34" charset="0"/>
-              <a:buChar char="•"/>
-            </a:pPr>
-            <a:r>
-              <a:rPr lang="en-US" sz="2800" b="1" dirty="0">
-                <a:solidFill>
-                  <a:srgbClr val="CF3338"/>
-                </a:solidFill>
-                <a:latin typeface="Pragmatica" pitchFamily="2" charset="0"/>
-              </a:rPr>
-              <a:t>Summarize </a:t>
-            </a:r>
-            <a:r>
-              <a:rPr lang="en-US" sz="2800" b="1" dirty="0">
-                <a:solidFill>
-                  <a:srgbClr val="CF3338"/>
-                </a:solidFill>
-                <a:latin typeface="Consolas" panose="020B0609020204030204" pitchFamily="49" charset="0"/>
-              </a:rPr>
-              <a:t>price </a:t>
-            </a:r>
-            <a:r>
-              <a:rPr lang="en-US" sz="2800" b="1" dirty="0">
-                <a:solidFill>
-                  <a:srgbClr val="CF3338"/>
-                </a:solidFill>
-                <a:latin typeface="Pragmatica" panose="020B0403040502020204"/>
-              </a:rPr>
-              <a:t>with the Analysis ToolPak</a:t>
-            </a:r>
-          </a:p>
-          <a:p>
-            <a:endParaRPr lang="en-US" sz="2800" b="1" dirty="0">
-              <a:solidFill>
-                <a:srgbClr val="CF3338"/>
-              </a:solidFill>
-              <a:latin typeface="Consolas" panose="020B0609020204030204" pitchFamily="49" charset="0"/>
-            </a:endParaRPr>
+              <a:rPr lang="en-US" sz="4400" b="1" dirty="0">
+                <a:solidFill>
+                  <a:srgbClr val="707070"/>
+                </a:solidFill>
+                <a:latin typeface="Pragmatica" panose="020B0403040502020204" pitchFamily="34" charset="0"/>
+              </a:rPr>
+              <a:t>Questions?</a:t>
+            </a:r>
           </a:p>
         </p:txBody>
       </p:sp>
     </p:spTree>
     <p:extLst>
       <p:ext uri="{BB962C8B-B14F-4D97-AF65-F5344CB8AC3E}">
-        <p14:creationId xmlns:p14="http://schemas.microsoft.com/office/powerpoint/2010/main" val="4287774206"/>
+        <p14:creationId xmlns:p14="http://schemas.microsoft.com/office/powerpoint/2010/main" val="3277195189"/>
       </p:ext>
     </p:extLst>
   </p:cSld>
@@ -6977,8 +7080,8 @@
         </p:nvSpPr>
         <p:spPr>
           <a:xfrm>
-            <a:off x="6574420" y="0"/>
-            <a:ext cx="5617580" cy="6858000"/>
+            <a:off x="0" y="0"/>
+            <a:ext cx="12192000" cy="6858000"/>
           </a:xfrm>
           <a:prstGeom prst="rect">
             <a:avLst/>
@@ -7020,8 +7123,8 @@
         </p:nvSpPr>
         <p:spPr>
           <a:xfrm>
-            <a:off x="6817489" y="0"/>
-            <a:ext cx="4120587" cy="1446550"/>
+            <a:off x="520861" y="393539"/>
+            <a:ext cx="10324617" cy="4154984"/>
           </a:xfrm>
           <a:prstGeom prst="rect">
             <a:avLst/>
@@ -7035,143 +7138,63 @@
           <a:lstStyle/>
           <a:p>
             <a:r>
-              <a:rPr lang="en-US" sz="8800" dirty="0">
+              <a:rPr lang="en-US" sz="6600" b="1" dirty="0">
                 <a:solidFill>
                   <a:schemeClr val="bg1"/>
                 </a:solidFill>
-                <a:latin typeface="Aliens &amp; cows" panose="00000500000000000000" pitchFamily="2" charset="0"/>
-              </a:rPr>
-              <a:t>Drill</a:t>
-            </a:r>
-          </a:p>
-        </p:txBody>
-      </p:sp>
-      <p:pic>
-        <p:nvPicPr>
-          <p:cNvPr id="2" name="Picture 1"/>
-          <p:cNvPicPr>
-            <a:picLocks noChangeAspect="1"/>
-          </p:cNvPicPr>
-          <p:nvPr/>
-        </p:nvPicPr>
-        <p:blipFill rotWithShape="1">
-          <a:blip r:embed="rId3">
-            <a:extLst>
-              <a:ext uri="{28A0092B-C50C-407E-A947-70E740481C1C}">
-                <a14:useLocalDpi xmlns:a14="http://schemas.microsoft.com/office/drawing/2010/main" val="0"/>
-              </a:ext>
-            </a:extLst>
-          </a:blip>
-          <a:srcRect l="69227" t="33418" r="20112" b="50548"/>
-          <a:stretch/>
-        </p:blipFill>
-        <p:spPr>
-          <a:xfrm>
-            <a:off x="10386349" y="5029795"/>
-            <a:ext cx="1805651" cy="1991719"/>
-          </a:xfrm>
-          <a:prstGeom prst="rect">
-            <a:avLst/>
-          </a:prstGeom>
-        </p:spPr>
-      </p:pic>
-      <p:sp>
-        <p:nvSpPr>
-          <p:cNvPr id="3" name="TextBox 2"/>
-          <p:cNvSpPr txBox="1"/>
-          <p:nvPr/>
-        </p:nvSpPr>
-        <p:spPr>
-          <a:xfrm>
-            <a:off x="173620" y="219919"/>
-            <a:ext cx="5937813" cy="2246769"/>
-          </a:xfrm>
-          <a:prstGeom prst="rect">
-            <a:avLst/>
-          </a:prstGeom>
-          <a:noFill/>
-        </p:spPr>
-        <p:txBody>
-          <a:bodyPr wrap="square" rtlCol="0">
-            <a:spAutoFit/>
-          </a:bodyPr>
-          <a:lstStyle/>
-          <a:p>
-            <a:r>
-              <a:rPr lang="en-US" sz="2800" b="1" dirty="0">
-                <a:solidFill>
-                  <a:srgbClr val="CF3338"/>
-                </a:solidFill>
                 <a:latin typeface="Pragmatica" pitchFamily="2" charset="0"/>
               </a:rPr>
-              <a:t>File: </a:t>
-            </a:r>
-            <a:r>
-              <a:rPr lang="en-US" sz="2800" b="1" dirty="0">
-                <a:solidFill>
-                  <a:srgbClr val="CF3338"/>
-                </a:solidFill>
-                <a:latin typeface="Consolas" panose="020B0609020204030204" pitchFamily="49" charset="0"/>
-              </a:rPr>
-              <a:t>housing.xlsx</a:t>
-            </a:r>
-          </a:p>
-          <a:p>
-            <a:endParaRPr lang="en-US" sz="2800" b="1" dirty="0">
+              <a:t>Do you have the </a:t>
+            </a:r>
+            <a:r>
+              <a:rPr lang="en-US" sz="6600" b="1" dirty="0" err="1">
+                <a:solidFill>
+                  <a:schemeClr val="bg1"/>
+                </a:solidFill>
+                <a:latin typeface="Pragmatica" pitchFamily="2" charset="0"/>
+              </a:rPr>
+              <a:t>the</a:t>
+            </a:r>
+            <a:r>
+              <a:rPr lang="en-US" sz="6600" b="1" dirty="0">
+                <a:solidFill>
+                  <a:schemeClr val="bg1"/>
+                </a:solidFill>
+                <a:latin typeface="Pragmatica" pitchFamily="2" charset="0"/>
+              </a:rPr>
+              <a:t> Analysis ToolPak?</a:t>
+            </a:r>
+          </a:p>
+          <a:p>
+            <a:endParaRPr lang="en-US" sz="6600" b="1" dirty="0">
               <a:solidFill>
-                <a:srgbClr val="CF3338"/>
+                <a:schemeClr val="bg1"/>
               </a:solidFill>
               <a:latin typeface="Pragmatica" pitchFamily="2" charset="0"/>
             </a:endParaRPr>
           </a:p>
           <a:p>
-            <a:pPr marL="457200" indent="-457200">
-              <a:buFont typeface="Arial" panose="020B0604020202020204" pitchFamily="34" charset="0"/>
-              <a:buChar char="•"/>
-            </a:pPr>
-            <a:r>
-              <a:rPr lang="en-US" sz="2800" b="1" dirty="0">
-                <a:solidFill>
-                  <a:srgbClr val="CF3338"/>
+            <a:r>
+              <a:rPr lang="en-US" sz="6600" b="1" dirty="0">
+                <a:solidFill>
+                  <a:schemeClr val="bg1"/>
                 </a:solidFill>
                 <a:latin typeface="Pragmatica" pitchFamily="2" charset="0"/>
-              </a:rPr>
-              <a:t>Summarize </a:t>
-            </a:r>
-            <a:r>
-              <a:rPr lang="en-US" sz="2800" b="1" dirty="0" err="1">
-                <a:solidFill>
-                  <a:srgbClr val="CF3338"/>
-                </a:solidFill>
-                <a:latin typeface="Consolas" panose="020B0609020204030204" pitchFamily="49" charset="0"/>
-              </a:rPr>
-              <a:t>lotsize</a:t>
-            </a:r>
-            <a:r>
-              <a:rPr lang="en-US" sz="2800" b="1" dirty="0">
-                <a:solidFill>
-                  <a:srgbClr val="CF3338"/>
-                </a:solidFill>
-                <a:latin typeface="Consolas" panose="020B0609020204030204" pitchFamily="49" charset="0"/>
-              </a:rPr>
-              <a:t> </a:t>
-            </a:r>
-            <a:r>
-              <a:rPr lang="en-US" sz="2800" b="1" dirty="0">
-                <a:solidFill>
-                  <a:srgbClr val="CF3338"/>
-                </a:solidFill>
-                <a:latin typeface="Pragmatica" panose="020B0403040502020204"/>
-              </a:rPr>
-              <a:t>with the Analysis ToolPak</a:t>
-            </a:r>
-          </a:p>
-          <a:p>
-            <a:endParaRPr lang="en-US" sz="2800" b="1" dirty="0">
+                <a:hlinkClick r:id="rId2">
+                  <a:extLst>
+                    <a:ext uri="{A12FA001-AC4F-418D-AE19-62706E023703}">
+                      <ahyp:hlinkClr xmlns:ahyp="http://schemas.microsoft.com/office/drawing/2018/hyperlinkcolor" val="tx"/>
+                    </a:ext>
+                  </a:extLst>
+                </a:hlinkClick>
+              </a:rPr>
+              <a:t>https://bit.ly/3jZaw9X</a:t>
+            </a:r>
+            <a:endParaRPr lang="en-US" sz="6600" b="1" dirty="0">
               <a:solidFill>
-                <a:srgbClr val="CF3338"/>
+                <a:schemeClr val="bg1"/>
               </a:solidFill>
-              <a:latin typeface="Consolas" panose="020B0609020204030204" pitchFamily="49" charset="0"/>
+              <a:latin typeface="Pragmatica" pitchFamily="2" charset="0"/>
             </a:endParaRPr>
           </a:p>
         </p:txBody>
@@ -7179,7 +7202,7 @@
     </p:spTree>
     <p:extLst>
       <p:ext uri="{BB962C8B-B14F-4D97-AF65-F5344CB8AC3E}">
-        <p14:creationId xmlns:p14="http://schemas.microsoft.com/office/powerpoint/2010/main" val="697352790"/>
+        <p14:creationId xmlns:p14="http://schemas.microsoft.com/office/powerpoint/2010/main" val="510588120"/>
       </p:ext>
     </p:extLst>
   </p:cSld>
@@ -7206,44 +7229,92 @@
           <a:chExt cx="0" cy="0"/>
         </a:xfrm>
       </p:grpSpPr>
+      <p:sp>
+        <p:nvSpPr>
+          <p:cNvPr id="4" name="Rectangle 3"/>
+          <p:cNvSpPr/>
+          <p:nvPr/>
+        </p:nvSpPr>
+        <p:spPr>
+          <a:xfrm>
+            <a:off x="6574420" y="0"/>
+            <a:ext cx="5617580" cy="6858000"/>
+          </a:xfrm>
+          <a:prstGeom prst="rect">
+            <a:avLst/>
+          </a:prstGeom>
+          <a:solidFill>
+            <a:srgbClr val="CF3338"/>
+          </a:solidFill>
+        </p:spPr>
+        <p:style>
+          <a:lnRef idx="2">
+            <a:schemeClr val="accent1">
+              <a:shade val="50000"/>
+            </a:schemeClr>
+          </a:lnRef>
+          <a:fillRef idx="1">
+            <a:schemeClr val="accent1"/>
+          </a:fillRef>
+          <a:effectRef idx="0">
+            <a:schemeClr val="accent1"/>
+          </a:effectRef>
+          <a:fontRef idx="minor">
+            <a:schemeClr val="lt1"/>
+          </a:fontRef>
+        </p:style>
+        <p:txBody>
+          <a:bodyPr rtlCol="0" anchor="ctr"/>
+          <a:lstStyle/>
+          <a:p>
+            <a:pPr algn="ctr"/>
+            <a:endParaRPr lang="en-US"/>
+          </a:p>
+        </p:txBody>
+      </p:sp>
+      <p:sp>
+        <p:nvSpPr>
+          <p:cNvPr id="5" name="TextBox 4"/>
+          <p:cNvSpPr txBox="1"/>
+          <p:nvPr/>
+        </p:nvSpPr>
+        <p:spPr>
+          <a:xfrm>
+            <a:off x="6817489" y="0"/>
+            <a:ext cx="4120587" cy="1446550"/>
+          </a:xfrm>
+          <a:prstGeom prst="rect">
+            <a:avLst/>
+          </a:prstGeom>
+          <a:noFill/>
+        </p:spPr>
+        <p:txBody>
+          <a:bodyPr wrap="square" rtlCol="0">
+            <a:spAutoFit/>
+          </a:bodyPr>
+          <a:lstStyle/>
+          <a:p>
+            <a:r>
+              <a:rPr lang="en-US" sz="8800" dirty="0">
+                <a:solidFill>
+                  <a:schemeClr val="bg1"/>
+                </a:solidFill>
+                <a:latin typeface="Aliens &amp; cows" panose="00000500000000000000" pitchFamily="2" charset="0"/>
+              </a:rPr>
+              <a:t>Demo</a:t>
+            </a:r>
+          </a:p>
+        </p:txBody>
+      </p:sp>
       <p:pic>
         <p:nvPicPr>
-          <p:cNvPr id="10" name="Picture 9"/>
+          <p:cNvPr id="2" name="Picture 1"/>
           <p:cNvPicPr>
             <a:picLocks noChangeAspect="1"/>
           </p:cNvPicPr>
           <p:nvPr/>
         </p:nvPicPr>
         <p:blipFill rotWithShape="1">
-          <a:blip r:embed="rId2">
-            <a:extLst>
-              <a:ext uri="{28A0092B-C50C-407E-A947-70E740481C1C}">
-                <a14:useLocalDpi xmlns:a14="http://schemas.microsoft.com/office/drawing/2010/main" val="0"/>
-              </a:ext>
-            </a:extLst>
-          </a:blip>
-          <a:srcRect l="50728" t="56371"/>
-          <a:stretch/>
-        </p:blipFill>
-        <p:spPr>
-          <a:xfrm>
-            <a:off x="8136460" y="2210765"/>
-            <a:ext cx="4055539" cy="4647236"/>
-          </a:xfrm>
-          <a:prstGeom prst="rect">
-            <a:avLst/>
-          </a:prstGeom>
-        </p:spPr>
-      </p:pic>
-      <p:pic>
-        <p:nvPicPr>
-          <p:cNvPr id="4" name="Picture 3"/>
-          <p:cNvPicPr>
-            <a:picLocks noChangeAspect="1"/>
-          </p:cNvPicPr>
-          <p:nvPr/>
-        </p:nvPicPr>
-        <p:blipFill>
           <a:blip r:embed="rId3">
             <a:extLst>
               <a:ext uri="{28A0092B-C50C-407E-A947-70E740481C1C}">
@@ -7251,14 +7322,13 @@
               </a:ext>
             </a:extLst>
           </a:blip>
-          <a:stretch>
-            <a:fillRect/>
-          </a:stretch>
+          <a:srcRect l="69227" t="33418" r="20112" b="50548"/>
+          <a:stretch/>
         </p:blipFill>
         <p:spPr>
           <a:xfrm>
-            <a:off x="-538496" y="-2482770"/>
-            <a:ext cx="10171472" cy="7459883"/>
+            <a:off x="10386349" y="5029795"/>
+            <a:ext cx="1805651" cy="1991719"/>
           </a:xfrm>
           <a:prstGeom prst="rect">
             <a:avLst/>
@@ -7267,14 +7337,14 @@
       </p:pic>
       <p:sp>
         <p:nvSpPr>
-          <p:cNvPr id="11" name="TextBox 10"/>
+          <p:cNvPr id="3" name="TextBox 2"/>
           <p:cNvSpPr txBox="1"/>
           <p:nvPr/>
         </p:nvSpPr>
         <p:spPr>
           <a:xfrm>
-            <a:off x="324091" y="1687545"/>
-            <a:ext cx="7986531" cy="769441"/>
+            <a:off x="173620" y="219919"/>
+            <a:ext cx="5937813" cy="2246769"/>
           </a:xfrm>
           <a:prstGeom prst="rect">
             <a:avLst/>
@@ -7288,21 +7358,79 @@
           <a:lstStyle/>
           <a:p>
             <a:r>
-              <a:rPr lang="en-US" sz="4400" b="1" dirty="0">
-                <a:solidFill>
-                  <a:srgbClr val="707070"/>
-                </a:solidFill>
-                <a:latin typeface="Pragmatica" panose="020B0403040502020204" pitchFamily="34" charset="0"/>
-              </a:rPr>
-              <a:t>Questions?</a:t>
-            </a:r>
+              <a:rPr lang="en-US" sz="2800" b="1" dirty="0">
+                <a:solidFill>
+                  <a:srgbClr val="CF3338"/>
+                </a:solidFill>
+                <a:latin typeface="Pragmatica" pitchFamily="2" charset="0"/>
+              </a:rPr>
+              <a:t>File: </a:t>
+            </a:r>
+            <a:r>
+              <a:rPr lang="en-US" sz="2800" b="1" dirty="0">
+                <a:solidFill>
+                  <a:srgbClr val="CF3338"/>
+                </a:solidFill>
+                <a:latin typeface="Consolas" panose="020B0609020204030204" pitchFamily="49" charset="0"/>
+              </a:rPr>
+              <a:t>housing.xlsx</a:t>
+            </a:r>
+          </a:p>
+          <a:p>
+            <a:endParaRPr lang="en-US" sz="2800" b="1" dirty="0">
+              <a:solidFill>
+                <a:srgbClr val="CF3338"/>
+              </a:solidFill>
+              <a:latin typeface="Pragmatica" pitchFamily="2" charset="0"/>
+            </a:endParaRPr>
+          </a:p>
+          <a:p>
+            <a:pPr marL="457200" indent="-457200">
+              <a:buFont typeface="Arial" panose="020B0604020202020204" pitchFamily="34" charset="0"/>
+              <a:buChar char="•"/>
+            </a:pPr>
+            <a:r>
+              <a:rPr lang="en-US" sz="2800" b="1" dirty="0">
+                <a:solidFill>
+                  <a:srgbClr val="CF3338"/>
+                </a:solidFill>
+                <a:latin typeface="Pragmatica" pitchFamily="2" charset="0"/>
+              </a:rPr>
+              <a:t>Summarize </a:t>
+            </a:r>
+            <a:r>
+              <a:rPr lang="en-US" sz="2800" b="1" dirty="0">
+                <a:solidFill>
+                  <a:srgbClr val="CF3338"/>
+                </a:solidFill>
+                <a:latin typeface="Consolas" panose="020B0609020204030204" pitchFamily="49" charset="0"/>
+              </a:rPr>
+              <a:t>price </a:t>
+            </a:r>
+            <a:r>
+              <a:rPr lang="en-US" sz="2800" b="1" dirty="0">
+                <a:solidFill>
+                  <a:srgbClr val="CF3338"/>
+                </a:solidFill>
+                <a:latin typeface="Pragmatica" panose="020B0403040502020204"/>
+              </a:rPr>
+              <a:t>with the Analysis ToolPak</a:t>
+            </a:r>
+          </a:p>
+          <a:p>
+            <a:endParaRPr lang="en-US" sz="2800" b="1" dirty="0">
+              <a:solidFill>
+                <a:srgbClr val="CF3338"/>
+              </a:solidFill>
+              <a:latin typeface="Consolas" panose="020B0609020204030204" pitchFamily="49" charset="0"/>
+            </a:endParaRPr>
           </a:p>
         </p:txBody>
       </p:sp>
     </p:spTree>
     <p:extLst>
       <p:ext uri="{BB962C8B-B14F-4D97-AF65-F5344CB8AC3E}">
-        <p14:creationId xmlns:p14="http://schemas.microsoft.com/office/powerpoint/2010/main" val="4081097533"/>
+        <p14:creationId xmlns:p14="http://schemas.microsoft.com/office/powerpoint/2010/main" val="4287774206"/>
       </p:ext>
     </p:extLst>
   </p:cSld>
@@ -7329,29 +7457,106 @@
           <a:chExt cx="0" cy="0"/>
         </a:xfrm>
       </p:grpSpPr>
+      <p:sp>
+        <p:nvSpPr>
+          <p:cNvPr id="4" name="Rectangle 3"/>
+          <p:cNvSpPr/>
+          <p:nvPr/>
+        </p:nvSpPr>
+        <p:spPr>
+          <a:xfrm>
+            <a:off x="6574420" y="0"/>
+            <a:ext cx="5617580" cy="6858000"/>
+          </a:xfrm>
+          <a:prstGeom prst="rect">
+            <a:avLst/>
+          </a:prstGeom>
+          <a:solidFill>
+            <a:srgbClr val="CF3338"/>
+          </a:solidFill>
+        </p:spPr>
+        <p:style>
+          <a:lnRef idx="2">
+            <a:schemeClr val="accent1">
+              <a:shade val="50000"/>
+            </a:schemeClr>
+          </a:lnRef>
+          <a:fillRef idx="1">
+            <a:schemeClr val="accent1"/>
+          </a:fillRef>
+          <a:effectRef idx="0">
+            <a:schemeClr val="accent1"/>
+          </a:effectRef>
+          <a:fontRef idx="minor">
+            <a:schemeClr val="lt1"/>
+          </a:fontRef>
+        </p:style>
+        <p:txBody>
+          <a:bodyPr rtlCol="0" anchor="ctr"/>
+          <a:lstStyle/>
+          <a:p>
+            <a:pPr algn="ctr"/>
+            <a:endParaRPr lang="en-US"/>
+          </a:p>
+        </p:txBody>
+      </p:sp>
+      <p:sp>
+        <p:nvSpPr>
+          <p:cNvPr id="5" name="TextBox 4"/>
+          <p:cNvSpPr txBox="1"/>
+          <p:nvPr/>
+        </p:nvSpPr>
+        <p:spPr>
+          <a:xfrm>
+            <a:off x="6817489" y="0"/>
+            <a:ext cx="4120587" cy="1446550"/>
+          </a:xfrm>
+          <a:prstGeom prst="rect">
+            <a:avLst/>
+          </a:prstGeom>
+          <a:noFill/>
+        </p:spPr>
+        <p:txBody>
+          <a:bodyPr wrap="square" rtlCol="0">
+            <a:spAutoFit/>
+          </a:bodyPr>
+          <a:lstStyle/>
+          <a:p>
+            <a:r>
+              <a:rPr lang="en-US" sz="8800" dirty="0">
+                <a:solidFill>
+                  <a:schemeClr val="bg1"/>
+                </a:solidFill>
+                <a:latin typeface="Aliens &amp; cows" panose="00000500000000000000" pitchFamily="2" charset="0"/>
+              </a:rPr>
+              <a:t>Drill</a:t>
+            </a:r>
+          </a:p>
+        </p:txBody>
+      </p:sp>
       <p:pic>
         <p:nvPicPr>
-          <p:cNvPr id="10" name="Picture 9"/>
+          <p:cNvPr id="2" name="Picture 1"/>
           <p:cNvPicPr>
             <a:picLocks noChangeAspect="1"/>
           </p:cNvPicPr>
           <p:nvPr/>
         </p:nvPicPr>
         <p:blipFill rotWithShape="1">
-          <a:blip r:embed="rId2">
+          <a:blip r:embed="rId3">
             <a:extLst>
               <a:ext uri="{28A0092B-C50C-407E-A947-70E740481C1C}">
                 <a14:useLocalDpi xmlns:a14="http://schemas.microsoft.com/office/drawing/2010/main" val="0"/>
               </a:ext>
             </a:extLst>
           </a:blip>
-          <a:srcRect l="50728" t="56371"/>
+          <a:srcRect l="69227" t="33418" r="20112" b="50548"/>
           <a:stretch/>
         </p:blipFill>
         <p:spPr>
           <a:xfrm>
-            <a:off x="10894024" y="5370653"/>
-            <a:ext cx="1297975" cy="1487348"/>
+            <a:off x="10386349" y="5029795"/>
+            <a:ext cx="1805651" cy="1991719"/>
           </a:xfrm>
           <a:prstGeom prst="rect">
             <a:avLst/>
@@ -7360,14 +7565,14 @@
       </p:pic>
       <p:sp>
         <p:nvSpPr>
-          <p:cNvPr id="11" name="TextBox 10"/>
+          <p:cNvPr id="3" name="TextBox 2"/>
           <p:cNvSpPr txBox="1"/>
           <p:nvPr/>
         </p:nvSpPr>
         <p:spPr>
           <a:xfrm>
-            <a:off x="347240" y="113388"/>
-            <a:ext cx="9799937" cy="923330"/>
+            <a:off x="173620" y="219919"/>
+            <a:ext cx="5937813" cy="2246769"/>
           </a:xfrm>
           <a:prstGeom prst="rect">
             <a:avLst/>
@@ -7381,100 +7586,80 @@
           <a:lstStyle/>
           <a:p>
             <a:r>
-              <a:rPr lang="en-US" sz="5400" dirty="0">
-                <a:latin typeface="Aliens &amp; cows" panose="00000500000000000000" pitchFamily="2" charset="0"/>
-              </a:rPr>
-              <a:t>Visualizing continuous variables</a:t>
-            </a:r>
-          </a:p>
-        </p:txBody>
-      </p:sp>
-      <p:sp>
-        <p:nvSpPr>
-          <p:cNvPr id="13" name="TextBox 12">
-            <a:extLst>
-              <a:ext uri="{FF2B5EF4-FFF2-40B4-BE49-F238E27FC236}">
-                <a16:creationId xmlns:a16="http://schemas.microsoft.com/office/drawing/2014/main" id="{028B35C6-31DB-454A-95C1-1F1FC93CAB77}"/>
-              </a:ext>
-            </a:extLst>
-          </p:cNvPr>
-          <p:cNvSpPr txBox="1"/>
-          <p:nvPr/>
-        </p:nvSpPr>
-        <p:spPr>
-          <a:xfrm>
-            <a:off x="462987" y="1365813"/>
-            <a:ext cx="9595413" cy="2246769"/>
-          </a:xfrm>
-          <a:prstGeom prst="rect">
-            <a:avLst/>
-          </a:prstGeom>
-          <a:noFill/>
-        </p:spPr>
-        <p:txBody>
-          <a:bodyPr wrap="square" rtlCol="0">
-            <a:spAutoFit/>
-          </a:bodyPr>
-          <a:lstStyle/>
+              <a:rPr lang="en-US" sz="2800" b="1" dirty="0">
+                <a:solidFill>
+                  <a:srgbClr val="CF3338"/>
+                </a:solidFill>
+                <a:latin typeface="Pragmatica" pitchFamily="2" charset="0"/>
+              </a:rPr>
+              <a:t>File: </a:t>
+            </a:r>
+            <a:r>
+              <a:rPr lang="en-US" sz="2800" b="1" dirty="0">
+                <a:solidFill>
+                  <a:srgbClr val="CF3338"/>
+                </a:solidFill>
+                <a:latin typeface="Consolas" panose="020B0609020204030204" pitchFamily="49" charset="0"/>
+              </a:rPr>
+              <a:t>housing.xlsx</a:t>
+            </a:r>
+          </a:p>
+          <a:p>
+            <a:endParaRPr lang="en-US" sz="2800" b="1" dirty="0">
+              <a:solidFill>
+                <a:srgbClr val="CF3338"/>
+              </a:solidFill>
+              <a:latin typeface="Pragmatica" pitchFamily="2" charset="0"/>
+            </a:endParaRPr>
+          </a:p>
           <a:p>
             <a:pPr marL="457200" indent="-457200">
               <a:buFont typeface="Arial" panose="020B0604020202020204" pitchFamily="34" charset="0"/>
               <a:buChar char="•"/>
             </a:pPr>
             <a:r>
-              <a:rPr lang="en-US" sz="2800" dirty="0">
-                <a:solidFill>
-                  <a:srgbClr val="707070"/>
-                </a:solidFill>
-                <a:latin typeface="Pragmatica" panose="020B0403040502020204" pitchFamily="34" charset="0"/>
-              </a:rPr>
-              <a:t>Histogram</a:t>
-            </a:r>
-          </a:p>
-          <a:p>
-            <a:pPr marL="914400" lvl="1" indent="-457200">
-              <a:buFont typeface="Arial" panose="020B0604020202020204" pitchFamily="34" charset="0"/>
-              <a:buChar char="•"/>
-            </a:pPr>
-            <a:r>
-              <a:rPr lang="en-US" sz="2800" dirty="0">
-                <a:solidFill>
-                  <a:srgbClr val="707070"/>
-                </a:solidFill>
-                <a:latin typeface="Pragmatica" panose="020B0403040502020204" pitchFamily="34" charset="0"/>
-              </a:rPr>
-              <a:t>What does the data’s distribution “look like?”</a:t>
-            </a:r>
-          </a:p>
-          <a:p>
-            <a:pPr marL="914400" lvl="1" indent="-457200">
-              <a:buFont typeface="Arial" panose="020B0604020202020204" pitchFamily="34" charset="0"/>
-              <a:buChar char="•"/>
-            </a:pPr>
-            <a:r>
-              <a:rPr lang="en-US" sz="2800" dirty="0">
-                <a:solidFill>
-                  <a:srgbClr val="707070"/>
-                </a:solidFill>
-                <a:latin typeface="Pragmatica" panose="020B0403040502020204" pitchFamily="34" charset="0"/>
-              </a:rPr>
-              <a:t>How many data points lie with each bin?</a:t>
-            </a:r>
-          </a:p>
-          <a:p>
-            <a:endParaRPr lang="en-US" sz="2800" dirty="0">
+              <a:rPr lang="en-US" sz="2800" b="1" dirty="0">
+                <a:solidFill>
+                  <a:srgbClr val="CF3338"/>
+                </a:solidFill>
+                <a:latin typeface="Pragmatica" pitchFamily="2" charset="0"/>
+              </a:rPr>
+              <a:t>Summarize </a:t>
+            </a:r>
+            <a:r>
+              <a:rPr lang="en-US" sz="2800" b="1" dirty="0" err="1">
+                <a:solidFill>
+                  <a:srgbClr val="CF3338"/>
+                </a:solidFill>
+                <a:latin typeface="Consolas" panose="020B0609020204030204" pitchFamily="49" charset="0"/>
+              </a:rPr>
+              <a:t>lotsize</a:t>
+            </a:r>
+            <a:r>
+              <a:rPr lang="en-US" sz="2800" b="1" dirty="0">
+                <a:solidFill>
+                  <a:srgbClr val="CF3338"/>
+                </a:solidFill>
+                <a:latin typeface="Consolas" panose="020B0609020204030204" pitchFamily="49" charset="0"/>
+              </a:rPr>
+              <a:t> </a:t>
+            </a:r>
+            <a:r>
+              <a:rPr lang="en-US" sz="2800" b="1" dirty="0">
+                <a:solidFill>
+                  <a:srgbClr val="CF3338"/>
+                </a:solidFill>
+                <a:latin typeface="Pragmatica" panose="020B0403040502020204"/>
+              </a:rPr>
+              <a:t>with the Analysis ToolPak</a:t>
+            </a:r>
+          </a:p>
+          <a:p>
+            <a:endParaRPr lang="en-US" sz="2800" b="1" dirty="0">
               <a:solidFill>
-                <a:srgbClr val="707070"/>
+                <a:srgbClr val="CF3338"/>
               </a:solidFill>
-              <a:latin typeface="Pragmatica" panose="020B0403040502020204" pitchFamily="34" charset="0"/>
-            </a:endParaRPr>
-          </a:p>
-          <a:p>
-            <a:endParaRPr lang="en-US" sz="2800" dirty="0">
-              <a:solidFill>
-                <a:srgbClr val="707070"/>
-              </a:solidFill>
-              <a:latin typeface="Pragmatica" panose="020B0403040502020204" pitchFamily="34" charset="0"/>
+              <a:latin typeface="Consolas" panose="020B0609020204030204" pitchFamily="49" charset="0"/>
             </a:endParaRPr>
           </a:p>
         </p:txBody>
@@ -7482,7 +7667,7 @@
     </p:spTree>
     <p:extLst>
       <p:ext uri="{BB962C8B-B14F-4D97-AF65-F5344CB8AC3E}">
-        <p14:creationId xmlns:p14="http://schemas.microsoft.com/office/powerpoint/2010/main" val="3965891893"/>
+        <p14:creationId xmlns:p14="http://schemas.microsoft.com/office/powerpoint/2010/main" val="697352790"/>
       </p:ext>
     </p:extLst>
   </p:cSld>
@@ -7530,8 +7715,38 @@
         </p:blipFill>
         <p:spPr>
           <a:xfrm>
-            <a:off x="10894024" y="5370653"/>
-            <a:ext cx="1297975" cy="1487348"/>
+            <a:off x="8136460" y="2210765"/>
+            <a:ext cx="4055539" cy="4647236"/>
+          </a:xfrm>
+          <a:prstGeom prst="rect">
+            <a:avLst/>
+          </a:prstGeom>
+        </p:spPr>
+      </p:pic>
+      <p:pic>
+        <p:nvPicPr>
+          <p:cNvPr id="4" name="Picture 3"/>
+          <p:cNvPicPr>
+            <a:picLocks noChangeAspect="1"/>
+          </p:cNvPicPr>
+          <p:nvPr/>
+        </p:nvPicPr>
+        <p:blipFill>
+          <a:blip r:embed="rId3">
+            <a:extLst>
+              <a:ext uri="{28A0092B-C50C-407E-A947-70E740481C1C}">
+                <a14:useLocalDpi xmlns:a14="http://schemas.microsoft.com/office/drawing/2010/main" val="0"/>
+              </a:ext>
+            </a:extLst>
+          </a:blip>
+          <a:stretch>
+            <a:fillRect/>
+          </a:stretch>
+        </p:blipFill>
+        <p:spPr>
+          <a:xfrm>
+            <a:off x="-538496" y="-2482770"/>
+            <a:ext cx="10171472" cy="7459883"/>
           </a:xfrm>
           <a:prstGeom prst="rect">
             <a:avLst/>
@@ -7546,8 +7761,8 @@
         </p:nvSpPr>
         <p:spPr>
           <a:xfrm>
-            <a:off x="347240" y="113388"/>
-            <a:ext cx="9799937" cy="1015663"/>
+            <a:off x="324091" y="1687545"/>
+            <a:ext cx="7986531" cy="2123658"/>
           </a:xfrm>
           <a:prstGeom prst="rect">
             <a:avLst/>
@@ -7561,86 +7776,17 @@
           <a:lstStyle/>
           <a:p>
             <a:r>
-              <a:rPr lang="en-US" sz="6000" dirty="0">
-                <a:latin typeface="Aliens &amp; cows" panose="00000500000000000000" pitchFamily="2" charset="0"/>
-              </a:rPr>
-              <a:t>Learning objectives</a:t>
-            </a:r>
-          </a:p>
-        </p:txBody>
-      </p:sp>
-      <p:sp>
-        <p:nvSpPr>
-          <p:cNvPr id="3" name="TextBox 2"/>
-          <p:cNvSpPr txBox="1"/>
-          <p:nvPr/>
-        </p:nvSpPr>
-        <p:spPr>
-          <a:xfrm>
-            <a:off x="462987" y="1365813"/>
-            <a:ext cx="9595413" cy="2246769"/>
-          </a:xfrm>
-          <a:prstGeom prst="rect">
-            <a:avLst/>
-          </a:prstGeom>
-          <a:noFill/>
-        </p:spPr>
-        <p:txBody>
-          <a:bodyPr wrap="square" rtlCol="0">
-            <a:spAutoFit/>
-          </a:bodyPr>
-          <a:lstStyle/>
-          <a:p>
-            <a:pPr marL="285750" indent="-285750">
-              <a:buFont typeface="Arial" panose="020B0604020202020204" pitchFamily="34" charset="0"/>
-              <a:buChar char="•"/>
-            </a:pPr>
-            <a:r>
-              <a:rPr lang="en-US" sz="2800" dirty="0">
+              <a:rPr lang="en-US" sz="4400" b="1" dirty="0">
                 <a:solidFill>
                   <a:srgbClr val="707070"/>
                 </a:solidFill>
                 <a:latin typeface="Pragmatica" panose="020B0403040502020204" pitchFamily="34" charset="0"/>
               </a:rPr>
-              <a:t>Chapter 1:</a:t>
-            </a:r>
-          </a:p>
-          <a:p>
-            <a:pPr marL="742950" lvl="1" indent="-285750">
-              <a:buFont typeface="Arial" panose="020B0604020202020204" pitchFamily="34" charset="0"/>
-              <a:buChar char="•"/>
-            </a:pPr>
-            <a:r>
-              <a:rPr lang="en-US" sz="2800" dirty="0">
-                <a:solidFill>
-                  <a:srgbClr val="707070"/>
-                </a:solidFill>
-                <a:latin typeface="Pragmatica" panose="020B0403040502020204" pitchFamily="34" charset="0"/>
-              </a:rPr>
-              <a:t>Establish aims of exploratory data analysis (EDA)</a:t>
-            </a:r>
-          </a:p>
-          <a:p>
-            <a:pPr marL="742950" lvl="1" indent="-285750">
-              <a:buFont typeface="Arial" panose="020B0604020202020204" pitchFamily="34" charset="0"/>
-              <a:buChar char="•"/>
-            </a:pPr>
-            <a:r>
-              <a:rPr lang="en-US" sz="2800" dirty="0">
-                <a:solidFill>
-                  <a:srgbClr val="707070"/>
-                </a:solidFill>
-                <a:latin typeface="Pragmatica" panose="020B0403040502020204" pitchFamily="34" charset="0"/>
-              </a:rPr>
-              <a:t>Perform basic EDA in Excel</a:t>
-            </a:r>
-          </a:p>
-          <a:p>
-            <a:pPr marL="285750" indent="-285750">
-              <a:buFont typeface="Arial" panose="020B0604020202020204" pitchFamily="34" charset="0"/>
-              <a:buChar char="•"/>
-            </a:pPr>
-            <a:endParaRPr lang="en-US" sz="2800" dirty="0">
+              <a:t>Questions about the book?</a:t>
+            </a:r>
+          </a:p>
+          <a:p>
+            <a:endParaRPr lang="en-US" sz="4400" b="1" dirty="0">
               <a:solidFill>
                 <a:srgbClr val="707070"/>
               </a:solidFill>
@@ -7648,18 +7794,14 @@
             </a:endParaRPr>
           </a:p>
           <a:p>
-            <a:pPr marL="457200" indent="-457200">
-              <a:buFont typeface="Arial" panose="020B0604020202020204" pitchFamily="34" charset="0"/>
-              <a:buChar char="•"/>
-            </a:pPr>
-            <a:r>
-              <a:rPr lang="en-US" sz="2800" dirty="0">
+            <a:r>
+              <a:rPr lang="en-US" sz="4400" b="1" dirty="0">
                 <a:solidFill>
                   <a:srgbClr val="707070"/>
                 </a:solidFill>
                 <a:latin typeface="Pragmatica" panose="020B0403040502020204" pitchFamily="34" charset="0"/>
               </a:rPr>
-              <a:t>What is the data analytics stack? How does this book help?</a:t>
+              <a:t>Tell me about yourself…</a:t>
             </a:r>
           </a:p>
         </p:txBody>
@@ -7667,7 +7809,7 @@
     </p:spTree>
     <p:extLst>
       <p:ext uri="{BB962C8B-B14F-4D97-AF65-F5344CB8AC3E}">
-        <p14:creationId xmlns:p14="http://schemas.microsoft.com/office/powerpoint/2010/main" val="2948647643"/>
+        <p14:creationId xmlns:p14="http://schemas.microsoft.com/office/powerpoint/2010/main" val="1575055415"/>
       </p:ext>
     </p:extLst>
   </p:cSld>
@@ -7694,92 +7836,44 @@
           <a:chExt cx="0" cy="0"/>
         </a:xfrm>
       </p:grpSpPr>
-      <p:sp>
-        <p:nvSpPr>
-          <p:cNvPr id="4" name="Rectangle 3"/>
-          <p:cNvSpPr/>
-          <p:nvPr/>
-        </p:nvSpPr>
-        <p:spPr>
-          <a:xfrm>
-            <a:off x="6574420" y="0"/>
-            <a:ext cx="5617580" cy="6858000"/>
-          </a:xfrm>
-          <a:prstGeom prst="rect">
-            <a:avLst/>
-          </a:prstGeom>
-          <a:solidFill>
-            <a:srgbClr val="CF3338"/>
-          </a:solidFill>
-        </p:spPr>
-        <p:style>
-          <a:lnRef idx="2">
-            <a:schemeClr val="accent1">
-              <a:shade val="50000"/>
-            </a:schemeClr>
-          </a:lnRef>
-          <a:fillRef idx="1">
-            <a:schemeClr val="accent1"/>
-          </a:fillRef>
-          <a:effectRef idx="0">
-            <a:schemeClr val="accent1"/>
-          </a:effectRef>
-          <a:fontRef idx="minor">
-            <a:schemeClr val="lt1"/>
-          </a:fontRef>
-        </p:style>
-        <p:txBody>
-          <a:bodyPr rtlCol="0" anchor="ctr"/>
-          <a:lstStyle/>
-          <a:p>
-            <a:pPr algn="ctr"/>
-            <a:endParaRPr lang="en-US"/>
-          </a:p>
-        </p:txBody>
-      </p:sp>
-      <p:sp>
-        <p:nvSpPr>
-          <p:cNvPr id="5" name="TextBox 4"/>
-          <p:cNvSpPr txBox="1"/>
-          <p:nvPr/>
-        </p:nvSpPr>
-        <p:spPr>
-          <a:xfrm>
-            <a:off x="6817489" y="0"/>
-            <a:ext cx="4120587" cy="1446550"/>
-          </a:xfrm>
-          <a:prstGeom prst="rect">
-            <a:avLst/>
-          </a:prstGeom>
-          <a:noFill/>
-        </p:spPr>
-        <p:txBody>
-          <a:bodyPr wrap="square" rtlCol="0">
-            <a:spAutoFit/>
-          </a:bodyPr>
-          <a:lstStyle/>
-          <a:p>
-            <a:r>
-              <a:rPr lang="en-US" sz="8800" dirty="0">
-                <a:solidFill>
-                  <a:schemeClr val="bg1"/>
-                </a:solidFill>
-                <a:latin typeface="Aliens &amp; cows" panose="00000500000000000000" pitchFamily="2" charset="0"/>
-              </a:rPr>
-              <a:t>Demo</a:t>
-            </a:r>
-          </a:p>
-        </p:txBody>
-      </p:sp>
       <p:pic>
         <p:nvPicPr>
-          <p:cNvPr id="2" name="Picture 1"/>
+          <p:cNvPr id="10" name="Picture 9"/>
           <p:cNvPicPr>
             <a:picLocks noChangeAspect="1"/>
           </p:cNvPicPr>
           <p:nvPr/>
         </p:nvPicPr>
         <p:blipFill rotWithShape="1">
+          <a:blip r:embed="rId2">
+            <a:extLst>
+              <a:ext uri="{28A0092B-C50C-407E-A947-70E740481C1C}">
+                <a14:useLocalDpi xmlns:a14="http://schemas.microsoft.com/office/drawing/2010/main" val="0"/>
+              </a:ext>
+            </a:extLst>
+          </a:blip>
+          <a:srcRect l="50728" t="56371"/>
+          <a:stretch/>
+        </p:blipFill>
+        <p:spPr>
+          <a:xfrm>
+            <a:off x="8136460" y="2210765"/>
+            <a:ext cx="4055539" cy="4647236"/>
+          </a:xfrm>
+          <a:prstGeom prst="rect">
+            <a:avLst/>
+          </a:prstGeom>
+        </p:spPr>
+      </p:pic>
+      <p:pic>
+        <p:nvPicPr>
+          <p:cNvPr id="4" name="Picture 3"/>
+          <p:cNvPicPr>
+            <a:picLocks noChangeAspect="1"/>
+          </p:cNvPicPr>
+          <p:nvPr/>
+        </p:nvPicPr>
+        <p:blipFill>
           <a:blip r:embed="rId3">
             <a:extLst>
               <a:ext uri="{28A0092B-C50C-407E-A947-70E740481C1C}">
@@ -7787,13 +7881,14 @@
               </a:ext>
             </a:extLst>
           </a:blip>
-          <a:srcRect l="69227" t="33418" r="20112" b="50548"/>
-          <a:stretch/>
+          <a:stretch>
+            <a:fillRect/>
+          </a:stretch>
         </p:blipFill>
         <p:spPr>
           <a:xfrm>
-            <a:off x="10386349" y="5029795"/>
-            <a:ext cx="1805651" cy="1991719"/>
+            <a:off x="-538496" y="-2482770"/>
+            <a:ext cx="10171472" cy="7459883"/>
           </a:xfrm>
           <a:prstGeom prst="rect">
             <a:avLst/>
@@ -7802,14 +7897,14 @@
       </p:pic>
       <p:sp>
         <p:nvSpPr>
-          <p:cNvPr id="3" name="TextBox 2"/>
+          <p:cNvPr id="11" name="TextBox 10"/>
           <p:cNvSpPr txBox="1"/>
           <p:nvPr/>
         </p:nvSpPr>
         <p:spPr>
           <a:xfrm>
-            <a:off x="173620" y="219919"/>
-            <a:ext cx="5937813" cy="1815882"/>
+            <a:off x="324091" y="1687545"/>
+            <a:ext cx="7986531" cy="769441"/>
           </a:xfrm>
           <a:prstGeom prst="rect">
             <a:avLst/>
@@ -7823,79 +7918,21 @@
           <a:lstStyle/>
           <a:p>
             <a:r>
-              <a:rPr lang="en-US" sz="2800" b="1" dirty="0">
-                <a:solidFill>
-                  <a:srgbClr val="CF3338"/>
-                </a:solidFill>
-                <a:latin typeface="Pragmatica" pitchFamily="2" charset="0"/>
-              </a:rPr>
-              <a:t>File: </a:t>
-            </a:r>
-            <a:r>
-              <a:rPr lang="en-US" sz="2800" b="1" dirty="0">
-                <a:solidFill>
-                  <a:srgbClr val="CF3338"/>
-                </a:solidFill>
-                <a:latin typeface="Consolas" panose="020B0609020204030204" pitchFamily="49" charset="0"/>
-              </a:rPr>
-              <a:t>housing.xlsx</a:t>
-            </a:r>
-          </a:p>
-          <a:p>
-            <a:endParaRPr lang="en-US" sz="2800" b="1" dirty="0">
-              <a:solidFill>
-                <a:srgbClr val="CF3338"/>
-              </a:solidFill>
-              <a:latin typeface="Pragmatica" pitchFamily="2" charset="0"/>
-            </a:endParaRPr>
-          </a:p>
-          <a:p>
-            <a:pPr marL="457200" indent="-457200">
-              <a:buFont typeface="Arial" panose="020B0604020202020204" pitchFamily="34" charset="0"/>
-              <a:buChar char="•"/>
-            </a:pPr>
-            <a:r>
-              <a:rPr lang="en-US" sz="2800" b="1" dirty="0">
-                <a:solidFill>
-                  <a:srgbClr val="CF3338"/>
-                </a:solidFill>
-                <a:latin typeface="Pragmatica" pitchFamily="2" charset="0"/>
-              </a:rPr>
-              <a:t>Visualize </a:t>
-            </a:r>
-            <a:r>
-              <a:rPr lang="en-US" sz="2800" b="1" dirty="0">
-                <a:solidFill>
-                  <a:srgbClr val="CF3338"/>
-                </a:solidFill>
-                <a:latin typeface="Consolas" panose="020B0609020204030204" pitchFamily="49" charset="0"/>
-              </a:rPr>
-              <a:t>price </a:t>
-            </a:r>
-            <a:r>
-              <a:rPr lang="en-US" sz="2800" b="1" dirty="0">
-                <a:solidFill>
-                  <a:srgbClr val="CF3338"/>
-                </a:solidFill>
-                <a:latin typeface="Pragmatica" panose="020B0403040502020204"/>
-              </a:rPr>
-              <a:t>with a histogram</a:t>
-            </a:r>
-          </a:p>
-          <a:p>
-            <a:endParaRPr lang="en-US" sz="2800" b="1" dirty="0">
-              <a:solidFill>
-                <a:srgbClr val="CF3338"/>
-              </a:solidFill>
-              <a:latin typeface="Consolas" panose="020B0609020204030204" pitchFamily="49" charset="0"/>
-            </a:endParaRPr>
+              <a:rPr lang="en-US" sz="4400" b="1" dirty="0">
+                <a:solidFill>
+                  <a:srgbClr val="707070"/>
+                </a:solidFill>
+                <a:latin typeface="Pragmatica" panose="020B0403040502020204" pitchFamily="34" charset="0"/>
+              </a:rPr>
+              <a:t>Questions?</a:t>
+            </a:r>
           </a:p>
         </p:txBody>
       </p:sp>
     </p:spTree>
     <p:extLst>
       <p:ext uri="{BB962C8B-B14F-4D97-AF65-F5344CB8AC3E}">
-        <p14:creationId xmlns:p14="http://schemas.microsoft.com/office/powerpoint/2010/main" val="443235222"/>
+        <p14:creationId xmlns:p14="http://schemas.microsoft.com/office/powerpoint/2010/main" val="4081097533"/>
       </p:ext>
     </p:extLst>
   </p:cSld>
@@ -7922,106 +7959,29 @@
           <a:chExt cx="0" cy="0"/>
         </a:xfrm>
       </p:grpSpPr>
-      <p:sp>
-        <p:nvSpPr>
-          <p:cNvPr id="4" name="Rectangle 3"/>
-          <p:cNvSpPr/>
-          <p:nvPr/>
-        </p:nvSpPr>
-        <p:spPr>
-          <a:xfrm>
-            <a:off x="6574420" y="0"/>
-            <a:ext cx="5617580" cy="6858000"/>
-          </a:xfrm>
-          <a:prstGeom prst="rect">
-            <a:avLst/>
-          </a:prstGeom>
-          <a:solidFill>
-            <a:srgbClr val="CF3338"/>
-          </a:solidFill>
-        </p:spPr>
-        <p:style>
-          <a:lnRef idx="2">
-            <a:schemeClr val="accent1">
-              <a:shade val="50000"/>
-            </a:schemeClr>
-          </a:lnRef>
-          <a:fillRef idx="1">
-            <a:schemeClr val="accent1"/>
-          </a:fillRef>
-          <a:effectRef idx="0">
-            <a:schemeClr val="accent1"/>
-          </a:effectRef>
-          <a:fontRef idx="minor">
-            <a:schemeClr val="lt1"/>
-          </a:fontRef>
-        </p:style>
-        <p:txBody>
-          <a:bodyPr rtlCol="0" anchor="ctr"/>
-          <a:lstStyle/>
-          <a:p>
-            <a:pPr algn="ctr"/>
-            <a:endParaRPr lang="en-US"/>
-          </a:p>
-        </p:txBody>
-      </p:sp>
-      <p:sp>
-        <p:nvSpPr>
-          <p:cNvPr id="5" name="TextBox 4"/>
-          <p:cNvSpPr txBox="1"/>
-          <p:nvPr/>
-        </p:nvSpPr>
-        <p:spPr>
-          <a:xfrm>
-            <a:off x="6817489" y="0"/>
-            <a:ext cx="4120587" cy="1446550"/>
-          </a:xfrm>
-          <a:prstGeom prst="rect">
-            <a:avLst/>
-          </a:prstGeom>
-          <a:noFill/>
-        </p:spPr>
-        <p:txBody>
-          <a:bodyPr wrap="square" rtlCol="0">
-            <a:spAutoFit/>
-          </a:bodyPr>
-          <a:lstStyle/>
-          <a:p>
-            <a:r>
-              <a:rPr lang="en-US" sz="8800" dirty="0">
-                <a:solidFill>
-                  <a:schemeClr val="bg1"/>
-                </a:solidFill>
-                <a:latin typeface="Aliens &amp; cows" panose="00000500000000000000" pitchFamily="2" charset="0"/>
-              </a:rPr>
-              <a:t>Drill</a:t>
-            </a:r>
-          </a:p>
-        </p:txBody>
-      </p:sp>
       <p:pic>
         <p:nvPicPr>
-          <p:cNvPr id="2" name="Picture 1"/>
+          <p:cNvPr id="10" name="Picture 9"/>
           <p:cNvPicPr>
             <a:picLocks noChangeAspect="1"/>
           </p:cNvPicPr>
           <p:nvPr/>
         </p:nvPicPr>
         <p:blipFill rotWithShape="1">
-          <a:blip r:embed="rId3">
+          <a:blip r:embed="rId2">
             <a:extLst>
               <a:ext uri="{28A0092B-C50C-407E-A947-70E740481C1C}">
                 <a14:useLocalDpi xmlns:a14="http://schemas.microsoft.com/office/drawing/2010/main" val="0"/>
               </a:ext>
             </a:extLst>
           </a:blip>
-          <a:srcRect l="69227" t="33418" r="20112" b="50548"/>
+          <a:srcRect l="50728" t="56371"/>
           <a:stretch/>
         </p:blipFill>
         <p:spPr>
           <a:xfrm>
-            <a:off x="10386349" y="5029795"/>
-            <a:ext cx="1805651" cy="1991719"/>
+            <a:off x="10894024" y="5370653"/>
+            <a:ext cx="1297975" cy="1487348"/>
           </a:xfrm>
           <a:prstGeom prst="rect">
             <a:avLst/>
@@ -8030,14 +7990,14 @@
       </p:pic>
       <p:sp>
         <p:nvSpPr>
-          <p:cNvPr id="3" name="TextBox 2"/>
+          <p:cNvPr id="11" name="TextBox 10"/>
           <p:cNvSpPr txBox="1"/>
           <p:nvPr/>
         </p:nvSpPr>
         <p:spPr>
           <a:xfrm>
-            <a:off x="173620" y="219919"/>
-            <a:ext cx="5937813" cy="2246769"/>
+            <a:off x="347240" y="113388"/>
+            <a:ext cx="9799937" cy="923330"/>
           </a:xfrm>
           <a:prstGeom prst="rect">
             <a:avLst/>
@@ -8051,80 +8011,100 @@
           <a:lstStyle/>
           <a:p>
             <a:r>
-              <a:rPr lang="en-US" sz="2800" b="1" dirty="0">
-                <a:solidFill>
-                  <a:srgbClr val="CF3338"/>
-                </a:solidFill>
-                <a:latin typeface="Pragmatica" pitchFamily="2" charset="0"/>
-              </a:rPr>
-              <a:t>File: </a:t>
-            </a:r>
-            <a:r>
-              <a:rPr lang="en-US" sz="2800" b="1" dirty="0">
-                <a:solidFill>
-                  <a:srgbClr val="CF3338"/>
-                </a:solidFill>
-                <a:latin typeface="Consolas" panose="020B0609020204030204" pitchFamily="49" charset="0"/>
-              </a:rPr>
-              <a:t>housing.xlsx</a:t>
-            </a:r>
-          </a:p>
-          <a:p>
-            <a:endParaRPr lang="en-US" sz="2800" b="1" dirty="0">
-              <a:solidFill>
-                <a:srgbClr val="CF3338"/>
-              </a:solidFill>
-              <a:latin typeface="Pragmatica" pitchFamily="2" charset="0"/>
-            </a:endParaRPr>
-          </a:p>
+              <a:rPr lang="en-US" sz="5400" dirty="0">
+                <a:latin typeface="Aliens &amp; cows" panose="00000500000000000000" pitchFamily="2" charset="0"/>
+              </a:rPr>
+              <a:t>Visualizing continuous variables</a:t>
+            </a:r>
+          </a:p>
+        </p:txBody>
+      </p:sp>
+      <p:sp>
+        <p:nvSpPr>
+          <p:cNvPr id="13" name="TextBox 12">
+            <a:extLst>
+              <a:ext uri="{FF2B5EF4-FFF2-40B4-BE49-F238E27FC236}">
+                <a16:creationId xmlns:a16="http://schemas.microsoft.com/office/drawing/2014/main" id="{028B35C6-31DB-454A-95C1-1F1FC93CAB77}"/>
+              </a:ext>
+            </a:extLst>
+          </p:cNvPr>
+          <p:cNvSpPr txBox="1"/>
+          <p:nvPr/>
+        </p:nvSpPr>
+        <p:spPr>
+          <a:xfrm>
+            <a:off x="462987" y="1365813"/>
+            <a:ext cx="9595413" cy="2246769"/>
+          </a:xfrm>
+          <a:prstGeom prst="rect">
+            <a:avLst/>
+          </a:prstGeom>
+          <a:noFill/>
+        </p:spPr>
+        <p:txBody>
+          <a:bodyPr wrap="square" rtlCol="0">
+            <a:spAutoFit/>
+          </a:bodyPr>
+          <a:lstStyle/>
           <a:p>
             <a:pPr marL="457200" indent="-457200">
               <a:buFont typeface="Arial" panose="020B0604020202020204" pitchFamily="34" charset="0"/>
               <a:buChar char="•"/>
             </a:pPr>
             <a:r>
-              <a:rPr lang="en-US" sz="2800" b="1" dirty="0">
-                <a:solidFill>
-                  <a:srgbClr val="CF3338"/>
-                </a:solidFill>
-                <a:latin typeface="Pragmatica" pitchFamily="2" charset="0"/>
-              </a:rPr>
-              <a:t>Visualize </a:t>
-            </a:r>
-            <a:r>
-              <a:rPr lang="en-US" sz="2800" b="1" dirty="0" err="1">
-                <a:solidFill>
-                  <a:srgbClr val="CF3338"/>
-                </a:solidFill>
-                <a:latin typeface="Consolas" panose="020B0609020204030204" pitchFamily="49" charset="0"/>
-              </a:rPr>
-              <a:t>lotsize</a:t>
-            </a:r>
-            <a:r>
-              <a:rPr lang="en-US" sz="2800" b="1" dirty="0">
-                <a:solidFill>
-                  <a:srgbClr val="CF3338"/>
-                </a:solidFill>
-                <a:latin typeface="Consolas" panose="020B0609020204030204" pitchFamily="49" charset="0"/>
-              </a:rPr>
-              <a:t> </a:t>
-            </a:r>
-            <a:r>
-              <a:rPr lang="en-US" sz="2800" b="1" dirty="0">
-                <a:solidFill>
-                  <a:srgbClr val="CF3338"/>
-                </a:solidFill>
-                <a:latin typeface="Pragmatica" panose="020B0403040502020204"/>
-              </a:rPr>
-              <a:t>with a histogram</a:t>
-            </a:r>
-          </a:p>
-          <a:p>
-            <a:endParaRPr lang="en-US" sz="2800" b="1" dirty="0">
+              <a:rPr lang="en-US" sz="2800" dirty="0">
+                <a:solidFill>
+                  <a:srgbClr val="707070"/>
+                </a:solidFill>
+                <a:latin typeface="Pragmatica" panose="020B0403040502020204" pitchFamily="34" charset="0"/>
+              </a:rPr>
+              <a:t>Histogram</a:t>
+            </a:r>
+          </a:p>
+          <a:p>
+            <a:pPr marL="914400" lvl="1" indent="-457200">
+              <a:buFont typeface="Arial" panose="020B0604020202020204" pitchFamily="34" charset="0"/>
+              <a:buChar char="•"/>
+            </a:pPr>
+            <a:r>
+              <a:rPr lang="en-US" sz="2800" dirty="0">
+                <a:solidFill>
+                  <a:srgbClr val="707070"/>
+                </a:solidFill>
+                <a:latin typeface="Pragmatica" panose="020B0403040502020204" pitchFamily="34" charset="0"/>
+              </a:rPr>
+              <a:t>What does the data’s distribution “look like?”</a:t>
+            </a:r>
+          </a:p>
+          <a:p>
+            <a:pPr marL="914400" lvl="1" indent="-457200">
+              <a:buFont typeface="Arial" panose="020B0604020202020204" pitchFamily="34" charset="0"/>
+              <a:buChar char="•"/>
+            </a:pPr>
+            <a:r>
+              <a:rPr lang="en-US" sz="2800" dirty="0">
+                <a:solidFill>
+                  <a:srgbClr val="707070"/>
+                </a:solidFill>
+                <a:latin typeface="Pragmatica" panose="020B0403040502020204" pitchFamily="34" charset="0"/>
+              </a:rPr>
+              <a:t>How many data points lie with each bin?</a:t>
+            </a:r>
+          </a:p>
+          <a:p>
+            <a:endParaRPr lang="en-US" sz="2800" dirty="0">
               <a:solidFill>
-                <a:srgbClr val="CF3338"/>
+                <a:srgbClr val="707070"/>
               </a:solidFill>
-              <a:latin typeface="Consolas" panose="020B0609020204030204" pitchFamily="49" charset="0"/>
+              <a:latin typeface="Pragmatica" panose="020B0403040502020204" pitchFamily="34" charset="0"/>
+            </a:endParaRPr>
+          </a:p>
+          <a:p>
+            <a:endParaRPr lang="en-US" sz="2800" dirty="0">
+              <a:solidFill>
+                <a:srgbClr val="707070"/>
+              </a:solidFill>
+              <a:latin typeface="Pragmatica" panose="020B0403040502020204" pitchFamily="34" charset="0"/>
             </a:endParaRPr>
           </a:p>
         </p:txBody>
@@ -8132,7 +8112,7 @@
     </p:spTree>
     <p:extLst>
       <p:ext uri="{BB962C8B-B14F-4D97-AF65-F5344CB8AC3E}">
-        <p14:creationId xmlns:p14="http://schemas.microsoft.com/office/powerpoint/2010/main" val="3377977233"/>
+        <p14:creationId xmlns:p14="http://schemas.microsoft.com/office/powerpoint/2010/main" val="3965891893"/>
       </p:ext>
     </p:extLst>
   </p:cSld>
@@ -8274,7 +8254,7 @@
         <p:spPr>
           <a:xfrm>
             <a:off x="173620" y="219919"/>
-            <a:ext cx="5937813" cy="2246769"/>
+            <a:ext cx="5937813" cy="1815882"/>
           </a:xfrm>
           <a:prstGeom prst="rect">
             <a:avLst/>
@@ -8326,14 +8306,26 @@
                 </a:solidFill>
                 <a:latin typeface="Pragmatica" pitchFamily="2" charset="0"/>
               </a:rPr>
-              <a:t>Summarizing and visualizing two categories: price by AC</a:t>
-            </a:r>
-            <a:endParaRPr lang="en-US" sz="2800" b="1" dirty="0">
-              <a:solidFill>
-                <a:srgbClr val="CF3338"/>
-              </a:solidFill>
-              <a:latin typeface="Pragmatica" panose="020B0403040502020204"/>
-            </a:endParaRPr>
+              <a:t>Visualize </a:t>
+            </a:r>
+            <a:r>
+              <a:rPr lang="en-US" sz="2800" b="1" dirty="0">
+                <a:solidFill>
+                  <a:srgbClr val="CF3338"/>
+                </a:solidFill>
+                <a:latin typeface="Consolas" panose="020B0609020204030204" pitchFamily="49" charset="0"/>
+              </a:rPr>
+              <a:t>price </a:t>
+            </a:r>
+            <a:r>
+              <a:rPr lang="en-US" sz="2800" b="1" dirty="0">
+                <a:solidFill>
+                  <a:srgbClr val="CF3338"/>
+                </a:solidFill>
+                <a:latin typeface="Pragmatica" panose="020B0403040502020204"/>
+              </a:rPr>
+              <a:t>with a histogram</a:t>
+            </a:r>
           </a:p>
           <a:p>
             <a:endParaRPr lang="en-US" sz="2800" b="1" dirty="0">
@@ -8348,7 +8340,7 @@
     </p:spTree>
     <p:extLst>
       <p:ext uri="{BB962C8B-B14F-4D97-AF65-F5344CB8AC3E}">
-        <p14:creationId xmlns:p14="http://schemas.microsoft.com/office/powerpoint/2010/main" val="2079426620"/>
+        <p14:creationId xmlns:p14="http://schemas.microsoft.com/office/powerpoint/2010/main" val="443235222"/>
       </p:ext>
     </p:extLst>
   </p:cSld>
@@ -8447,7 +8439,7 @@
                 </a:solidFill>
                 <a:latin typeface="Aliens &amp; cows" panose="00000500000000000000" pitchFamily="2" charset="0"/>
               </a:rPr>
-              <a:t>Demo</a:t>
+              <a:t>Drill</a:t>
             </a:r>
           </a:p>
         </p:txBody>
@@ -8542,14 +8534,14 @@
                 </a:solidFill>
                 <a:latin typeface="Pragmatica" pitchFamily="2" charset="0"/>
               </a:rPr>
-              <a:t>Summarizing and visualizing two categories: </a:t>
+              <a:t>Visualize </a:t>
             </a:r>
             <a:r>
               <a:rPr lang="en-US" sz="2800" b="1" dirty="0" err="1">
                 <a:solidFill>
                   <a:srgbClr val="CF3338"/>
                 </a:solidFill>
-                <a:latin typeface="Pragmatica" pitchFamily="2" charset="0"/>
+                <a:latin typeface="Consolas" panose="020B0609020204030204" pitchFamily="49" charset="0"/>
               </a:rPr>
               <a:t>lotsize</a:t>
             </a:r>
@@ -8558,16 +8550,19 @@
                 <a:solidFill>
                   <a:srgbClr val="CF3338"/>
                 </a:solidFill>
-                <a:latin typeface="Pragmatica" pitchFamily="2" charset="0"/>
-              </a:rPr>
-              <a:t> by AC</a:t>
-            </a:r>
-            <a:endParaRPr lang="en-US" sz="2800" b="1" dirty="0">
-              <a:solidFill>
-                <a:srgbClr val="CF3338"/>
-              </a:solidFill>
-              <a:latin typeface="Pragmatica" panose="020B0403040502020204"/>
-            </a:endParaRPr>
+                <a:latin typeface="Consolas" panose="020B0609020204030204" pitchFamily="49" charset="0"/>
+              </a:rPr>
+              <a:t> </a:t>
+            </a:r>
+            <a:r>
+              <a:rPr lang="en-US" sz="2800" b="1" dirty="0">
+                <a:solidFill>
+                  <a:srgbClr val="CF3338"/>
+                </a:solidFill>
+                <a:latin typeface="Pragmatica" panose="020B0403040502020204"/>
+              </a:rPr>
+              <a:t>with a histogram</a:t>
+            </a:r>
           </a:p>
           <a:p>
             <a:endParaRPr lang="en-US" sz="2800" b="1" dirty="0">
@@ -8582,7 +8577,7 @@
     </p:spTree>
     <p:extLst>
       <p:ext uri="{BB962C8B-B14F-4D97-AF65-F5344CB8AC3E}">
-        <p14:creationId xmlns:p14="http://schemas.microsoft.com/office/powerpoint/2010/main" val="3636695442"/>
+        <p14:creationId xmlns:p14="http://schemas.microsoft.com/office/powerpoint/2010/main" val="3377977233"/>
       </p:ext>
     </p:extLst>
   </p:cSld>
@@ -8609,44 +8604,92 @@
           <a:chExt cx="0" cy="0"/>
         </a:xfrm>
       </p:grpSpPr>
+      <p:sp>
+        <p:nvSpPr>
+          <p:cNvPr id="4" name="Rectangle 3"/>
+          <p:cNvSpPr/>
+          <p:nvPr/>
+        </p:nvSpPr>
+        <p:spPr>
+          <a:xfrm>
+            <a:off x="6574420" y="0"/>
+            <a:ext cx="5617580" cy="6858000"/>
+          </a:xfrm>
+          <a:prstGeom prst="rect">
+            <a:avLst/>
+          </a:prstGeom>
+          <a:solidFill>
+            <a:srgbClr val="CF3338"/>
+          </a:solidFill>
+        </p:spPr>
+        <p:style>
+          <a:lnRef idx="2">
+            <a:schemeClr val="accent1">
+              <a:shade val="50000"/>
+            </a:schemeClr>
+          </a:lnRef>
+          <a:fillRef idx="1">
+            <a:schemeClr val="accent1"/>
+          </a:fillRef>
+          <a:effectRef idx="0">
+            <a:schemeClr val="accent1"/>
+          </a:effectRef>
+          <a:fontRef idx="minor">
+            <a:schemeClr val="lt1"/>
+          </a:fontRef>
+        </p:style>
+        <p:txBody>
+          <a:bodyPr rtlCol="0" anchor="ctr"/>
+          <a:lstStyle/>
+          <a:p>
+            <a:pPr algn="ctr"/>
+            <a:endParaRPr lang="en-US"/>
+          </a:p>
+        </p:txBody>
+      </p:sp>
+      <p:sp>
+        <p:nvSpPr>
+          <p:cNvPr id="5" name="TextBox 4"/>
+          <p:cNvSpPr txBox="1"/>
+          <p:nvPr/>
+        </p:nvSpPr>
+        <p:spPr>
+          <a:xfrm>
+            <a:off x="6817489" y="0"/>
+            <a:ext cx="4120587" cy="1446550"/>
+          </a:xfrm>
+          <a:prstGeom prst="rect">
+            <a:avLst/>
+          </a:prstGeom>
+          <a:noFill/>
+        </p:spPr>
+        <p:txBody>
+          <a:bodyPr wrap="square" rtlCol="0">
+            <a:spAutoFit/>
+          </a:bodyPr>
+          <a:lstStyle/>
+          <a:p>
+            <a:r>
+              <a:rPr lang="en-US" sz="8800" dirty="0">
+                <a:solidFill>
+                  <a:schemeClr val="bg1"/>
+                </a:solidFill>
+                <a:latin typeface="Aliens &amp; cows" panose="00000500000000000000" pitchFamily="2" charset="0"/>
+              </a:rPr>
+              <a:t>Demo</a:t>
+            </a:r>
+          </a:p>
+        </p:txBody>
+      </p:sp>
       <p:pic>
         <p:nvPicPr>
-          <p:cNvPr id="10" name="Picture 9"/>
+          <p:cNvPr id="2" name="Picture 1"/>
           <p:cNvPicPr>
             <a:picLocks noChangeAspect="1"/>
           </p:cNvPicPr>
           <p:nvPr/>
         </p:nvPicPr>
         <p:blipFill rotWithShape="1">
-          <a:blip r:embed="rId2">
-            <a:extLst>
-              <a:ext uri="{28A0092B-C50C-407E-A947-70E740481C1C}">
-                <a14:useLocalDpi xmlns:a14="http://schemas.microsoft.com/office/drawing/2010/main" val="0"/>
-              </a:ext>
-            </a:extLst>
-          </a:blip>
-          <a:srcRect l="50728" t="56371"/>
-          <a:stretch/>
-        </p:blipFill>
-        <p:spPr>
-          <a:xfrm>
-            <a:off x="8136460" y="2210765"/>
-            <a:ext cx="4055539" cy="4647236"/>
-          </a:xfrm>
-          <a:prstGeom prst="rect">
-            <a:avLst/>
-          </a:prstGeom>
-        </p:spPr>
-      </p:pic>
-      <p:pic>
-        <p:nvPicPr>
-          <p:cNvPr id="4" name="Picture 3"/>
-          <p:cNvPicPr>
-            <a:picLocks noChangeAspect="1"/>
-          </p:cNvPicPr>
-          <p:nvPr/>
-        </p:nvPicPr>
-        <p:blipFill>
           <a:blip r:embed="rId3">
             <a:extLst>
               <a:ext uri="{28A0092B-C50C-407E-A947-70E740481C1C}">
@@ -8654,14 +8697,13 @@
               </a:ext>
             </a:extLst>
           </a:blip>
-          <a:stretch>
-            <a:fillRect/>
-          </a:stretch>
+          <a:srcRect l="69227" t="33418" r="20112" b="50548"/>
+          <a:stretch/>
         </p:blipFill>
         <p:spPr>
           <a:xfrm>
-            <a:off x="-538496" y="-2482770"/>
-            <a:ext cx="10171472" cy="7459883"/>
+            <a:off x="10386349" y="5029795"/>
+            <a:ext cx="1805651" cy="1991719"/>
           </a:xfrm>
           <a:prstGeom prst="rect">
             <a:avLst/>
@@ -8670,14 +8712,14 @@
       </p:pic>
       <p:sp>
         <p:nvSpPr>
-          <p:cNvPr id="11" name="TextBox 10"/>
+          <p:cNvPr id="3" name="TextBox 2"/>
           <p:cNvSpPr txBox="1"/>
           <p:nvPr/>
         </p:nvSpPr>
         <p:spPr>
           <a:xfrm>
-            <a:off x="324091" y="1687545"/>
-            <a:ext cx="7986531" cy="1384995"/>
+            <a:off x="173620" y="219919"/>
+            <a:ext cx="5937813" cy="2246769"/>
           </a:xfrm>
           <a:prstGeom prst="rect">
             <a:avLst/>
@@ -8693,54 +8735,57 @@
             <a:r>
               <a:rPr lang="en-US" sz="2800" b="1" dirty="0">
                 <a:solidFill>
-                  <a:srgbClr val="707070"/>
-                </a:solidFill>
-                <a:latin typeface="Pragmatica" panose="020B0403040502020204" pitchFamily="34" charset="0"/>
-              </a:rPr>
-              <a:t>Questions about EDA?</a:t>
-            </a:r>
-          </a:p>
-          <a:p>
-            <a:endParaRPr lang="en-US" sz="2800" b="1" i="1" dirty="0">
+                  <a:srgbClr val="CF3338"/>
+                </a:solidFill>
+                <a:latin typeface="Pragmatica" pitchFamily="2" charset="0"/>
+              </a:rPr>
+              <a:t>File: </a:t>
+            </a:r>
+            <a:r>
+              <a:rPr lang="en-US" sz="2800" b="1" dirty="0">
+                <a:solidFill>
+                  <a:srgbClr val="CF3338"/>
+                </a:solidFill>
+                <a:latin typeface="Consolas" panose="020B0609020204030204" pitchFamily="49" charset="0"/>
+              </a:rPr>
+              <a:t>housing.xlsx</a:t>
+            </a:r>
+          </a:p>
+          <a:p>
+            <a:endParaRPr lang="en-US" sz="2800" b="1" dirty="0">
               <a:solidFill>
-                <a:srgbClr val="707070"/>
+                <a:srgbClr val="CF3338"/>
               </a:solidFill>
-              <a:latin typeface="Pragmatica" panose="020B0403040502020204" pitchFamily="34" charset="0"/>
+              <a:latin typeface="Pragmatica" pitchFamily="2" charset="0"/>
             </a:endParaRPr>
           </a:p>
           <a:p>
+            <a:pPr marL="457200" indent="-457200">
+              <a:buFont typeface="Arial" panose="020B0604020202020204" pitchFamily="34" charset="0"/>
+              <a:buChar char="•"/>
+            </a:pPr>
             <a:r>
               <a:rPr lang="en-US" sz="2800" b="1" dirty="0">
                 <a:solidFill>
-                  <a:srgbClr val="707070"/>
-                </a:solidFill>
-                <a:latin typeface="Pragmatica" panose="020B0403040502020204" pitchFamily="34" charset="0"/>
-              </a:rPr>
-              <a:t>Next… </a:t>
-            </a:r>
-            <a:r>
-              <a:rPr lang="en-US" sz="2800" b="1" i="1" dirty="0">
-                <a:solidFill>
-                  <a:srgbClr val="707070"/>
-                </a:solidFill>
-                <a:latin typeface="Pragmatica" panose="020B0403040502020204" pitchFamily="34" charset="0"/>
-              </a:rPr>
-              <a:t>CDA </a:t>
-            </a:r>
-            <a:r>
-              <a:rPr lang="en-US" sz="2800" b="1" dirty="0">
-                <a:solidFill>
-                  <a:srgbClr val="707070"/>
-                </a:solidFill>
-                <a:latin typeface="Pragmatica" panose="020B0403040502020204" pitchFamily="34" charset="0"/>
-              </a:rPr>
-              <a:t>(but before that, probability!)</a:t>
-            </a:r>
-            <a:endParaRPr lang="en-US" sz="2800" b="1" i="1" dirty="0">
+                  <a:srgbClr val="CF3338"/>
+                </a:solidFill>
+                <a:latin typeface="Pragmatica" pitchFamily="2" charset="0"/>
+              </a:rPr>
+              <a:t>Summarizing and visualizing two categories: price by AC</a:t>
+            </a:r>
+            <a:endParaRPr lang="en-US" sz="2800" b="1" dirty="0">
               <a:solidFill>
-                <a:srgbClr val="707070"/>
+                <a:srgbClr val="CF3338"/>
               </a:solidFill>
-              <a:latin typeface="Pragmatica" panose="020B0403040502020204" pitchFamily="34" charset="0"/>
+              <a:latin typeface="Pragmatica" panose="020B0403040502020204"/>
+            </a:endParaRPr>
+          </a:p>
+          <a:p>
+            <a:endParaRPr lang="en-US" sz="2800" b="1" dirty="0">
+              <a:solidFill>
+                <a:srgbClr val="CF3338"/>
+              </a:solidFill>
+              <a:latin typeface="Consolas" panose="020B0609020204030204" pitchFamily="49" charset="0"/>
             </a:endParaRPr>
           </a:p>
         </p:txBody>
@@ -8748,7 +8793,7 @@
     </p:spTree>
     <p:extLst>
       <p:ext uri="{BB962C8B-B14F-4D97-AF65-F5344CB8AC3E}">
-        <p14:creationId xmlns:p14="http://schemas.microsoft.com/office/powerpoint/2010/main" val="1609353297"/>
+        <p14:creationId xmlns:p14="http://schemas.microsoft.com/office/powerpoint/2010/main" val="2079426620"/>
       </p:ext>
     </p:extLst>
   </p:cSld>
@@ -8783,8 +8828,8 @@
         </p:nvSpPr>
         <p:spPr>
           <a:xfrm>
-            <a:off x="0" y="0"/>
-            <a:ext cx="12192000" cy="6858000"/>
+            <a:off x="6574420" y="0"/>
+            <a:ext cx="5617580" cy="6858000"/>
           </a:xfrm>
           <a:prstGeom prst="rect">
             <a:avLst/>
@@ -8826,8 +8871,8 @@
         </p:nvSpPr>
         <p:spPr>
           <a:xfrm>
-            <a:off x="520861" y="393539"/>
-            <a:ext cx="10324617" cy="1107996"/>
+            <a:off x="6817489" y="0"/>
+            <a:ext cx="4120587" cy="1446550"/>
           </a:xfrm>
           <a:prstGeom prst="rect">
             <a:avLst/>
@@ -8841,21 +8886,148 @@
           <a:lstStyle/>
           <a:p>
             <a:r>
-              <a:rPr lang="en-US" sz="6600" b="1" dirty="0">
+              <a:rPr lang="en-US" sz="8800" dirty="0">
                 <a:solidFill>
                   <a:schemeClr val="bg1"/>
                 </a:solidFill>
+                <a:latin typeface="Aliens &amp; cows" panose="00000500000000000000" pitchFamily="2" charset="0"/>
+              </a:rPr>
+              <a:t>Demo</a:t>
+            </a:r>
+          </a:p>
+        </p:txBody>
+      </p:sp>
+      <p:pic>
+        <p:nvPicPr>
+          <p:cNvPr id="2" name="Picture 1"/>
+          <p:cNvPicPr>
+            <a:picLocks noChangeAspect="1"/>
+          </p:cNvPicPr>
+          <p:nvPr/>
+        </p:nvPicPr>
+        <p:blipFill rotWithShape="1">
+          <a:blip r:embed="rId3">
+            <a:extLst>
+              <a:ext uri="{28A0092B-C50C-407E-A947-70E740481C1C}">
+                <a14:useLocalDpi xmlns:a14="http://schemas.microsoft.com/office/drawing/2010/main" val="0"/>
+              </a:ext>
+            </a:extLst>
+          </a:blip>
+          <a:srcRect l="69227" t="33418" r="20112" b="50548"/>
+          <a:stretch/>
+        </p:blipFill>
+        <p:spPr>
+          <a:xfrm>
+            <a:off x="10386349" y="5029795"/>
+            <a:ext cx="1805651" cy="1991719"/>
+          </a:xfrm>
+          <a:prstGeom prst="rect">
+            <a:avLst/>
+          </a:prstGeom>
+        </p:spPr>
+      </p:pic>
+      <p:sp>
+        <p:nvSpPr>
+          <p:cNvPr id="3" name="TextBox 2"/>
+          <p:cNvSpPr txBox="1"/>
+          <p:nvPr/>
+        </p:nvSpPr>
+        <p:spPr>
+          <a:xfrm>
+            <a:off x="173620" y="219919"/>
+            <a:ext cx="5937813" cy="2246769"/>
+          </a:xfrm>
+          <a:prstGeom prst="rect">
+            <a:avLst/>
+          </a:prstGeom>
+          <a:noFill/>
+        </p:spPr>
+        <p:txBody>
+          <a:bodyPr wrap="square" rtlCol="0">
+            <a:spAutoFit/>
+          </a:bodyPr>
+          <a:lstStyle/>
+          <a:p>
+            <a:r>
+              <a:rPr lang="en-US" sz="2800" b="1" dirty="0">
+                <a:solidFill>
+                  <a:srgbClr val="CF3338"/>
+                </a:solidFill>
                 <a:latin typeface="Pragmatica" pitchFamily="2" charset="0"/>
               </a:rPr>
-              <a:t>The data analytics stack</a:t>
-            </a:r>
+              <a:t>File: </a:t>
+            </a:r>
+            <a:r>
+              <a:rPr lang="en-US" sz="2800" b="1" dirty="0">
+                <a:solidFill>
+                  <a:srgbClr val="CF3338"/>
+                </a:solidFill>
+                <a:latin typeface="Consolas" panose="020B0609020204030204" pitchFamily="49" charset="0"/>
+              </a:rPr>
+              <a:t>housing.xlsx</a:t>
+            </a:r>
+          </a:p>
+          <a:p>
+            <a:endParaRPr lang="en-US" sz="2800" b="1" dirty="0">
+              <a:solidFill>
+                <a:srgbClr val="CF3338"/>
+              </a:solidFill>
+              <a:latin typeface="Pragmatica" pitchFamily="2" charset="0"/>
+            </a:endParaRPr>
+          </a:p>
+          <a:p>
+            <a:pPr marL="457200" indent="-457200">
+              <a:buFont typeface="Arial" panose="020B0604020202020204" pitchFamily="34" charset="0"/>
+              <a:buChar char="•"/>
+            </a:pPr>
+            <a:r>
+              <a:rPr lang="en-US" sz="2800" b="1" dirty="0">
+                <a:solidFill>
+                  <a:srgbClr val="CF3338"/>
+                </a:solidFill>
+                <a:latin typeface="Pragmatica" pitchFamily="2" charset="0"/>
+              </a:rPr>
+              <a:t>Summarizing and visualizing two categories: </a:t>
+            </a:r>
+            <a:r>
+              <a:rPr lang="en-US" sz="2800" b="1" dirty="0" err="1">
+                <a:solidFill>
+                  <a:srgbClr val="CF3338"/>
+                </a:solidFill>
+                <a:latin typeface="Pragmatica" pitchFamily="2" charset="0"/>
+              </a:rPr>
+              <a:t>lotsize</a:t>
+            </a:r>
+            <a:r>
+              <a:rPr lang="en-US" sz="2800" b="1" dirty="0">
+                <a:solidFill>
+                  <a:srgbClr val="CF3338"/>
+                </a:solidFill>
+                <a:latin typeface="Pragmatica" pitchFamily="2" charset="0"/>
+              </a:rPr>
+              <a:t> by AC</a:t>
+            </a:r>
+            <a:endParaRPr lang="en-US" sz="2800" b="1" dirty="0">
+              <a:solidFill>
+                <a:srgbClr val="CF3338"/>
+              </a:solidFill>
+              <a:latin typeface="Pragmatica" panose="020B0403040502020204"/>
+            </a:endParaRPr>
+          </a:p>
+          <a:p>
+            <a:endParaRPr lang="en-US" sz="2800" b="1" dirty="0">
+              <a:solidFill>
+                <a:srgbClr val="CF3338"/>
+              </a:solidFill>
+              <a:latin typeface="Consolas" panose="020B0609020204030204" pitchFamily="49" charset="0"/>
+            </a:endParaRPr>
           </a:p>
         </p:txBody>
       </p:sp>
     </p:spTree>
     <p:extLst>
       <p:ext uri="{BB962C8B-B14F-4D97-AF65-F5344CB8AC3E}">
-        <p14:creationId xmlns:p14="http://schemas.microsoft.com/office/powerpoint/2010/main" val="467168029"/>
+        <p14:creationId xmlns:p14="http://schemas.microsoft.com/office/powerpoint/2010/main" val="3636695442"/>
       </p:ext>
     </p:extLst>
   </p:cSld>
@@ -8891,7 +9063,7 @@
           <p:nvPr/>
         </p:nvPicPr>
         <p:blipFill rotWithShape="1">
-          <a:blip r:embed="rId3">
+          <a:blip r:embed="rId2">
             <a:extLst>
               <a:ext uri="{28A0092B-C50C-407E-A947-70E740481C1C}">
                 <a14:useLocalDpi xmlns:a14="http://schemas.microsoft.com/office/drawing/2010/main" val="0"/>
@@ -8903,61 +9075,24 @@
         </p:blipFill>
         <p:spPr>
           <a:xfrm>
-            <a:off x="10894024" y="5370653"/>
-            <a:ext cx="1297975" cy="1487348"/>
+            <a:off x="8136460" y="2210765"/>
+            <a:ext cx="4055539" cy="4647236"/>
           </a:xfrm>
           <a:prstGeom prst="rect">
             <a:avLst/>
           </a:prstGeom>
         </p:spPr>
       </p:pic>
-      <p:sp>
-        <p:nvSpPr>
-          <p:cNvPr id="11" name="TextBox 10"/>
-          <p:cNvSpPr txBox="1"/>
-          <p:nvPr/>
-        </p:nvSpPr>
-        <p:spPr>
-          <a:xfrm>
-            <a:off x="347240" y="113388"/>
-            <a:ext cx="9799937" cy="1015663"/>
-          </a:xfrm>
-          <a:prstGeom prst="rect">
-            <a:avLst/>
-          </a:prstGeom>
-          <a:noFill/>
-        </p:spPr>
-        <p:txBody>
-          <a:bodyPr wrap="square" rtlCol="0">
-            <a:spAutoFit/>
-          </a:bodyPr>
-          <a:lstStyle/>
-          <a:p>
-            <a:r>
-              <a:rPr lang="en-US" sz="6000" dirty="0">
-                <a:latin typeface="Aliens &amp; cows" panose="00000500000000000000" pitchFamily="2" charset="0"/>
-              </a:rPr>
-              <a:t>Become a full-stack analyst</a:t>
-            </a:r>
-          </a:p>
-        </p:txBody>
-      </p:sp>
       <p:pic>
         <p:nvPicPr>
-          <p:cNvPr id="4" name="Picture 3" descr="Diagram, text&#10;&#10;Description automatically generated">
-            <a:extLst>
-              <a:ext uri="{FF2B5EF4-FFF2-40B4-BE49-F238E27FC236}">
-                <a16:creationId xmlns:a16="http://schemas.microsoft.com/office/drawing/2014/main" id="{69888AE4-E6A5-42EE-8C41-9647CFF76E35}"/>
-              </a:ext>
-            </a:extLst>
-          </p:cNvPr>
+          <p:cNvPr id="4" name="Picture 3"/>
           <p:cNvPicPr>
             <a:picLocks noChangeAspect="1"/>
           </p:cNvPicPr>
           <p:nvPr/>
         </p:nvPicPr>
         <p:blipFill>
-          <a:blip r:embed="rId4">
+          <a:blip r:embed="rId3">
             <a:extLst>
               <a:ext uri="{28A0092B-C50C-407E-A947-70E740481C1C}">
                 <a14:useLocalDpi xmlns:a14="http://schemas.microsoft.com/office/drawing/2010/main" val="0"/>
@@ -8970,8 +9105,8 @@
         </p:blipFill>
         <p:spPr>
           <a:xfrm>
-            <a:off x="1929935" y="1777154"/>
-            <a:ext cx="8555449" cy="4024138"/>
+            <a:off x="-538496" y="-2482770"/>
+            <a:ext cx="10171472" cy="7459883"/>
           </a:xfrm>
           <a:prstGeom prst="rect">
             <a:avLst/>
@@ -8980,20 +9115,14 @@
       </p:pic>
       <p:sp>
         <p:nvSpPr>
-          <p:cNvPr id="7" name="TextBox 6">
-            <a:extLst>
-              <a:ext uri="{FF2B5EF4-FFF2-40B4-BE49-F238E27FC236}">
-                <a16:creationId xmlns:a16="http://schemas.microsoft.com/office/drawing/2014/main" id="{CFAB272F-EC83-45BA-935F-DFBF5407D2B6}"/>
-              </a:ext>
-            </a:extLst>
-          </p:cNvPr>
+          <p:cNvPr id="11" name="TextBox 10"/>
           <p:cNvSpPr txBox="1"/>
           <p:nvPr/>
         </p:nvSpPr>
         <p:spPr>
           <a:xfrm>
-            <a:off x="261704" y="6114327"/>
-            <a:ext cx="9493446" cy="369332"/>
+            <a:off x="324091" y="1687545"/>
+            <a:ext cx="7986531" cy="1384995"/>
           </a:xfrm>
           <a:prstGeom prst="rect">
             <a:avLst/>
@@ -9007,45 +9136,56 @@
           <a:lstStyle/>
           <a:p>
             <a:r>
-              <a:rPr lang="en-US" dirty="0">
-                <a:solidFill>
-                  <a:schemeClr val="bg1">
-                    <a:lumMod val="50000"/>
-                  </a:schemeClr>
-                </a:solidFill>
-                <a:latin typeface="Pragmatica" pitchFamily="2" charset="0"/>
-              </a:rPr>
-              <a:t>Mount, George. </a:t>
-            </a:r>
-            <a:r>
-              <a:rPr lang="en-US" i="1" dirty="0">
-                <a:solidFill>
-                  <a:schemeClr val="bg1">
-                    <a:lumMod val="50000"/>
-                  </a:schemeClr>
-                </a:solidFill>
-                <a:latin typeface="Pragmatica" pitchFamily="2" charset="0"/>
-              </a:rPr>
-              <a:t>Advancing into Analytics: From Excel to Python and R</a:t>
-            </a:r>
-            <a:r>
-              <a:rPr lang="en-US" dirty="0">
-                <a:solidFill>
-                  <a:schemeClr val="bg1">
-                    <a:lumMod val="50000"/>
-                  </a:schemeClr>
-                </a:solidFill>
-                <a:latin typeface="Pragmatica" pitchFamily="2" charset="0"/>
-              </a:rPr>
-              <a:t>. O’Reilly Media, 2021</a:t>
-            </a:r>
-            <a:endParaRPr lang="en-US" i="1" dirty="0">
+              <a:rPr lang="en-US" sz="2800" b="1" dirty="0">
+                <a:solidFill>
+                  <a:srgbClr val="707070"/>
+                </a:solidFill>
+                <a:latin typeface="Pragmatica" panose="020B0403040502020204" pitchFamily="34" charset="0"/>
+              </a:rPr>
+              <a:t>Questions about EDA?</a:t>
+            </a:r>
+          </a:p>
+          <a:p>
+            <a:endParaRPr lang="en-US" sz="2800" b="1" i="1" dirty="0">
               <a:solidFill>
-                <a:schemeClr val="bg1">
-                  <a:lumMod val="50000"/>
-                </a:schemeClr>
+                <a:srgbClr val="707070"/>
               </a:solidFill>
-              <a:latin typeface="Pragmatica" pitchFamily="2" charset="0"/>
+              <a:latin typeface="Pragmatica" panose="020B0403040502020204" pitchFamily="34" charset="0"/>
+            </a:endParaRPr>
+          </a:p>
+          <a:p>
+            <a:r>
+              <a:rPr lang="en-US" sz="2800" b="1" dirty="0">
+                <a:solidFill>
+                  <a:srgbClr val="707070"/>
+                </a:solidFill>
+                <a:latin typeface="Pragmatica" panose="020B0403040502020204" pitchFamily="34" charset="0"/>
+              </a:rPr>
+              <a:t>Next… </a:t>
+            </a:r>
+            <a:r>
+              <a:rPr lang="en-US" sz="2800" b="1" i="1" dirty="0">
+                <a:solidFill>
+                  <a:srgbClr val="707070"/>
+                </a:solidFill>
+                <a:latin typeface="Pragmatica" panose="020B0403040502020204" pitchFamily="34" charset="0"/>
+              </a:rPr>
+              <a:t>CDA </a:t>
+            </a:r>
+            <a:r>
+              <a:rPr lang="en-US" sz="2800" b="1" dirty="0">
+                <a:solidFill>
+                  <a:srgbClr val="707070"/>
+                </a:solidFill>
+                <a:latin typeface="Pragmatica" panose="020B0403040502020204" pitchFamily="34" charset="0"/>
+              </a:rPr>
+              <a:t>(but before that, probability!)</a:t>
+            </a:r>
+            <a:endParaRPr lang="en-US" sz="2800" b="1" i="1" dirty="0">
+              <a:solidFill>
+                <a:srgbClr val="707070"/>
+              </a:solidFill>
+              <a:latin typeface="Pragmatica" panose="020B0403040502020204" pitchFamily="34" charset="0"/>
             </a:endParaRPr>
           </a:p>
         </p:txBody>
@@ -9053,7 +9193,7 @@
     </p:spTree>
     <p:extLst>
       <p:ext uri="{BB962C8B-B14F-4D97-AF65-F5344CB8AC3E}">
-        <p14:creationId xmlns:p14="http://schemas.microsoft.com/office/powerpoint/2010/main" val="2667391514"/>
+        <p14:creationId xmlns:p14="http://schemas.microsoft.com/office/powerpoint/2010/main" val="1609353297"/>
       </p:ext>
     </p:extLst>
   </p:cSld>
@@ -9080,199 +9220,23 @@
           <a:chExt cx="0" cy="0"/>
         </a:xfrm>
       </p:grpSpPr>
-      <p:pic>
-        <p:nvPicPr>
-          <p:cNvPr id="10" name="Picture 9"/>
-          <p:cNvPicPr>
-            <a:picLocks noChangeAspect="1"/>
-          </p:cNvPicPr>
-          <p:nvPr/>
-        </p:nvPicPr>
-        <p:blipFill rotWithShape="1">
-          <a:blip r:embed="rId3">
-            <a:extLst>
-              <a:ext uri="{28A0092B-C50C-407E-A947-70E740481C1C}">
-                <a14:useLocalDpi xmlns:a14="http://schemas.microsoft.com/office/drawing/2010/main" val="0"/>
-              </a:ext>
-            </a:extLst>
-          </a:blip>
-          <a:srcRect l="50728" t="56371"/>
-          <a:stretch/>
-        </p:blipFill>
-        <p:spPr>
-          <a:xfrm>
-            <a:off x="10894024" y="5370653"/>
-            <a:ext cx="1297975" cy="1487348"/>
-          </a:xfrm>
-          <a:prstGeom prst="rect">
-            <a:avLst/>
-          </a:prstGeom>
-        </p:spPr>
-      </p:pic>
-      <p:sp>
-        <p:nvSpPr>
-          <p:cNvPr id="11" name="TextBox 10"/>
-          <p:cNvSpPr txBox="1"/>
-          <p:nvPr/>
-        </p:nvSpPr>
-        <p:spPr>
-          <a:xfrm>
-            <a:off x="347240" y="113388"/>
-            <a:ext cx="11844760" cy="1015663"/>
-          </a:xfrm>
-          <a:prstGeom prst="rect">
-            <a:avLst/>
-          </a:prstGeom>
-          <a:noFill/>
-        </p:spPr>
-        <p:txBody>
-          <a:bodyPr wrap="square" rtlCol="0">
-            <a:spAutoFit/>
-          </a:bodyPr>
-          <a:lstStyle/>
-          <a:p>
-            <a:r>
-              <a:rPr lang="en-US" sz="6000" dirty="0">
-                <a:latin typeface="Aliens &amp; cows" panose="00000500000000000000" pitchFamily="2" charset="0"/>
-              </a:rPr>
-              <a:t>You’re not leaving the stack…</a:t>
-            </a:r>
-          </a:p>
-        </p:txBody>
-      </p:sp>
-      <p:pic>
-        <p:nvPicPr>
-          <p:cNvPr id="3074" name="Picture 2" descr="text over a background picture of a person posing for the camera">
-            <a:extLst>
-              <a:ext uri="{FF2B5EF4-FFF2-40B4-BE49-F238E27FC236}">
-                <a16:creationId xmlns:a16="http://schemas.microsoft.com/office/drawing/2014/main" id="{3F3EB0D1-A469-44EF-9527-27EB893CF851}"/>
-              </a:ext>
-            </a:extLst>
-          </p:cNvPr>
-          <p:cNvPicPr>
-            <a:picLocks noChangeAspect="1" noChangeArrowheads="1"/>
-          </p:cNvPicPr>
-          <p:nvPr/>
-        </p:nvPicPr>
-        <p:blipFill>
-          <a:blip r:embed="rId4">
-            <a:extLst>
-              <a:ext uri="{28A0092B-C50C-407E-A947-70E740481C1C}">
-                <a14:useLocalDpi xmlns:a14="http://schemas.microsoft.com/office/drawing/2010/main" val="0"/>
-              </a:ext>
-            </a:extLst>
-          </a:blip>
-          <a:srcRect/>
-          <a:stretch>
-            <a:fillRect/>
-          </a:stretch>
-        </p:blipFill>
-        <p:spPr bwMode="auto">
-          <a:xfrm>
-            <a:off x="5918806" y="1316904"/>
-            <a:ext cx="6029325" cy="3752850"/>
-          </a:xfrm>
-          <a:prstGeom prst="rect">
-            <a:avLst/>
-          </a:prstGeom>
-          <a:noFill/>
-          <a:extLst>
-            <a:ext uri="{909E8E84-426E-40DD-AFC4-6F175D3DCCD1}">
-              <a14:hiddenFill xmlns:a14="http://schemas.microsoft.com/office/drawing/2010/main">
-                <a:solidFill>
-                  <a:srgbClr val="FFFFFF"/>
-                </a:solidFill>
-              </a14:hiddenFill>
-            </a:ext>
-          </a:extLst>
-        </p:spPr>
-      </p:pic>
-      <p:pic>
-        <p:nvPicPr>
-          <p:cNvPr id="3" name="Picture 2">
-            <a:extLst>
-              <a:ext uri="{FF2B5EF4-FFF2-40B4-BE49-F238E27FC236}">
-                <a16:creationId xmlns:a16="http://schemas.microsoft.com/office/drawing/2014/main" id="{9D02035A-818C-4764-BD01-AFD799E9B16D}"/>
-              </a:ext>
-            </a:extLst>
-          </p:cNvPr>
-          <p:cNvPicPr>
-            <a:picLocks noChangeAspect="1"/>
-          </p:cNvPicPr>
-          <p:nvPr/>
-        </p:nvPicPr>
-        <p:blipFill>
-          <a:blip r:embed="rId5"/>
-          <a:stretch>
-            <a:fillRect/>
-          </a:stretch>
-        </p:blipFill>
-        <p:spPr>
-          <a:xfrm>
-            <a:off x="347240" y="1383785"/>
-            <a:ext cx="4443846" cy="1867199"/>
-          </a:xfrm>
-          <a:prstGeom prst="rect">
-            <a:avLst/>
-          </a:prstGeom>
-        </p:spPr>
-      </p:pic>
-      <p:pic>
-        <p:nvPicPr>
-          <p:cNvPr id="5" name="Picture 4">
-            <a:extLst>
-              <a:ext uri="{FF2B5EF4-FFF2-40B4-BE49-F238E27FC236}">
-                <a16:creationId xmlns:a16="http://schemas.microsoft.com/office/drawing/2014/main" id="{8C9C28C8-1897-45BB-92DF-0ADC7AAFFA03}"/>
-              </a:ext>
-            </a:extLst>
-          </p:cNvPr>
-          <p:cNvPicPr>
-            <a:picLocks noChangeAspect="1"/>
-          </p:cNvPicPr>
-          <p:nvPr/>
-        </p:nvPicPr>
-        <p:blipFill>
-          <a:blip r:embed="rId6"/>
-          <a:stretch>
-            <a:fillRect/>
-          </a:stretch>
-        </p:blipFill>
-        <p:spPr>
-          <a:xfrm>
-            <a:off x="1243730" y="4140679"/>
-            <a:ext cx="2260592" cy="2285936"/>
-          </a:xfrm>
-          <a:prstGeom prst="rect">
-            <a:avLst/>
-          </a:prstGeom>
-        </p:spPr>
-      </p:pic>
-      <p:sp>
-        <p:nvSpPr>
-          <p:cNvPr id="6" name="Arrow: Right 5">
-            <a:extLst>
-              <a:ext uri="{FF2B5EF4-FFF2-40B4-BE49-F238E27FC236}">
-                <a16:creationId xmlns:a16="http://schemas.microsoft.com/office/drawing/2014/main" id="{3BC43CDB-AF3C-4CEA-99AB-3E8C3BC5C0C6}"/>
-              </a:ext>
-            </a:extLst>
-          </p:cNvPr>
+      <p:sp>
+        <p:nvSpPr>
+          <p:cNvPr id="4" name="Rectangle 3"/>
           <p:cNvSpPr/>
           <p:nvPr/>
         </p:nvSpPr>
         <p:spPr>
-          <a:xfrm rot="8181937">
-            <a:off x="2765352" y="5094330"/>
-            <a:ext cx="1157607" cy="211020"/>
-          </a:xfrm>
-          <a:prstGeom prst="rightArrow">
+          <a:xfrm>
+            <a:off x="0" y="0"/>
+            <a:ext cx="12192000" cy="6858000"/>
+          </a:xfrm>
+          <a:prstGeom prst="rect">
             <a:avLst/>
           </a:prstGeom>
           <a:solidFill>
             <a:srgbClr val="CF3338"/>
           </a:solidFill>
-          <a:ln>
-            <a:noFill/>
-          </a:ln>
         </p:spPr>
         <p:style>
           <a:lnRef idx="2">
@@ -9299,10 +9263,44 @@
           </a:p>
         </p:txBody>
       </p:sp>
+      <p:sp>
+        <p:nvSpPr>
+          <p:cNvPr id="5" name="TextBox 4"/>
+          <p:cNvSpPr txBox="1"/>
+          <p:nvPr/>
+        </p:nvSpPr>
+        <p:spPr>
+          <a:xfrm>
+            <a:off x="520861" y="393539"/>
+            <a:ext cx="10324617" cy="1107996"/>
+          </a:xfrm>
+          <a:prstGeom prst="rect">
+            <a:avLst/>
+          </a:prstGeom>
+          <a:noFill/>
+        </p:spPr>
+        <p:txBody>
+          <a:bodyPr wrap="square" rtlCol="0">
+            <a:spAutoFit/>
+          </a:bodyPr>
+          <a:lstStyle/>
+          <a:p>
+            <a:r>
+              <a:rPr lang="en-US" sz="6600" b="1" dirty="0">
+                <a:solidFill>
+                  <a:schemeClr val="bg1"/>
+                </a:solidFill>
+                <a:latin typeface="Pragmatica" pitchFamily="2" charset="0"/>
+              </a:rPr>
+              <a:t>The data analytics stack</a:t>
+            </a:r>
+          </a:p>
+        </p:txBody>
+      </p:sp>
     </p:spTree>
     <p:extLst>
       <p:ext uri="{BB962C8B-B14F-4D97-AF65-F5344CB8AC3E}">
-        <p14:creationId xmlns:p14="http://schemas.microsoft.com/office/powerpoint/2010/main" val="565081256"/>
+        <p14:creationId xmlns:p14="http://schemas.microsoft.com/office/powerpoint/2010/main" val="467168029"/>
       </p:ext>
     </p:extLst>
   </p:cSld>
@@ -9384,51 +9382,17 @@
               <a:rPr lang="en-US" sz="6000" dirty="0">
                 <a:latin typeface="Aliens &amp; cows" panose="00000500000000000000" pitchFamily="2" charset="0"/>
               </a:rPr>
-              <a:t>Python for Excel</a:t>
-            </a:r>
-          </a:p>
-        </p:txBody>
-      </p:sp>
-      <p:sp>
-        <p:nvSpPr>
-          <p:cNvPr id="3" name="TextBox 2"/>
-          <p:cNvSpPr txBox="1"/>
-          <p:nvPr/>
-        </p:nvSpPr>
-        <p:spPr>
-          <a:xfrm>
-            <a:off x="0" y="6334780"/>
-            <a:ext cx="7420966" cy="523220"/>
-          </a:xfrm>
-          <a:prstGeom prst="rect">
-            <a:avLst/>
-          </a:prstGeom>
-          <a:noFill/>
-        </p:spPr>
-        <p:txBody>
-          <a:bodyPr wrap="square" rtlCol="0">
-            <a:spAutoFit/>
-          </a:bodyPr>
-          <a:lstStyle/>
-          <a:p>
-            <a:r>
-              <a:rPr lang="en-US" sz="1400" dirty="0">
-                <a:solidFill>
-                  <a:srgbClr val="707070"/>
-                </a:solidFill>
-                <a:latin typeface="Pragmatica" panose="020B0403040502020204" pitchFamily="34" charset="0"/>
-              </a:rPr>
-              <a:t>https://excel.uservoice.com/forums/304921-excel-for-windows-desktop-application/suggestions/10549005-python-as-an-excel-scripting-language</a:t>
+              <a:t>Become a full-stack analyst</a:t>
             </a:r>
           </a:p>
         </p:txBody>
       </p:sp>
       <p:pic>
         <p:nvPicPr>
-          <p:cNvPr id="6" name="Picture 5">
+          <p:cNvPr id="4" name="Picture 3" descr="Diagram, text&#10;&#10;Description automatically generated">
             <a:extLst>
               <a:ext uri="{FF2B5EF4-FFF2-40B4-BE49-F238E27FC236}">
-                <a16:creationId xmlns:a16="http://schemas.microsoft.com/office/drawing/2014/main" id="{AB9B98DE-851E-4DCE-A682-83C2082D863E}"/>
+                <a16:creationId xmlns:a16="http://schemas.microsoft.com/office/drawing/2014/main" id="{69888AE4-E6A5-42EE-8C41-9647CFF76E35}"/>
               </a:ext>
             </a:extLst>
           </p:cNvPr>
@@ -9438,104 +9402,33 @@
           <p:nvPr/>
         </p:nvPicPr>
         <p:blipFill>
-          <a:blip r:embed="rId4"/>
-          <a:stretch>
-            <a:fillRect/>
-          </a:stretch>
-        </p:blipFill>
-        <p:spPr>
-          <a:xfrm>
-            <a:off x="249829" y="1497416"/>
-            <a:ext cx="6777117" cy="3062800"/>
-          </a:xfrm>
-          <a:prstGeom prst="rect">
-            <a:avLst/>
-          </a:prstGeom>
-        </p:spPr>
-      </p:pic>
-      <p:pic>
-        <p:nvPicPr>
-          <p:cNvPr id="1026" name="Picture 2" descr="Logo">
-            <a:extLst>
-              <a:ext uri="{FF2B5EF4-FFF2-40B4-BE49-F238E27FC236}">
-                <a16:creationId xmlns:a16="http://schemas.microsoft.com/office/drawing/2014/main" id="{DFA31B08-9729-493E-ACD6-0C1ED2EDA81F}"/>
-              </a:ext>
-            </a:extLst>
-          </p:cNvPr>
-          <p:cNvPicPr>
-            <a:picLocks noChangeAspect="1" noChangeArrowheads="1"/>
-          </p:cNvPicPr>
-          <p:nvPr/>
-        </p:nvPicPr>
-        <p:blipFill>
-          <a:blip r:embed="rId5">
+          <a:blip r:embed="rId4">
             <a:extLst>
               <a:ext uri="{28A0092B-C50C-407E-A947-70E740481C1C}">
                 <a14:useLocalDpi xmlns:a14="http://schemas.microsoft.com/office/drawing/2010/main" val="0"/>
               </a:ext>
             </a:extLst>
           </a:blip>
-          <a:srcRect/>
           <a:stretch>
             <a:fillRect/>
           </a:stretch>
         </p:blipFill>
-        <p:spPr bwMode="auto">
-          <a:xfrm>
-            <a:off x="8447030" y="2858833"/>
-            <a:ext cx="3199732" cy="625646"/>
-          </a:xfrm>
-          <a:prstGeom prst="rect">
-            <a:avLst/>
-          </a:prstGeom>
-          <a:noFill/>
-          <a:extLst>
-            <a:ext uri="{909E8E84-426E-40DD-AFC4-6F175D3DCCD1}">
-              <a14:hiddenFill xmlns:a14="http://schemas.microsoft.com/office/drawing/2010/main">
-                <a:solidFill>
-                  <a:srgbClr val="FFFFFF"/>
-                </a:solidFill>
-              </a14:hiddenFill>
-            </a:ext>
-          </a:extLst>
+        <p:spPr>
+          <a:xfrm>
+            <a:off x="1929935" y="1777154"/>
+            <a:ext cx="8555449" cy="4024138"/>
+          </a:xfrm>
+          <a:prstGeom prst="rect">
+            <a:avLst/>
+          </a:prstGeom>
         </p:spPr>
       </p:pic>
-      <p:pic>
-        <p:nvPicPr>
-          <p:cNvPr id="8" name="Picture 7">
+      <p:sp>
+        <p:nvSpPr>
+          <p:cNvPr id="7" name="TextBox 6">
             <a:extLst>
               <a:ext uri="{FF2B5EF4-FFF2-40B4-BE49-F238E27FC236}">
-                <a16:creationId xmlns:a16="http://schemas.microsoft.com/office/drawing/2014/main" id="{D3A04345-EA68-47E4-9BEA-A8B53EF2B21B}"/>
-              </a:ext>
-            </a:extLst>
-          </p:cNvPr>
-          <p:cNvPicPr>
-            <a:picLocks noChangeAspect="1"/>
-          </p:cNvPicPr>
-          <p:nvPr/>
-        </p:nvPicPr>
-        <p:blipFill>
-          <a:blip r:embed="rId6"/>
-          <a:stretch>
-            <a:fillRect/>
-          </a:stretch>
-        </p:blipFill>
-        <p:spPr>
-          <a:xfrm>
-            <a:off x="7026946" y="3484479"/>
-            <a:ext cx="2840168" cy="842688"/>
-          </a:xfrm>
-          <a:prstGeom prst="rect">
-            <a:avLst/>
-          </a:prstGeom>
-        </p:spPr>
-      </p:pic>
-      <p:sp>
-        <p:nvSpPr>
-          <p:cNvPr id="13" name="TextBox 12">
-            <a:extLst>
-              <a:ext uri="{FF2B5EF4-FFF2-40B4-BE49-F238E27FC236}">
-                <a16:creationId xmlns:a16="http://schemas.microsoft.com/office/drawing/2014/main" id="{D76C3081-EF88-4D32-9F9A-7B0E3EAEB568}"/>
+                <a16:creationId xmlns:a16="http://schemas.microsoft.com/office/drawing/2014/main" id="{CFAB272F-EC83-45BA-935F-DFBF5407D2B6}"/>
               </a:ext>
             </a:extLst>
           </p:cNvPr>
@@ -9544,8 +9437,8 @@
         </p:nvSpPr>
         <p:spPr>
           <a:xfrm>
-            <a:off x="7167868" y="5596729"/>
-            <a:ext cx="4628435" cy="369332"/>
+            <a:off x="261704" y="6114327"/>
+            <a:ext cx="9493446" cy="369332"/>
           </a:xfrm>
           <a:prstGeom prst="rect">
             <a:avLst/>
@@ -9559,65 +9452,53 @@
           <a:lstStyle/>
           <a:p>
             <a:r>
-              <a:rPr lang="en-US" b="1" dirty="0">
+              <a:rPr lang="en-US" dirty="0">
+                <a:solidFill>
+                  <a:schemeClr val="bg1">
+                    <a:lumMod val="50000"/>
+                  </a:schemeClr>
+                </a:solidFill>
                 <a:latin typeface="Pragmatica" pitchFamily="2" charset="0"/>
               </a:rPr>
-              <a:t>More: http://www.python-excel.org</a:t>
-            </a:r>
-          </a:p>
-        </p:txBody>
-      </p:sp>
-      <p:pic>
-        <p:nvPicPr>
-          <p:cNvPr id="1028" name="Picture 4">
-            <a:extLst>
-              <a:ext uri="{FF2B5EF4-FFF2-40B4-BE49-F238E27FC236}">
-                <a16:creationId xmlns:a16="http://schemas.microsoft.com/office/drawing/2014/main" id="{3C329EA7-0AC7-4A26-A24D-2507FC7AAAB6}"/>
-              </a:ext>
-            </a:extLst>
-          </p:cNvPr>
-          <p:cNvPicPr>
-            <a:picLocks noChangeAspect="1" noChangeArrowheads="1"/>
-          </p:cNvPicPr>
-          <p:nvPr/>
-        </p:nvPicPr>
-        <p:blipFill>
-          <a:blip r:embed="rId7">
-            <a:extLst>
-              <a:ext uri="{28A0092B-C50C-407E-A947-70E740481C1C}">
-                <a14:useLocalDpi xmlns:a14="http://schemas.microsoft.com/office/drawing/2010/main" val="0"/>
-              </a:ext>
-            </a:extLst>
-          </a:blip>
-          <a:srcRect/>
-          <a:stretch>
-            <a:fillRect/>
-          </a:stretch>
-        </p:blipFill>
-        <p:spPr bwMode="auto">
-          <a:xfrm>
-            <a:off x="7783672" y="4327167"/>
-            <a:ext cx="3933825" cy="1095375"/>
-          </a:xfrm>
-          <a:prstGeom prst="rect">
-            <a:avLst/>
-          </a:prstGeom>
-          <a:noFill/>
-          <a:extLst>
-            <a:ext uri="{909E8E84-426E-40DD-AFC4-6F175D3DCCD1}">
-              <a14:hiddenFill xmlns:a14="http://schemas.microsoft.com/office/drawing/2010/main">
-                <a:solidFill>
-                  <a:srgbClr val="FFFFFF"/>
-                </a:solidFill>
-              </a14:hiddenFill>
-            </a:ext>
-          </a:extLst>
-        </p:spPr>
-      </p:pic>
+              <a:t>Mount, George. </a:t>
+            </a:r>
+            <a:r>
+              <a:rPr lang="en-US" i="1" dirty="0">
+                <a:solidFill>
+                  <a:schemeClr val="bg1">
+                    <a:lumMod val="50000"/>
+                  </a:schemeClr>
+                </a:solidFill>
+                <a:latin typeface="Pragmatica" pitchFamily="2" charset="0"/>
+              </a:rPr>
+              <a:t>Advancing into Analytics: From Excel to Python and R</a:t>
+            </a:r>
+            <a:r>
+              <a:rPr lang="en-US" dirty="0">
+                <a:solidFill>
+                  <a:schemeClr val="bg1">
+                    <a:lumMod val="50000"/>
+                  </a:schemeClr>
+                </a:solidFill>
+                <a:latin typeface="Pragmatica" pitchFamily="2" charset="0"/>
+              </a:rPr>
+              <a:t>. O’Reilly Media, 2021</a:t>
+            </a:r>
+            <a:endParaRPr lang="en-US" i="1" dirty="0">
+              <a:solidFill>
+                <a:schemeClr val="bg1">
+                  <a:lumMod val="50000"/>
+                </a:schemeClr>
+              </a:solidFill>
+              <a:latin typeface="Pragmatica" pitchFamily="2" charset="0"/>
+            </a:endParaRPr>
+          </a:p>
+        </p:txBody>
+      </p:sp>
     </p:spTree>
     <p:extLst>
       <p:ext uri="{BB962C8B-B14F-4D97-AF65-F5344CB8AC3E}">
-        <p14:creationId xmlns:p14="http://schemas.microsoft.com/office/powerpoint/2010/main" val="3281768856"/>
+        <p14:creationId xmlns:p14="http://schemas.microsoft.com/office/powerpoint/2010/main" val="2667391514"/>
       </p:ext>
     </p:extLst>
   </p:cSld>
@@ -9644,23 +9525,199 @@
           <a:chExt cx="0" cy="0"/>
         </a:xfrm>
       </p:grpSpPr>
-      <p:sp>
-        <p:nvSpPr>
-          <p:cNvPr id="4" name="Rectangle 3"/>
+      <p:pic>
+        <p:nvPicPr>
+          <p:cNvPr id="10" name="Picture 9"/>
+          <p:cNvPicPr>
+            <a:picLocks noChangeAspect="1"/>
+          </p:cNvPicPr>
+          <p:nvPr/>
+        </p:nvPicPr>
+        <p:blipFill rotWithShape="1">
+          <a:blip r:embed="rId3">
+            <a:extLst>
+              <a:ext uri="{28A0092B-C50C-407E-A947-70E740481C1C}">
+                <a14:useLocalDpi xmlns:a14="http://schemas.microsoft.com/office/drawing/2010/main" val="0"/>
+              </a:ext>
+            </a:extLst>
+          </a:blip>
+          <a:srcRect l="50728" t="56371"/>
+          <a:stretch/>
+        </p:blipFill>
+        <p:spPr>
+          <a:xfrm>
+            <a:off x="10894024" y="5370653"/>
+            <a:ext cx="1297975" cy="1487348"/>
+          </a:xfrm>
+          <a:prstGeom prst="rect">
+            <a:avLst/>
+          </a:prstGeom>
+        </p:spPr>
+      </p:pic>
+      <p:sp>
+        <p:nvSpPr>
+          <p:cNvPr id="11" name="TextBox 10"/>
+          <p:cNvSpPr txBox="1"/>
+          <p:nvPr/>
+        </p:nvSpPr>
+        <p:spPr>
+          <a:xfrm>
+            <a:off x="347240" y="113388"/>
+            <a:ext cx="11844760" cy="1015663"/>
+          </a:xfrm>
+          <a:prstGeom prst="rect">
+            <a:avLst/>
+          </a:prstGeom>
+          <a:noFill/>
+        </p:spPr>
+        <p:txBody>
+          <a:bodyPr wrap="square" rtlCol="0">
+            <a:spAutoFit/>
+          </a:bodyPr>
+          <a:lstStyle/>
+          <a:p>
+            <a:r>
+              <a:rPr lang="en-US" sz="6000" dirty="0">
+                <a:latin typeface="Aliens &amp; cows" panose="00000500000000000000" pitchFamily="2" charset="0"/>
+              </a:rPr>
+              <a:t>You’re not leaving the stack…</a:t>
+            </a:r>
+          </a:p>
+        </p:txBody>
+      </p:sp>
+      <p:pic>
+        <p:nvPicPr>
+          <p:cNvPr id="3074" name="Picture 2" descr="text over a background picture of a person posing for the camera">
+            <a:extLst>
+              <a:ext uri="{FF2B5EF4-FFF2-40B4-BE49-F238E27FC236}">
+                <a16:creationId xmlns:a16="http://schemas.microsoft.com/office/drawing/2014/main" id="{3F3EB0D1-A469-44EF-9527-27EB893CF851}"/>
+              </a:ext>
+            </a:extLst>
+          </p:cNvPr>
+          <p:cNvPicPr>
+            <a:picLocks noChangeAspect="1" noChangeArrowheads="1"/>
+          </p:cNvPicPr>
+          <p:nvPr/>
+        </p:nvPicPr>
+        <p:blipFill>
+          <a:blip r:embed="rId4">
+            <a:extLst>
+              <a:ext uri="{28A0092B-C50C-407E-A947-70E740481C1C}">
+                <a14:useLocalDpi xmlns:a14="http://schemas.microsoft.com/office/drawing/2010/main" val="0"/>
+              </a:ext>
+            </a:extLst>
+          </a:blip>
+          <a:srcRect/>
+          <a:stretch>
+            <a:fillRect/>
+          </a:stretch>
+        </p:blipFill>
+        <p:spPr bwMode="auto">
+          <a:xfrm>
+            <a:off x="5918806" y="1316904"/>
+            <a:ext cx="6029325" cy="3752850"/>
+          </a:xfrm>
+          <a:prstGeom prst="rect">
+            <a:avLst/>
+          </a:prstGeom>
+          <a:noFill/>
+          <a:extLst>
+            <a:ext uri="{909E8E84-426E-40DD-AFC4-6F175D3DCCD1}">
+              <a14:hiddenFill xmlns:a14="http://schemas.microsoft.com/office/drawing/2010/main">
+                <a:solidFill>
+                  <a:srgbClr val="FFFFFF"/>
+                </a:solidFill>
+              </a14:hiddenFill>
+            </a:ext>
+          </a:extLst>
+        </p:spPr>
+      </p:pic>
+      <p:pic>
+        <p:nvPicPr>
+          <p:cNvPr id="3" name="Picture 2">
+            <a:extLst>
+              <a:ext uri="{FF2B5EF4-FFF2-40B4-BE49-F238E27FC236}">
+                <a16:creationId xmlns:a16="http://schemas.microsoft.com/office/drawing/2014/main" id="{9D02035A-818C-4764-BD01-AFD799E9B16D}"/>
+              </a:ext>
+            </a:extLst>
+          </p:cNvPr>
+          <p:cNvPicPr>
+            <a:picLocks noChangeAspect="1"/>
+          </p:cNvPicPr>
+          <p:nvPr/>
+        </p:nvPicPr>
+        <p:blipFill>
+          <a:blip r:embed="rId5"/>
+          <a:stretch>
+            <a:fillRect/>
+          </a:stretch>
+        </p:blipFill>
+        <p:spPr>
+          <a:xfrm>
+            <a:off x="347240" y="1383785"/>
+            <a:ext cx="4443846" cy="1867199"/>
+          </a:xfrm>
+          <a:prstGeom prst="rect">
+            <a:avLst/>
+          </a:prstGeom>
+        </p:spPr>
+      </p:pic>
+      <p:pic>
+        <p:nvPicPr>
+          <p:cNvPr id="5" name="Picture 4">
+            <a:extLst>
+              <a:ext uri="{FF2B5EF4-FFF2-40B4-BE49-F238E27FC236}">
+                <a16:creationId xmlns:a16="http://schemas.microsoft.com/office/drawing/2014/main" id="{8C9C28C8-1897-45BB-92DF-0ADC7AAFFA03}"/>
+              </a:ext>
+            </a:extLst>
+          </p:cNvPr>
+          <p:cNvPicPr>
+            <a:picLocks noChangeAspect="1"/>
+          </p:cNvPicPr>
+          <p:nvPr/>
+        </p:nvPicPr>
+        <p:blipFill>
+          <a:blip r:embed="rId6"/>
+          <a:stretch>
+            <a:fillRect/>
+          </a:stretch>
+        </p:blipFill>
+        <p:spPr>
+          <a:xfrm>
+            <a:off x="1243730" y="4140679"/>
+            <a:ext cx="2260592" cy="2285936"/>
+          </a:xfrm>
+          <a:prstGeom prst="rect">
+            <a:avLst/>
+          </a:prstGeom>
+        </p:spPr>
+      </p:pic>
+      <p:sp>
+        <p:nvSpPr>
+          <p:cNvPr id="6" name="Arrow: Right 5">
+            <a:extLst>
+              <a:ext uri="{FF2B5EF4-FFF2-40B4-BE49-F238E27FC236}">
+                <a16:creationId xmlns:a16="http://schemas.microsoft.com/office/drawing/2014/main" id="{3BC43CDB-AF3C-4CEA-99AB-3E8C3BC5C0C6}"/>
+              </a:ext>
+            </a:extLst>
+          </p:cNvPr>
           <p:cNvSpPr/>
           <p:nvPr/>
         </p:nvSpPr>
         <p:spPr>
-          <a:xfrm>
-            <a:off x="0" y="0"/>
-            <a:ext cx="12192000" cy="6858000"/>
-          </a:xfrm>
-          <a:prstGeom prst="rect">
+          <a:xfrm rot="8181937">
+            <a:off x="2765352" y="5094330"/>
+            <a:ext cx="1157607" cy="211020"/>
+          </a:xfrm>
+          <a:prstGeom prst="rightArrow">
             <a:avLst/>
           </a:prstGeom>
           <a:solidFill>
             <a:srgbClr val="CF3338"/>
           </a:solidFill>
+          <a:ln>
+            <a:noFill/>
+          </a:ln>
         </p:spPr>
         <p:style>
           <a:lnRef idx="2">
@@ -9687,44 +9744,10 @@
           </a:p>
         </p:txBody>
       </p:sp>
-      <p:sp>
-        <p:nvSpPr>
-          <p:cNvPr id="5" name="TextBox 4"/>
-          <p:cNvSpPr txBox="1"/>
-          <p:nvPr/>
-        </p:nvSpPr>
-        <p:spPr>
-          <a:xfrm>
-            <a:off x="520861" y="393539"/>
-            <a:ext cx="10324617" cy="1107996"/>
-          </a:xfrm>
-          <a:prstGeom prst="rect">
-            <a:avLst/>
-          </a:prstGeom>
-          <a:noFill/>
-        </p:spPr>
-        <p:txBody>
-          <a:bodyPr wrap="square" rtlCol="0">
-            <a:spAutoFit/>
-          </a:bodyPr>
-          <a:lstStyle/>
-          <a:p>
-            <a:r>
-              <a:rPr lang="en-US" sz="6600" b="1" dirty="0">
-                <a:solidFill>
-                  <a:schemeClr val="bg1"/>
-                </a:solidFill>
-                <a:latin typeface="Pragmatica" pitchFamily="2" charset="0"/>
-              </a:rPr>
-              <a:t>Conclusion/Next steps</a:t>
-            </a:r>
-          </a:p>
-        </p:txBody>
-      </p:sp>
     </p:spTree>
     <p:extLst>
       <p:ext uri="{BB962C8B-B14F-4D97-AF65-F5344CB8AC3E}">
-        <p14:creationId xmlns:p14="http://schemas.microsoft.com/office/powerpoint/2010/main" val="2972162642"/>
+        <p14:creationId xmlns:p14="http://schemas.microsoft.com/office/powerpoint/2010/main" val="565081256"/>
       </p:ext>
     </p:extLst>
   </p:cSld>
@@ -9806,164 +9829,21 @@
               <a:rPr lang="en-US" sz="6000" dirty="0">
                 <a:latin typeface="Aliens &amp; cows" panose="00000500000000000000" pitchFamily="2" charset="0"/>
               </a:rPr>
-              <a:t>What’s in a dataset?</a:t>
-            </a:r>
-          </a:p>
-        </p:txBody>
-      </p:sp>
-      <p:pic>
-        <p:nvPicPr>
-          <p:cNvPr id="4" name="Graphic 3" descr="Table with solid fill">
-            <a:extLst>
-              <a:ext uri="{FF2B5EF4-FFF2-40B4-BE49-F238E27FC236}">
-                <a16:creationId xmlns:a16="http://schemas.microsoft.com/office/drawing/2014/main" id="{AB43D552-7653-499E-9BFE-19FE992730D1}"/>
-              </a:ext>
-            </a:extLst>
-          </p:cNvPr>
-          <p:cNvPicPr>
-            <a:picLocks noChangeAspect="1"/>
-          </p:cNvPicPr>
-          <p:nvPr/>
-        </p:nvPicPr>
-        <p:blipFill>
-          <a:blip r:embed="rId3">
-            <a:extLst>
-              <a:ext uri="{28A0092B-C50C-407E-A947-70E740481C1C}">
-                <a14:useLocalDpi xmlns:a14="http://schemas.microsoft.com/office/drawing/2010/main" val="0"/>
-              </a:ext>
-              <a:ext uri="{96DAC541-7B7A-43D3-8B79-37D633B846F1}">
-                <asvg:svgBlip xmlns:asvg="http://schemas.microsoft.com/office/drawing/2016/SVG/main" r:embed="rId4"/>
-              </a:ext>
-            </a:extLst>
-          </a:blip>
-          <a:stretch>
-            <a:fillRect/>
-          </a:stretch>
-        </p:blipFill>
-        <p:spPr>
-          <a:xfrm>
-            <a:off x="347240" y="1569360"/>
-            <a:ext cx="5583765" cy="5583765"/>
-          </a:xfrm>
-          <a:prstGeom prst="rect">
-            <a:avLst/>
-          </a:prstGeom>
-        </p:spPr>
-      </p:pic>
-      <p:sp>
-        <p:nvSpPr>
-          <p:cNvPr id="5" name="Right Brace 4">
-            <a:extLst>
-              <a:ext uri="{FF2B5EF4-FFF2-40B4-BE49-F238E27FC236}">
-                <a16:creationId xmlns:a16="http://schemas.microsoft.com/office/drawing/2014/main" id="{897C1E4C-DE27-4CAE-BD0E-2A9BA77F1508}"/>
-              </a:ext>
-            </a:extLst>
-          </p:cNvPr>
-          <p:cNvSpPr/>
-          <p:nvPr/>
-        </p:nvSpPr>
-        <p:spPr>
-          <a:xfrm>
-            <a:off x="5899739" y="2716437"/>
-            <a:ext cx="336024" cy="3289612"/>
-          </a:xfrm>
-          <a:prstGeom prst="rightBrace">
-            <a:avLst/>
-          </a:prstGeom>
-          <a:ln w="57150">
-            <a:solidFill>
-              <a:srgbClr val="707070"/>
-            </a:solidFill>
-          </a:ln>
-        </p:spPr>
-        <p:style>
-          <a:lnRef idx="1">
-            <a:schemeClr val="accent1"/>
-          </a:lnRef>
-          <a:fillRef idx="0">
-            <a:schemeClr val="accent1"/>
-          </a:fillRef>
-          <a:effectRef idx="0">
-            <a:schemeClr val="accent1"/>
-          </a:effectRef>
-          <a:fontRef idx="minor">
-            <a:schemeClr val="tx1"/>
-          </a:fontRef>
-        </p:style>
-        <p:txBody>
-          <a:bodyPr rtlCol="0" anchor="ctr"/>
-          <a:lstStyle/>
-          <a:p>
-            <a:pPr algn="ctr"/>
-            <a:endParaRPr lang="en-US"/>
-          </a:p>
-        </p:txBody>
-      </p:sp>
-      <p:sp>
-        <p:nvSpPr>
-          <p:cNvPr id="8" name="Right Brace 7">
-            <a:extLst>
-              <a:ext uri="{FF2B5EF4-FFF2-40B4-BE49-F238E27FC236}">
-                <a16:creationId xmlns:a16="http://schemas.microsoft.com/office/drawing/2014/main" id="{2CBF31FC-5E44-437F-A2EF-BCDE1480F385}"/>
-              </a:ext>
-            </a:extLst>
-          </p:cNvPr>
-          <p:cNvSpPr/>
-          <p:nvPr/>
-        </p:nvSpPr>
-        <p:spPr>
-          <a:xfrm rot="16200000">
-            <a:off x="2960276" y="96643"/>
-            <a:ext cx="392523" cy="4705818"/>
-          </a:xfrm>
-          <a:prstGeom prst="rightBrace">
-            <a:avLst/>
-          </a:prstGeom>
-          <a:ln w="57150">
-            <a:solidFill>
-              <a:srgbClr val="707070"/>
-            </a:solidFill>
-          </a:ln>
-        </p:spPr>
-        <p:style>
-          <a:lnRef idx="1">
-            <a:schemeClr val="accent1"/>
-          </a:lnRef>
-          <a:fillRef idx="0">
-            <a:schemeClr val="accent1"/>
-          </a:fillRef>
-          <a:effectRef idx="0">
-            <a:schemeClr val="accent1"/>
-          </a:effectRef>
-          <a:fontRef idx="minor">
-            <a:schemeClr val="tx1"/>
-          </a:fontRef>
-        </p:style>
-        <p:txBody>
-          <a:bodyPr rtlCol="0" anchor="ctr"/>
-          <a:lstStyle/>
-          <a:p>
-            <a:pPr algn="ctr"/>
-            <a:endParaRPr lang="en-US"/>
-          </a:p>
-        </p:txBody>
-      </p:sp>
-      <p:sp>
-        <p:nvSpPr>
-          <p:cNvPr id="9" name="TextBox 8">
-            <a:extLst>
-              <a:ext uri="{FF2B5EF4-FFF2-40B4-BE49-F238E27FC236}">
-                <a16:creationId xmlns:a16="http://schemas.microsoft.com/office/drawing/2014/main" id="{032F37C5-AD9F-42CF-A83A-C4BD7EFBC533}"/>
-              </a:ext>
-            </a:extLst>
-          </p:cNvPr>
+              <a:t>Learning objectives</a:t>
+            </a:r>
+          </a:p>
+        </p:txBody>
+      </p:sp>
+      <p:sp>
+        <p:nvSpPr>
+          <p:cNvPr id="3" name="TextBox 2"/>
           <p:cNvSpPr txBox="1"/>
           <p:nvPr/>
         </p:nvSpPr>
         <p:spPr>
           <a:xfrm>
-            <a:off x="1524292" y="1442139"/>
-            <a:ext cx="9595413" cy="523220"/>
+            <a:off x="462987" y="1365813"/>
+            <a:ext cx="9595413" cy="2246769"/>
           </a:xfrm>
           <a:prstGeom prst="rect">
             <a:avLst/>
@@ -9976,6 +9856,10 @@
           </a:bodyPr>
           <a:lstStyle/>
           <a:p>
+            <a:pPr marL="285750" indent="-285750">
+              <a:buFont typeface="Arial" panose="020B0604020202020204" pitchFamily="34" charset="0"/>
+              <a:buChar char="•"/>
+            </a:pPr>
             <a:r>
               <a:rPr lang="en-US" sz="2800" dirty="0">
                 <a:solidFill>
@@ -9983,39 +9867,14 @@
                 </a:solidFill>
                 <a:latin typeface="Pragmatica" panose="020B0403040502020204" pitchFamily="34" charset="0"/>
               </a:rPr>
-              <a:t>Variables… vary</a:t>
-            </a:r>
-          </a:p>
-        </p:txBody>
-      </p:sp>
-      <p:sp>
-        <p:nvSpPr>
-          <p:cNvPr id="12" name="TextBox 11">
-            <a:extLst>
-              <a:ext uri="{FF2B5EF4-FFF2-40B4-BE49-F238E27FC236}">
-                <a16:creationId xmlns:a16="http://schemas.microsoft.com/office/drawing/2014/main" id="{074ACF14-B3D8-4006-89E6-9321513F0F24}"/>
-              </a:ext>
-            </a:extLst>
-          </p:cNvPr>
-          <p:cNvSpPr txBox="1"/>
-          <p:nvPr/>
-        </p:nvSpPr>
-        <p:spPr>
-          <a:xfrm>
-            <a:off x="6440495" y="3269980"/>
-            <a:ext cx="3432954" cy="954107"/>
-          </a:xfrm>
-          <a:prstGeom prst="rect">
-            <a:avLst/>
-          </a:prstGeom>
-          <a:noFill/>
-        </p:spPr>
-        <p:txBody>
-          <a:bodyPr wrap="square" rtlCol="0">
-            <a:spAutoFit/>
-          </a:bodyPr>
-          <a:lstStyle/>
-          <a:p>
+              <a:t>Chapter 1:</a:t>
+            </a:r>
+          </a:p>
+          <a:p>
+            <a:pPr marL="742950" lvl="1" indent="-285750">
+              <a:buFont typeface="Arial" panose="020B0604020202020204" pitchFamily="34" charset="0"/>
+              <a:buChar char="•"/>
+            </a:pPr>
             <a:r>
               <a:rPr lang="en-US" sz="2800" dirty="0">
                 <a:solidFill>
@@ -10023,7 +9882,49 @@
                 </a:solidFill>
                 <a:latin typeface="Pragmatica" panose="020B0403040502020204" pitchFamily="34" charset="0"/>
               </a:rPr>
-              <a:t>Observations… are observed</a:t>
+              <a:t>Establish aims of exploratory data analysis (EDA)</a:t>
+            </a:r>
+          </a:p>
+          <a:p>
+            <a:pPr marL="742950" lvl="1" indent="-285750">
+              <a:buFont typeface="Arial" panose="020B0604020202020204" pitchFamily="34" charset="0"/>
+              <a:buChar char="•"/>
+            </a:pPr>
+            <a:r>
+              <a:rPr lang="en-US" sz="2800" dirty="0">
+                <a:solidFill>
+                  <a:srgbClr val="707070"/>
+                </a:solidFill>
+                <a:latin typeface="Pragmatica" panose="020B0403040502020204" pitchFamily="34" charset="0"/>
+              </a:rPr>
+              <a:t>Perform basic EDA in Excel</a:t>
+            </a:r>
+          </a:p>
+          <a:p>
+            <a:pPr marL="285750" indent="-285750">
+              <a:buFont typeface="Arial" panose="020B0604020202020204" pitchFamily="34" charset="0"/>
+              <a:buChar char="•"/>
+            </a:pPr>
+            <a:endParaRPr lang="en-US" sz="2800" dirty="0">
+              <a:solidFill>
+                <a:srgbClr val="707070"/>
+              </a:solidFill>
+              <a:latin typeface="Pragmatica" panose="020B0403040502020204" pitchFamily="34" charset="0"/>
+            </a:endParaRPr>
+          </a:p>
+          <a:p>
+            <a:pPr marL="457200" indent="-457200">
+              <a:buFont typeface="Arial" panose="020B0604020202020204" pitchFamily="34" charset="0"/>
+              <a:buChar char="•"/>
+            </a:pPr>
+            <a:r>
+              <a:rPr lang="en-US" sz="2800" dirty="0">
+                <a:solidFill>
+                  <a:srgbClr val="707070"/>
+                </a:solidFill>
+                <a:latin typeface="Pragmatica" panose="020B0403040502020204" pitchFamily="34" charset="0"/>
+              </a:rPr>
+              <a:t>What is the data analytics stack? How does this book help?</a:t>
             </a:r>
           </a:p>
         </p:txBody>
@@ -10031,7 +9932,7 @@
     </p:spTree>
     <p:extLst>
       <p:ext uri="{BB962C8B-B14F-4D97-AF65-F5344CB8AC3E}">
-        <p14:creationId xmlns:p14="http://schemas.microsoft.com/office/powerpoint/2010/main" val="904060236"/>
+        <p14:creationId xmlns:p14="http://schemas.microsoft.com/office/powerpoint/2010/main" val="2948647643"/>
       </p:ext>
     </p:extLst>
   </p:cSld>
@@ -10067,7 +9968,7 @@
           <p:nvPr/>
         </p:nvPicPr>
         <p:blipFill rotWithShape="1">
-          <a:blip r:embed="rId2">
+          <a:blip r:embed="rId3">
             <a:extLst>
               <a:ext uri="{28A0092B-C50C-407E-A947-70E740481C1C}">
                 <a14:useLocalDpi xmlns:a14="http://schemas.microsoft.com/office/drawing/2010/main" val="0"/>
@@ -10079,8 +9980,103 @@
         </p:blipFill>
         <p:spPr>
           <a:xfrm>
-            <a:off x="8136460" y="2210765"/>
-            <a:ext cx="4055539" cy="4647236"/>
+            <a:off x="10894024" y="5370653"/>
+            <a:ext cx="1297975" cy="1487348"/>
+          </a:xfrm>
+          <a:prstGeom prst="rect">
+            <a:avLst/>
+          </a:prstGeom>
+        </p:spPr>
+      </p:pic>
+      <p:sp>
+        <p:nvSpPr>
+          <p:cNvPr id="11" name="TextBox 10"/>
+          <p:cNvSpPr txBox="1"/>
+          <p:nvPr/>
+        </p:nvSpPr>
+        <p:spPr>
+          <a:xfrm>
+            <a:off x="347240" y="113388"/>
+            <a:ext cx="9799937" cy="1015663"/>
+          </a:xfrm>
+          <a:prstGeom prst="rect">
+            <a:avLst/>
+          </a:prstGeom>
+          <a:noFill/>
+        </p:spPr>
+        <p:txBody>
+          <a:bodyPr wrap="square" rtlCol="0">
+            <a:spAutoFit/>
+          </a:bodyPr>
+          <a:lstStyle/>
+          <a:p>
+            <a:r>
+              <a:rPr lang="en-US" sz="6000" dirty="0">
+                <a:latin typeface="Aliens &amp; cows" panose="00000500000000000000" pitchFamily="2" charset="0"/>
+              </a:rPr>
+              <a:t>Python for Excel</a:t>
+            </a:r>
+          </a:p>
+        </p:txBody>
+      </p:sp>
+      <p:sp>
+        <p:nvSpPr>
+          <p:cNvPr id="3" name="TextBox 2"/>
+          <p:cNvSpPr txBox="1"/>
+          <p:nvPr/>
+        </p:nvSpPr>
+        <p:spPr>
+          <a:xfrm>
+            <a:off x="0" y="6334780"/>
+            <a:ext cx="7420966" cy="523220"/>
+          </a:xfrm>
+          <a:prstGeom prst="rect">
+            <a:avLst/>
+          </a:prstGeom>
+          <a:noFill/>
+        </p:spPr>
+        <p:txBody>
+          <a:bodyPr wrap="square" rtlCol="0">
+            <a:spAutoFit/>
+          </a:bodyPr>
+          <a:lstStyle/>
+          <a:p>
+            <a:r>
+              <a:rPr lang="en-US" sz="1400" dirty="0">
+                <a:solidFill>
+                  <a:srgbClr val="707070"/>
+                </a:solidFill>
+                <a:latin typeface="Pragmatica" panose="020B0403040502020204" pitchFamily="34" charset="0"/>
+              </a:rPr>
+              <a:t>https://excel.uservoice.com/forums/304921-excel-for-windows-desktop-application/suggestions/10549005-python-as-an-excel-scripting-language</a:t>
+            </a:r>
+          </a:p>
+        </p:txBody>
+      </p:sp>
+      <p:pic>
+        <p:nvPicPr>
+          <p:cNvPr id="6" name="Picture 5">
+            <a:extLst>
+              <a:ext uri="{FF2B5EF4-FFF2-40B4-BE49-F238E27FC236}">
+                <a16:creationId xmlns:a16="http://schemas.microsoft.com/office/drawing/2014/main" id="{AB9B98DE-851E-4DCE-A682-83C2082D863E}"/>
+              </a:ext>
+            </a:extLst>
+          </p:cNvPr>
+          <p:cNvPicPr>
+            <a:picLocks noChangeAspect="1"/>
+          </p:cNvPicPr>
+          <p:nvPr/>
+        </p:nvPicPr>
+        <p:blipFill>
+          <a:blip r:embed="rId4"/>
+          <a:stretch>
+            <a:fillRect/>
+          </a:stretch>
+        </p:blipFill>
+        <p:spPr>
+          <a:xfrm>
+            <a:off x="249829" y="1497416"/>
+            <a:ext cx="6777117" cy="3062800"/>
           </a:xfrm>
           <a:prstGeom prst="rect">
             <a:avLst/>
@@ -10089,44 +10085,97 @@
       </p:pic>
       <p:pic>
         <p:nvPicPr>
-          <p:cNvPr id="4" name="Picture 3"/>
+          <p:cNvPr id="1026" name="Picture 2" descr="Logo">
+            <a:extLst>
+              <a:ext uri="{FF2B5EF4-FFF2-40B4-BE49-F238E27FC236}">
+                <a16:creationId xmlns:a16="http://schemas.microsoft.com/office/drawing/2014/main" id="{DFA31B08-9729-493E-ACD6-0C1ED2EDA81F}"/>
+              </a:ext>
+            </a:extLst>
+          </p:cNvPr>
           <p:cNvPicPr>
-            <a:picLocks noChangeAspect="1"/>
+            <a:picLocks noChangeAspect="1" noChangeArrowheads="1"/>
           </p:cNvPicPr>
           <p:nvPr/>
         </p:nvPicPr>
         <p:blipFill>
-          <a:blip r:embed="rId3">
+          <a:blip r:embed="rId5">
             <a:extLst>
               <a:ext uri="{28A0092B-C50C-407E-A947-70E740481C1C}">
                 <a14:useLocalDpi xmlns:a14="http://schemas.microsoft.com/office/drawing/2010/main" val="0"/>
               </a:ext>
             </a:extLst>
           </a:blip>
+          <a:srcRect/>
           <a:stretch>
             <a:fillRect/>
           </a:stretch>
         </p:blipFill>
-        <p:spPr>
-          <a:xfrm>
-            <a:off x="-538496" y="-2482770"/>
-            <a:ext cx="10171472" cy="7459883"/>
-          </a:xfrm>
-          <a:prstGeom prst="rect">
-            <a:avLst/>
-          </a:prstGeom>
+        <p:spPr bwMode="auto">
+          <a:xfrm>
+            <a:off x="8447030" y="2858833"/>
+            <a:ext cx="3199732" cy="625646"/>
+          </a:xfrm>
+          <a:prstGeom prst="rect">
+            <a:avLst/>
+          </a:prstGeom>
+          <a:noFill/>
+          <a:extLst>
+            <a:ext uri="{909E8E84-426E-40DD-AFC4-6F175D3DCCD1}">
+              <a14:hiddenFill xmlns:a14="http://schemas.microsoft.com/office/drawing/2010/main">
+                <a:solidFill>
+                  <a:srgbClr val="FFFFFF"/>
+                </a:solidFill>
+              </a14:hiddenFill>
+            </a:ext>
+          </a:extLst>
         </p:spPr>
       </p:pic>
-      <p:sp>
-        <p:nvSpPr>
-          <p:cNvPr id="11" name="TextBox 10"/>
+      <p:pic>
+        <p:nvPicPr>
+          <p:cNvPr id="8" name="Picture 7">
+            <a:extLst>
+              <a:ext uri="{FF2B5EF4-FFF2-40B4-BE49-F238E27FC236}">
+                <a16:creationId xmlns:a16="http://schemas.microsoft.com/office/drawing/2014/main" id="{D3A04345-EA68-47E4-9BEA-A8B53EF2B21B}"/>
+              </a:ext>
+            </a:extLst>
+          </p:cNvPr>
+          <p:cNvPicPr>
+            <a:picLocks noChangeAspect="1"/>
+          </p:cNvPicPr>
+          <p:nvPr/>
+        </p:nvPicPr>
+        <p:blipFill>
+          <a:blip r:embed="rId6"/>
+          <a:stretch>
+            <a:fillRect/>
+          </a:stretch>
+        </p:blipFill>
+        <p:spPr>
+          <a:xfrm>
+            <a:off x="7026946" y="3484479"/>
+            <a:ext cx="2840168" cy="842688"/>
+          </a:xfrm>
+          <a:prstGeom prst="rect">
+            <a:avLst/>
+          </a:prstGeom>
+        </p:spPr>
+      </p:pic>
+      <p:sp>
+        <p:nvSpPr>
+          <p:cNvPr id="13" name="TextBox 12">
+            <a:extLst>
+              <a:ext uri="{FF2B5EF4-FFF2-40B4-BE49-F238E27FC236}">
+                <a16:creationId xmlns:a16="http://schemas.microsoft.com/office/drawing/2014/main" id="{D76C3081-EF88-4D32-9F9A-7B0E3EAEB568}"/>
+              </a:ext>
+            </a:extLst>
+          </p:cNvPr>
           <p:cNvSpPr txBox="1"/>
           <p:nvPr/>
         </p:nvSpPr>
         <p:spPr>
           <a:xfrm>
-            <a:off x="324091" y="1687545"/>
-            <a:ext cx="7986531" cy="1384995"/>
+            <a:off x="7167868" y="5596729"/>
+            <a:ext cx="4628435" cy="369332"/>
           </a:xfrm>
           <a:prstGeom prst="rect">
             <a:avLst/>
@@ -10140,40 +10189,65 @@
           <a:lstStyle/>
           <a:p>
             <a:r>
-              <a:rPr lang="en-US" sz="2800" b="1" dirty="0">
-                <a:solidFill>
-                  <a:srgbClr val="707070"/>
-                </a:solidFill>
-                <a:latin typeface="Pragmatica" panose="020B0403040502020204" pitchFamily="34" charset="0"/>
-              </a:rPr>
-              <a:t>Next steps?</a:t>
-            </a:r>
-          </a:p>
-          <a:p>
-            <a:endParaRPr lang="en-US" sz="2800" b="1" dirty="0">
-              <a:solidFill>
-                <a:srgbClr val="707070"/>
-              </a:solidFill>
-              <a:latin typeface="Pragmatica" panose="020B0403040502020204" pitchFamily="34" charset="0"/>
-            </a:endParaRPr>
-          </a:p>
-          <a:p>
-            <a:r>
-              <a:rPr lang="en-US" sz="2800" b="1" i="1" dirty="0">
-                <a:solidFill>
-                  <a:srgbClr val="707070"/>
-                </a:solidFill>
-                <a:latin typeface="Pragmatica" panose="020B0403040502020204" pitchFamily="34" charset="0"/>
-              </a:rPr>
-              <a:t>Start reading!</a:t>
-            </a:r>
-          </a:p>
-        </p:txBody>
-      </p:sp>
+              <a:rPr lang="en-US" b="1" dirty="0">
+                <a:latin typeface="Pragmatica" pitchFamily="2" charset="0"/>
+              </a:rPr>
+              <a:t>More: http://www.python-excel.org</a:t>
+            </a:r>
+          </a:p>
+        </p:txBody>
+      </p:sp>
+      <p:pic>
+        <p:nvPicPr>
+          <p:cNvPr id="1028" name="Picture 4">
+            <a:extLst>
+              <a:ext uri="{FF2B5EF4-FFF2-40B4-BE49-F238E27FC236}">
+                <a16:creationId xmlns:a16="http://schemas.microsoft.com/office/drawing/2014/main" id="{3C329EA7-0AC7-4A26-A24D-2507FC7AAAB6}"/>
+              </a:ext>
+            </a:extLst>
+          </p:cNvPr>
+          <p:cNvPicPr>
+            <a:picLocks noChangeAspect="1" noChangeArrowheads="1"/>
+          </p:cNvPicPr>
+          <p:nvPr/>
+        </p:nvPicPr>
+        <p:blipFill>
+          <a:blip r:embed="rId7">
+            <a:extLst>
+              <a:ext uri="{28A0092B-C50C-407E-A947-70E740481C1C}">
+                <a14:useLocalDpi xmlns:a14="http://schemas.microsoft.com/office/drawing/2010/main" val="0"/>
+              </a:ext>
+            </a:extLst>
+          </a:blip>
+          <a:srcRect/>
+          <a:stretch>
+            <a:fillRect/>
+          </a:stretch>
+        </p:blipFill>
+        <p:spPr bwMode="auto">
+          <a:xfrm>
+            <a:off x="7783672" y="4327167"/>
+            <a:ext cx="3933825" cy="1095375"/>
+          </a:xfrm>
+          <a:prstGeom prst="rect">
+            <a:avLst/>
+          </a:prstGeom>
+          <a:noFill/>
+          <a:extLst>
+            <a:ext uri="{909E8E84-426E-40DD-AFC4-6F175D3DCCD1}">
+              <a14:hiddenFill xmlns:a14="http://schemas.microsoft.com/office/drawing/2010/main">
+                <a:solidFill>
+                  <a:srgbClr val="FFFFFF"/>
+                </a:solidFill>
+              </a14:hiddenFill>
+            </a:ext>
+          </a:extLst>
+        </p:spPr>
+      </p:pic>
     </p:spTree>
     <p:extLst>
       <p:ext uri="{BB962C8B-B14F-4D97-AF65-F5344CB8AC3E}">
-        <p14:creationId xmlns:p14="http://schemas.microsoft.com/office/powerpoint/2010/main" val="2312071835"/>
+        <p14:creationId xmlns:p14="http://schemas.microsoft.com/office/powerpoint/2010/main" val="3281768856"/>
       </p:ext>
     </p:extLst>
   </p:cSld>
@@ -10200,75 +10274,59 @@
           <a:chExt cx="0" cy="0"/>
         </a:xfrm>
       </p:grpSpPr>
-      <p:pic>
-        <p:nvPicPr>
-          <p:cNvPr id="10" name="Picture 9"/>
-          <p:cNvPicPr>
-            <a:picLocks noChangeAspect="1"/>
-          </p:cNvPicPr>
-          <p:nvPr/>
-        </p:nvPicPr>
-        <p:blipFill rotWithShape="1">
-          <a:blip r:embed="rId2">
-            <a:extLst>
-              <a:ext uri="{28A0092B-C50C-407E-A947-70E740481C1C}">
-                <a14:useLocalDpi xmlns:a14="http://schemas.microsoft.com/office/drawing/2010/main" val="0"/>
-              </a:ext>
-            </a:extLst>
-          </a:blip>
-          <a:srcRect l="50728" t="56371"/>
-          <a:stretch/>
-        </p:blipFill>
-        <p:spPr>
-          <a:xfrm>
-            <a:off x="8136460" y="2210765"/>
-            <a:ext cx="4055539" cy="4647236"/>
-          </a:xfrm>
-          <a:prstGeom prst="rect">
-            <a:avLst/>
-          </a:prstGeom>
-        </p:spPr>
-      </p:pic>
-      <p:pic>
-        <p:nvPicPr>
-          <p:cNvPr id="4" name="Picture 3"/>
-          <p:cNvPicPr>
-            <a:picLocks noChangeAspect="1"/>
-          </p:cNvPicPr>
-          <p:nvPr/>
-        </p:nvPicPr>
-        <p:blipFill>
-          <a:blip r:embed="rId3">
-            <a:extLst>
-              <a:ext uri="{28A0092B-C50C-407E-A947-70E740481C1C}">
-                <a14:useLocalDpi xmlns:a14="http://schemas.microsoft.com/office/drawing/2010/main" val="0"/>
-              </a:ext>
-            </a:extLst>
-          </a:blip>
-          <a:stretch>
-            <a:fillRect/>
-          </a:stretch>
-        </p:blipFill>
-        <p:spPr>
-          <a:xfrm>
-            <a:off x="-538496" y="-2482770"/>
-            <a:ext cx="10171472" cy="7459883"/>
-          </a:xfrm>
-          <a:prstGeom prst="rect">
-            <a:avLst/>
-          </a:prstGeom>
-        </p:spPr>
-      </p:pic>
-      <p:sp>
-        <p:nvSpPr>
-          <p:cNvPr id="11" name="TextBox 10"/>
+      <p:sp>
+        <p:nvSpPr>
+          <p:cNvPr id="4" name="Rectangle 3"/>
+          <p:cNvSpPr/>
+          <p:nvPr/>
+        </p:nvSpPr>
+        <p:spPr>
+          <a:xfrm>
+            <a:off x="0" y="0"/>
+            <a:ext cx="12192000" cy="6858000"/>
+          </a:xfrm>
+          <a:prstGeom prst="rect">
+            <a:avLst/>
+          </a:prstGeom>
+          <a:solidFill>
+            <a:srgbClr val="CF3338"/>
+          </a:solidFill>
+        </p:spPr>
+        <p:style>
+          <a:lnRef idx="2">
+            <a:schemeClr val="accent1">
+              <a:shade val="50000"/>
+            </a:schemeClr>
+          </a:lnRef>
+          <a:fillRef idx="1">
+            <a:schemeClr val="accent1"/>
+          </a:fillRef>
+          <a:effectRef idx="0">
+            <a:schemeClr val="accent1"/>
+          </a:effectRef>
+          <a:fontRef idx="minor">
+            <a:schemeClr val="lt1"/>
+          </a:fontRef>
+        </p:style>
+        <p:txBody>
+          <a:bodyPr rtlCol="0" anchor="ctr"/>
+          <a:lstStyle/>
+          <a:p>
+            <a:pPr algn="ctr"/>
+            <a:endParaRPr lang="en-US"/>
+          </a:p>
+        </p:txBody>
+      </p:sp>
+      <p:sp>
+        <p:nvSpPr>
+          <p:cNvPr id="5" name="TextBox 4"/>
           <p:cNvSpPr txBox="1"/>
           <p:nvPr/>
         </p:nvSpPr>
         <p:spPr>
           <a:xfrm>
-            <a:off x="324091" y="1687545"/>
-            <a:ext cx="7986531" cy="1384995"/>
+            <a:off x="520861" y="393539"/>
+            <a:ext cx="10324617" cy="1107996"/>
           </a:xfrm>
           <a:prstGeom prst="rect">
             <a:avLst/>
@@ -10282,45 +10340,21 @@
           <a:lstStyle/>
           <a:p>
             <a:r>
-              <a:rPr lang="en-US" sz="2800" b="1" dirty="0">
-                <a:solidFill>
-                  <a:srgbClr val="707070"/>
-                </a:solidFill>
-                <a:latin typeface="Pragmatica" panose="020B0403040502020204" pitchFamily="34" charset="0"/>
-              </a:rPr>
-              <a:t>Event survey: </a:t>
-            </a:r>
-            <a:r>
-              <a:rPr lang="en-US" sz="2800" b="1" dirty="0">
-                <a:solidFill>
-                  <a:srgbClr val="707070"/>
-                </a:solidFill>
-                <a:latin typeface="Pragmatica" panose="020B0403040502020204" pitchFamily="34" charset="0"/>
-                <a:hlinkClick r:id="rId4"/>
-              </a:rPr>
-              <a:t>https://forms.office.com/r/0ZnD0LxpZy</a:t>
-            </a:r>
-            <a:endParaRPr lang="en-US" sz="2800" b="1" dirty="0">
-              <a:solidFill>
-                <a:srgbClr val="707070"/>
-              </a:solidFill>
-              <a:latin typeface="Pragmatica" panose="020B0403040502020204" pitchFamily="34" charset="0"/>
-            </a:endParaRPr>
-          </a:p>
-          <a:p>
-            <a:endParaRPr lang="en-US" sz="2800" b="1" dirty="0">
-              <a:solidFill>
-                <a:srgbClr val="707070"/>
-              </a:solidFill>
-              <a:latin typeface="Pragmatica" panose="020B0403040502020204" pitchFamily="34" charset="0"/>
-            </a:endParaRPr>
+              <a:rPr lang="en-US" sz="6600" b="1" dirty="0">
+                <a:solidFill>
+                  <a:schemeClr val="bg1"/>
+                </a:solidFill>
+                <a:latin typeface="Pragmatica" pitchFamily="2" charset="0"/>
+              </a:rPr>
+              <a:t>Conclusion/Next steps</a:t>
+            </a:r>
           </a:p>
         </p:txBody>
       </p:sp>
     </p:spTree>
     <p:extLst>
       <p:ext uri="{BB962C8B-B14F-4D97-AF65-F5344CB8AC3E}">
-        <p14:creationId xmlns:p14="http://schemas.microsoft.com/office/powerpoint/2010/main" val="154938830"/>
+        <p14:creationId xmlns:p14="http://schemas.microsoft.com/office/powerpoint/2010/main" val="2972162642"/>
       </p:ext>
     </p:extLst>
   </p:cSld>
@@ -10415,6 +10449,295 @@
         <p:spPr>
           <a:xfrm>
             <a:off x="324091" y="1687545"/>
+            <a:ext cx="7986531" cy="1384995"/>
+          </a:xfrm>
+          <a:prstGeom prst="rect">
+            <a:avLst/>
+          </a:prstGeom>
+          <a:noFill/>
+        </p:spPr>
+        <p:txBody>
+          <a:bodyPr wrap="square" rtlCol="0">
+            <a:spAutoFit/>
+          </a:bodyPr>
+          <a:lstStyle/>
+          <a:p>
+            <a:r>
+              <a:rPr lang="en-US" sz="2800" b="1" dirty="0">
+                <a:solidFill>
+                  <a:srgbClr val="707070"/>
+                </a:solidFill>
+                <a:latin typeface="Pragmatica" panose="020B0403040502020204" pitchFamily="34" charset="0"/>
+              </a:rPr>
+              <a:t>Next steps?</a:t>
+            </a:r>
+          </a:p>
+          <a:p>
+            <a:endParaRPr lang="en-US" sz="2800" b="1" dirty="0">
+              <a:solidFill>
+                <a:srgbClr val="707070"/>
+              </a:solidFill>
+              <a:latin typeface="Pragmatica" panose="020B0403040502020204" pitchFamily="34" charset="0"/>
+            </a:endParaRPr>
+          </a:p>
+          <a:p>
+            <a:r>
+              <a:rPr lang="en-US" sz="2800" b="1" i="1" dirty="0">
+                <a:solidFill>
+                  <a:srgbClr val="707070"/>
+                </a:solidFill>
+                <a:latin typeface="Pragmatica" panose="020B0403040502020204" pitchFamily="34" charset="0"/>
+              </a:rPr>
+              <a:t>Start reading!</a:t>
+            </a:r>
+          </a:p>
+        </p:txBody>
+      </p:sp>
+    </p:spTree>
+    <p:extLst>
+      <p:ext uri="{BB962C8B-B14F-4D97-AF65-F5344CB8AC3E}">
+        <p14:creationId xmlns:p14="http://schemas.microsoft.com/office/powerpoint/2010/main" val="2312071835"/>
+      </p:ext>
+    </p:extLst>
+  </p:cSld>
+  <p:clrMapOvr>
+    <a:masterClrMapping/>
+  </p:clrMapOvr>
+</p:sld>
+</file>
+
+<file path=ppt/slides/slide33.xml><?xml version="1.0" encoding="utf-8"?>
+<p:sld xmlns:a="http://schemas.openxmlformats.org/drawingml/2006/main" xmlns:r="http://schemas.openxmlformats.org/officeDocument/2006/relationships" xmlns:p="http://schemas.openxmlformats.org/presentationml/2006/main">
+  <p:cSld>
+    <p:spTree>
+      <p:nvGrpSpPr>
+        <p:cNvPr id="1" name=""/>
+        <p:cNvGrpSpPr/>
+        <p:nvPr/>
+      </p:nvGrpSpPr>
+      <p:grpSpPr>
+        <a:xfrm>
+          <a:off x="0" y="0"/>
+          <a:ext cx="0" cy="0"/>
+          <a:chOff x="0" y="0"/>
+          <a:chExt cx="0" cy="0"/>
+        </a:xfrm>
+      </p:grpSpPr>
+      <p:pic>
+        <p:nvPicPr>
+          <p:cNvPr id="10" name="Picture 9"/>
+          <p:cNvPicPr>
+            <a:picLocks noChangeAspect="1"/>
+          </p:cNvPicPr>
+          <p:nvPr/>
+        </p:nvPicPr>
+        <p:blipFill rotWithShape="1">
+          <a:blip r:embed="rId2">
+            <a:extLst>
+              <a:ext uri="{28A0092B-C50C-407E-A947-70E740481C1C}">
+                <a14:useLocalDpi xmlns:a14="http://schemas.microsoft.com/office/drawing/2010/main" val="0"/>
+              </a:ext>
+            </a:extLst>
+          </a:blip>
+          <a:srcRect l="50728" t="56371"/>
+          <a:stretch/>
+        </p:blipFill>
+        <p:spPr>
+          <a:xfrm>
+            <a:off x="8136460" y="2210765"/>
+            <a:ext cx="4055539" cy="4647236"/>
+          </a:xfrm>
+          <a:prstGeom prst="rect">
+            <a:avLst/>
+          </a:prstGeom>
+        </p:spPr>
+      </p:pic>
+      <p:pic>
+        <p:nvPicPr>
+          <p:cNvPr id="4" name="Picture 3"/>
+          <p:cNvPicPr>
+            <a:picLocks noChangeAspect="1"/>
+          </p:cNvPicPr>
+          <p:nvPr/>
+        </p:nvPicPr>
+        <p:blipFill>
+          <a:blip r:embed="rId3">
+            <a:extLst>
+              <a:ext uri="{28A0092B-C50C-407E-A947-70E740481C1C}">
+                <a14:useLocalDpi xmlns:a14="http://schemas.microsoft.com/office/drawing/2010/main" val="0"/>
+              </a:ext>
+            </a:extLst>
+          </a:blip>
+          <a:stretch>
+            <a:fillRect/>
+          </a:stretch>
+        </p:blipFill>
+        <p:spPr>
+          <a:xfrm>
+            <a:off x="-538496" y="-2482770"/>
+            <a:ext cx="10171472" cy="7459883"/>
+          </a:xfrm>
+          <a:prstGeom prst="rect">
+            <a:avLst/>
+          </a:prstGeom>
+        </p:spPr>
+      </p:pic>
+      <p:sp>
+        <p:nvSpPr>
+          <p:cNvPr id="11" name="TextBox 10"/>
+          <p:cNvSpPr txBox="1"/>
+          <p:nvPr/>
+        </p:nvSpPr>
+        <p:spPr>
+          <a:xfrm>
+            <a:off x="324091" y="1687545"/>
+            <a:ext cx="7986531" cy="1384995"/>
+          </a:xfrm>
+          <a:prstGeom prst="rect">
+            <a:avLst/>
+          </a:prstGeom>
+          <a:noFill/>
+        </p:spPr>
+        <p:txBody>
+          <a:bodyPr wrap="square" rtlCol="0">
+            <a:spAutoFit/>
+          </a:bodyPr>
+          <a:lstStyle/>
+          <a:p>
+            <a:r>
+              <a:rPr lang="en-US" sz="2800" b="1" dirty="0">
+                <a:solidFill>
+                  <a:srgbClr val="707070"/>
+                </a:solidFill>
+                <a:latin typeface="Pragmatica" panose="020B0403040502020204" pitchFamily="34" charset="0"/>
+              </a:rPr>
+              <a:t>Event survey: </a:t>
+            </a:r>
+            <a:r>
+              <a:rPr lang="en-US" sz="2800" b="1" dirty="0">
+                <a:solidFill>
+                  <a:srgbClr val="707070"/>
+                </a:solidFill>
+                <a:latin typeface="Pragmatica" panose="020B0403040502020204" pitchFamily="34" charset="0"/>
+                <a:hlinkClick r:id="rId4"/>
+              </a:rPr>
+              <a:t>https://forms.office.com/r/0ZnD0LxpZy</a:t>
+            </a:r>
+            <a:endParaRPr lang="en-US" sz="2800" b="1" dirty="0">
+              <a:solidFill>
+                <a:srgbClr val="707070"/>
+              </a:solidFill>
+              <a:latin typeface="Pragmatica" panose="020B0403040502020204" pitchFamily="34" charset="0"/>
+            </a:endParaRPr>
+          </a:p>
+          <a:p>
+            <a:endParaRPr lang="en-US" sz="2800" b="1" dirty="0">
+              <a:solidFill>
+                <a:srgbClr val="707070"/>
+              </a:solidFill>
+              <a:latin typeface="Pragmatica" panose="020B0403040502020204" pitchFamily="34" charset="0"/>
+            </a:endParaRPr>
+          </a:p>
+        </p:txBody>
+      </p:sp>
+    </p:spTree>
+    <p:extLst>
+      <p:ext uri="{BB962C8B-B14F-4D97-AF65-F5344CB8AC3E}">
+        <p14:creationId xmlns:p14="http://schemas.microsoft.com/office/powerpoint/2010/main" val="154938830"/>
+      </p:ext>
+    </p:extLst>
+  </p:cSld>
+  <p:clrMapOvr>
+    <a:masterClrMapping/>
+  </p:clrMapOvr>
+</p:sld>
+</file>
+
+<file path=ppt/slides/slide34.xml><?xml version="1.0" encoding="utf-8"?>
+<p:sld xmlns:a="http://schemas.openxmlformats.org/drawingml/2006/main" xmlns:r="http://schemas.openxmlformats.org/officeDocument/2006/relationships" xmlns:p="http://schemas.openxmlformats.org/presentationml/2006/main">
+  <p:cSld>
+    <p:spTree>
+      <p:nvGrpSpPr>
+        <p:cNvPr id="1" name=""/>
+        <p:cNvGrpSpPr/>
+        <p:nvPr/>
+      </p:nvGrpSpPr>
+      <p:grpSpPr>
+        <a:xfrm>
+          <a:off x="0" y="0"/>
+          <a:ext cx="0" cy="0"/>
+          <a:chOff x="0" y="0"/>
+          <a:chExt cx="0" cy="0"/>
+        </a:xfrm>
+      </p:grpSpPr>
+      <p:pic>
+        <p:nvPicPr>
+          <p:cNvPr id="10" name="Picture 9"/>
+          <p:cNvPicPr>
+            <a:picLocks noChangeAspect="1"/>
+          </p:cNvPicPr>
+          <p:nvPr/>
+        </p:nvPicPr>
+        <p:blipFill rotWithShape="1">
+          <a:blip r:embed="rId2">
+            <a:extLst>
+              <a:ext uri="{28A0092B-C50C-407E-A947-70E740481C1C}">
+                <a14:useLocalDpi xmlns:a14="http://schemas.microsoft.com/office/drawing/2010/main" val="0"/>
+              </a:ext>
+            </a:extLst>
+          </a:blip>
+          <a:srcRect l="50728" t="56371"/>
+          <a:stretch/>
+        </p:blipFill>
+        <p:spPr>
+          <a:xfrm>
+            <a:off x="8136460" y="2210765"/>
+            <a:ext cx="4055539" cy="4647236"/>
+          </a:xfrm>
+          <a:prstGeom prst="rect">
+            <a:avLst/>
+          </a:prstGeom>
+        </p:spPr>
+      </p:pic>
+      <p:pic>
+        <p:nvPicPr>
+          <p:cNvPr id="4" name="Picture 3"/>
+          <p:cNvPicPr>
+            <a:picLocks noChangeAspect="1"/>
+          </p:cNvPicPr>
+          <p:nvPr/>
+        </p:nvPicPr>
+        <p:blipFill>
+          <a:blip r:embed="rId3">
+            <a:extLst>
+              <a:ext uri="{28A0092B-C50C-407E-A947-70E740481C1C}">
+                <a14:useLocalDpi xmlns:a14="http://schemas.microsoft.com/office/drawing/2010/main" val="0"/>
+              </a:ext>
+            </a:extLst>
+          </a:blip>
+          <a:stretch>
+            <a:fillRect/>
+          </a:stretch>
+        </p:blipFill>
+        <p:spPr>
+          <a:xfrm>
+            <a:off x="-538496" y="-2482770"/>
+            <a:ext cx="10171472" cy="7459883"/>
+          </a:xfrm>
+          <a:prstGeom prst="rect">
+            <a:avLst/>
+          </a:prstGeom>
+        </p:spPr>
+      </p:pic>
+      <p:sp>
+        <p:nvSpPr>
+          <p:cNvPr id="11" name="TextBox 10"/>
+          <p:cNvSpPr txBox="1"/>
+          <p:nvPr/>
+        </p:nvSpPr>
+        <p:spPr>
+          <a:xfrm>
+            <a:off x="324091" y="1687545"/>
             <a:ext cx="7986531" cy="1077218"/>
           </a:xfrm>
           <a:prstGeom prst="rect">
@@ -10461,7 +10784,7 @@
 </p:sld>
 </file>
 
-<file path=ppt/slides/slide33.xml><?xml version="1.0" encoding="utf-8"?>
+<file path=ppt/slides/slide35.xml><?xml version="1.0" encoding="utf-8"?>
 <p:sld xmlns:a="http://schemas.openxmlformats.org/drawingml/2006/main" xmlns:r="http://schemas.openxmlformats.org/officeDocument/2006/relationships" xmlns:p="http://schemas.openxmlformats.org/presentationml/2006/main">
   <p:cSld>
     <p:spTree>
@@ -10718,29 +11041,154 @@
               <a:rPr lang="en-US" sz="6000" dirty="0">
                 <a:latin typeface="Aliens &amp; cows" panose="00000500000000000000" pitchFamily="2" charset="0"/>
               </a:rPr>
-              <a:t>What’s in an </a:t>
-            </a:r>
-            <a:r>
-              <a:rPr lang="en-US" sz="6000" dirty="0" err="1">
-                <a:latin typeface="Aliens &amp; cows" panose="00000500000000000000" pitchFamily="2" charset="0"/>
-              </a:rPr>
-              <a:t>eda</a:t>
-            </a:r>
-            <a:r>
-              <a:rPr lang="en-US" sz="6000" dirty="0">
-                <a:latin typeface="Aliens &amp; cows" panose="00000500000000000000" pitchFamily="2" charset="0"/>
-              </a:rPr>
-              <a:t>? </a:t>
-            </a:r>
-          </a:p>
-        </p:txBody>
-      </p:sp>
-      <p:sp>
-        <p:nvSpPr>
-          <p:cNvPr id="13" name="TextBox 12">
+              <a:t>What’s in a dataset?</a:t>
+            </a:r>
+          </a:p>
+        </p:txBody>
+      </p:sp>
+      <p:pic>
+        <p:nvPicPr>
+          <p:cNvPr id="4" name="Graphic 3" descr="Table with solid fill">
             <a:extLst>
               <a:ext uri="{FF2B5EF4-FFF2-40B4-BE49-F238E27FC236}">
-                <a16:creationId xmlns:a16="http://schemas.microsoft.com/office/drawing/2014/main" id="{028B35C6-31DB-454A-95C1-1F1FC93CAB77}"/>
+                <a16:creationId xmlns:a16="http://schemas.microsoft.com/office/drawing/2014/main" id="{AB43D552-7653-499E-9BFE-19FE992730D1}"/>
+              </a:ext>
+            </a:extLst>
+          </p:cNvPr>
+          <p:cNvPicPr>
+            <a:picLocks noChangeAspect="1"/>
+          </p:cNvPicPr>
+          <p:nvPr/>
+        </p:nvPicPr>
+        <p:blipFill>
+          <a:blip r:embed="rId3">
+            <a:extLst>
+              <a:ext uri="{28A0092B-C50C-407E-A947-70E740481C1C}">
+                <a14:useLocalDpi xmlns:a14="http://schemas.microsoft.com/office/drawing/2010/main" val="0"/>
+              </a:ext>
+              <a:ext uri="{96DAC541-7B7A-43D3-8B79-37D633B846F1}">
+                <asvg:svgBlip xmlns:asvg="http://schemas.microsoft.com/office/drawing/2016/SVG/main" r:embed="rId4"/>
+              </a:ext>
+            </a:extLst>
+          </a:blip>
+          <a:stretch>
+            <a:fillRect/>
+          </a:stretch>
+        </p:blipFill>
+        <p:spPr>
+          <a:xfrm>
+            <a:off x="347240" y="1569360"/>
+            <a:ext cx="5583765" cy="5583765"/>
+          </a:xfrm>
+          <a:prstGeom prst="rect">
+            <a:avLst/>
+          </a:prstGeom>
+        </p:spPr>
+      </p:pic>
+      <p:sp>
+        <p:nvSpPr>
+          <p:cNvPr id="5" name="Right Brace 4">
+            <a:extLst>
+              <a:ext uri="{FF2B5EF4-FFF2-40B4-BE49-F238E27FC236}">
+                <a16:creationId xmlns:a16="http://schemas.microsoft.com/office/drawing/2014/main" id="{897C1E4C-DE27-4CAE-BD0E-2A9BA77F1508}"/>
+              </a:ext>
+            </a:extLst>
+          </p:cNvPr>
+          <p:cNvSpPr/>
+          <p:nvPr/>
+        </p:nvSpPr>
+        <p:spPr>
+          <a:xfrm>
+            <a:off x="5899739" y="2716437"/>
+            <a:ext cx="336024" cy="3289612"/>
+          </a:xfrm>
+          <a:prstGeom prst="rightBrace">
+            <a:avLst/>
+          </a:prstGeom>
+          <a:ln w="57150">
+            <a:solidFill>
+              <a:srgbClr val="707070"/>
+            </a:solidFill>
+          </a:ln>
+        </p:spPr>
+        <p:style>
+          <a:lnRef idx="1">
+            <a:schemeClr val="accent1"/>
+          </a:lnRef>
+          <a:fillRef idx="0">
+            <a:schemeClr val="accent1"/>
+          </a:fillRef>
+          <a:effectRef idx="0">
+            <a:schemeClr val="accent1"/>
+          </a:effectRef>
+          <a:fontRef idx="minor">
+            <a:schemeClr val="tx1"/>
+          </a:fontRef>
+        </p:style>
+        <p:txBody>
+          <a:bodyPr rtlCol="0" anchor="ctr"/>
+          <a:lstStyle/>
+          <a:p>
+            <a:pPr algn="ctr"/>
+            <a:endParaRPr lang="en-US"/>
+          </a:p>
+        </p:txBody>
+      </p:sp>
+      <p:sp>
+        <p:nvSpPr>
+          <p:cNvPr id="8" name="Right Brace 7">
+            <a:extLst>
+              <a:ext uri="{FF2B5EF4-FFF2-40B4-BE49-F238E27FC236}">
+                <a16:creationId xmlns:a16="http://schemas.microsoft.com/office/drawing/2014/main" id="{2CBF31FC-5E44-437F-A2EF-BCDE1480F385}"/>
+              </a:ext>
+            </a:extLst>
+          </p:cNvPr>
+          <p:cNvSpPr/>
+          <p:nvPr/>
+        </p:nvSpPr>
+        <p:spPr>
+          <a:xfrm rot="16200000">
+            <a:off x="2960276" y="96643"/>
+            <a:ext cx="392523" cy="4705818"/>
+          </a:xfrm>
+          <a:prstGeom prst="rightBrace">
+            <a:avLst/>
+          </a:prstGeom>
+          <a:ln w="57150">
+            <a:solidFill>
+              <a:srgbClr val="707070"/>
+            </a:solidFill>
+          </a:ln>
+        </p:spPr>
+        <p:style>
+          <a:lnRef idx="1">
+            <a:schemeClr val="accent1"/>
+          </a:lnRef>
+          <a:fillRef idx="0">
+            <a:schemeClr val="accent1"/>
+          </a:fillRef>
+          <a:effectRef idx="0">
+            <a:schemeClr val="accent1"/>
+          </a:effectRef>
+          <a:fontRef idx="minor">
+            <a:schemeClr val="tx1"/>
+          </a:fontRef>
+        </p:style>
+        <p:txBody>
+          <a:bodyPr rtlCol="0" anchor="ctr"/>
+          <a:lstStyle/>
+          <a:p>
+            <a:pPr algn="ctr"/>
+            <a:endParaRPr lang="en-US"/>
+          </a:p>
+        </p:txBody>
+      </p:sp>
+      <p:sp>
+        <p:nvSpPr>
+          <p:cNvPr id="9" name="TextBox 8">
+            <a:extLst>
+              <a:ext uri="{FF2B5EF4-FFF2-40B4-BE49-F238E27FC236}">
+                <a16:creationId xmlns:a16="http://schemas.microsoft.com/office/drawing/2014/main" id="{032F37C5-AD9F-42CF-A83A-C4BD7EFBC533}"/>
               </a:ext>
             </a:extLst>
           </p:cNvPr>
@@ -10749,8 +11197,8 @@
         </p:nvSpPr>
         <p:spPr>
           <a:xfrm>
-            <a:off x="462987" y="1365813"/>
-            <a:ext cx="9595413" cy="3970318"/>
+            <a:off x="1524292" y="1442139"/>
+            <a:ext cx="9595413" cy="523220"/>
           </a:xfrm>
           <a:prstGeom prst="rect">
             <a:avLst/>
@@ -10770,22 +11218,39 @@
                 </a:solidFill>
                 <a:latin typeface="Pragmatica" panose="020B0403040502020204" pitchFamily="34" charset="0"/>
               </a:rPr>
-              <a:t>Interview the data:</a:t>
-            </a:r>
-          </a:p>
-          <a:p>
-            <a:endParaRPr lang="en-US" sz="2800" dirty="0">
-              <a:solidFill>
-                <a:srgbClr val="707070"/>
-              </a:solidFill>
-              <a:latin typeface="Pragmatica" panose="020B0403040502020204" pitchFamily="34" charset="0"/>
-            </a:endParaRPr>
-          </a:p>
-          <a:p>
-            <a:pPr marL="457200" indent="-457200">
-              <a:buFont typeface="Arial" panose="020B0604020202020204" pitchFamily="34" charset="0"/>
-              <a:buChar char="•"/>
-            </a:pPr>
+              <a:t>Variables… vary</a:t>
+            </a:r>
+          </a:p>
+        </p:txBody>
+      </p:sp>
+      <p:sp>
+        <p:nvSpPr>
+          <p:cNvPr id="12" name="TextBox 11">
+            <a:extLst>
+              <a:ext uri="{FF2B5EF4-FFF2-40B4-BE49-F238E27FC236}">
+                <a16:creationId xmlns:a16="http://schemas.microsoft.com/office/drawing/2014/main" id="{074ACF14-B3D8-4006-89E6-9321513F0F24}"/>
+              </a:ext>
+            </a:extLst>
+          </p:cNvPr>
+          <p:cNvSpPr txBox="1"/>
+          <p:nvPr/>
+        </p:nvSpPr>
+        <p:spPr>
+          <a:xfrm>
+            <a:off x="6440495" y="3269980"/>
+            <a:ext cx="3432954" cy="954107"/>
+          </a:xfrm>
+          <a:prstGeom prst="rect">
+            <a:avLst/>
+          </a:prstGeom>
+          <a:noFill/>
+        </p:spPr>
+        <p:txBody>
+          <a:bodyPr wrap="square" rtlCol="0">
+            <a:spAutoFit/>
+          </a:bodyPr>
+          <a:lstStyle/>
+          <a:p>
             <a:r>
               <a:rPr lang="en-US" sz="2800" dirty="0">
                 <a:solidFill>
@@ -10793,76 +11258,15 @@
                 </a:solidFill>
                 <a:latin typeface="Pragmatica" panose="020B0403040502020204" pitchFamily="34" charset="0"/>
               </a:rPr>
-              <a:t>What sorts of stories are possible? </a:t>
-            </a:r>
-          </a:p>
-          <a:p>
-            <a:pPr marL="457200" indent="-457200">
-              <a:buFont typeface="Arial" panose="020B0604020202020204" pitchFamily="34" charset="0"/>
-              <a:buChar char="•"/>
-            </a:pPr>
-            <a:r>
-              <a:rPr lang="en-US" sz="2800" dirty="0">
-                <a:solidFill>
-                  <a:srgbClr val="707070"/>
-                </a:solidFill>
-                <a:latin typeface="Pragmatica" panose="020B0403040502020204" pitchFamily="34" charset="0"/>
-              </a:rPr>
-              <a:t>What types of variables are there? </a:t>
-            </a:r>
-          </a:p>
-          <a:p>
-            <a:pPr marL="457200" indent="-457200">
-              <a:buFont typeface="Arial" panose="020B0604020202020204" pitchFamily="34" charset="0"/>
-              <a:buChar char="•"/>
-            </a:pPr>
-            <a:r>
-              <a:rPr lang="en-US" sz="2800" dirty="0">
-                <a:solidFill>
-                  <a:srgbClr val="707070"/>
-                </a:solidFill>
-                <a:latin typeface="Pragmatica" panose="020B0403040502020204" pitchFamily="34" charset="0"/>
-              </a:rPr>
-              <a:t>How can we “summarize” them (frequencies, descriptive statistics, etc.)? </a:t>
-            </a:r>
-          </a:p>
-          <a:p>
-            <a:pPr marL="457200" indent="-457200">
-              <a:buFont typeface="Arial" panose="020B0604020202020204" pitchFamily="34" charset="0"/>
-              <a:buChar char="•"/>
-            </a:pPr>
-            <a:r>
-              <a:rPr lang="en-US" sz="2800" dirty="0">
-                <a:solidFill>
-                  <a:srgbClr val="707070"/>
-                </a:solidFill>
-                <a:latin typeface="Pragmatica" panose="020B0403040502020204" pitchFamily="34" charset="0"/>
-              </a:rPr>
-              <a:t>How can we depict them visually? </a:t>
-            </a:r>
-          </a:p>
-          <a:p>
-            <a:endParaRPr lang="en-US" sz="2800" dirty="0">
-              <a:solidFill>
-                <a:srgbClr val="707070"/>
-              </a:solidFill>
-              <a:latin typeface="Pragmatica" panose="020B0403040502020204" pitchFamily="34" charset="0"/>
-            </a:endParaRPr>
-          </a:p>
-          <a:p>
-            <a:endParaRPr lang="en-US" sz="2800" dirty="0">
-              <a:solidFill>
-                <a:srgbClr val="707070"/>
-              </a:solidFill>
-              <a:latin typeface="Pragmatica" panose="020B0403040502020204" pitchFamily="34" charset="0"/>
-            </a:endParaRPr>
+              <a:t>Observations… are observed</a:t>
+            </a:r>
           </a:p>
         </p:txBody>
       </p:sp>
     </p:spTree>
     <p:extLst>
       <p:ext uri="{BB962C8B-B14F-4D97-AF65-F5344CB8AC3E}">
-        <p14:creationId xmlns:p14="http://schemas.microsoft.com/office/powerpoint/2010/main" val="2480351462"/>
+        <p14:creationId xmlns:p14="http://schemas.microsoft.com/office/powerpoint/2010/main" val="904060236"/>
       </p:ext>
     </p:extLst>
   </p:cSld>
@@ -10898,7 +11302,7 @@
           <p:nvPr/>
         </p:nvPicPr>
         <p:blipFill rotWithShape="1">
-          <a:blip r:embed="rId3">
+          <a:blip r:embed="rId2">
             <a:extLst>
               <a:ext uri="{28A0092B-C50C-407E-A947-70E740481C1C}">
                 <a14:useLocalDpi xmlns:a14="http://schemas.microsoft.com/office/drawing/2010/main" val="0"/>
@@ -10944,17 +11348,29 @@
               <a:rPr lang="en-US" sz="6000" dirty="0">
                 <a:latin typeface="Aliens &amp; cows" panose="00000500000000000000" pitchFamily="2" charset="0"/>
               </a:rPr>
-              <a:t>The tree of data</a:t>
-            </a:r>
-          </a:p>
-        </p:txBody>
-      </p:sp>
-      <p:sp>
-        <p:nvSpPr>
-          <p:cNvPr id="7" name="TextBox 6">
+              <a:t>What’s in an </a:t>
+            </a:r>
+            <a:r>
+              <a:rPr lang="en-US" sz="6000" dirty="0" err="1">
+                <a:latin typeface="Aliens &amp; cows" panose="00000500000000000000" pitchFamily="2" charset="0"/>
+              </a:rPr>
+              <a:t>eda</a:t>
+            </a:r>
+            <a:r>
+              <a:rPr lang="en-US" sz="6000" dirty="0">
+                <a:latin typeface="Aliens &amp; cows" panose="00000500000000000000" pitchFamily="2" charset="0"/>
+              </a:rPr>
+              <a:t>? </a:t>
+            </a:r>
+          </a:p>
+        </p:txBody>
+      </p:sp>
+      <p:sp>
+        <p:nvSpPr>
+          <p:cNvPr id="13" name="TextBox 12">
             <a:extLst>
               <a:ext uri="{FF2B5EF4-FFF2-40B4-BE49-F238E27FC236}">
-                <a16:creationId xmlns:a16="http://schemas.microsoft.com/office/drawing/2014/main" id="{CFAB272F-EC83-45BA-935F-DFBF5407D2B6}"/>
+                <a16:creationId xmlns:a16="http://schemas.microsoft.com/office/drawing/2014/main" id="{028B35C6-31DB-454A-95C1-1F1FC93CAB77}"/>
               </a:ext>
             </a:extLst>
           </p:cNvPr>
@@ -10963,8 +11379,8 @@
         </p:nvSpPr>
         <p:spPr>
           <a:xfrm>
-            <a:off x="261704" y="6114327"/>
-            <a:ext cx="9493446" cy="369332"/>
+            <a:off x="462987" y="1365813"/>
+            <a:ext cx="9595413" cy="3970318"/>
           </a:xfrm>
           <a:prstGeom prst="rect">
             <a:avLst/>
@@ -10978,89 +11394,105 @@
           <a:lstStyle/>
           <a:p>
             <a:r>
-              <a:rPr lang="en-US" dirty="0">
-                <a:solidFill>
-                  <a:schemeClr val="bg1">
-                    <a:lumMod val="50000"/>
-                  </a:schemeClr>
-                </a:solidFill>
-                <a:latin typeface="Pragmatica" pitchFamily="2" charset="0"/>
-              </a:rPr>
-              <a:t>Mount, George. </a:t>
-            </a:r>
-            <a:r>
-              <a:rPr lang="en-US" i="1" dirty="0">
-                <a:solidFill>
-                  <a:schemeClr val="bg1">
-                    <a:lumMod val="50000"/>
-                  </a:schemeClr>
-                </a:solidFill>
-                <a:latin typeface="Pragmatica" pitchFamily="2" charset="0"/>
-              </a:rPr>
-              <a:t>Advancing into Analytics: From Excel to Python and R</a:t>
-            </a:r>
-            <a:r>
-              <a:rPr lang="en-US" dirty="0">
-                <a:solidFill>
-                  <a:schemeClr val="bg1">
-                    <a:lumMod val="50000"/>
-                  </a:schemeClr>
-                </a:solidFill>
-                <a:latin typeface="Pragmatica" pitchFamily="2" charset="0"/>
-              </a:rPr>
-              <a:t>. O’Reilly Media, 2021</a:t>
-            </a:r>
-            <a:endParaRPr lang="en-US" i="1" dirty="0">
+              <a:rPr lang="en-US" sz="2800" dirty="0">
+                <a:solidFill>
+                  <a:srgbClr val="707070"/>
+                </a:solidFill>
+                <a:latin typeface="Pragmatica" panose="020B0403040502020204" pitchFamily="34" charset="0"/>
+              </a:rPr>
+              <a:t>Interview the data:</a:t>
+            </a:r>
+          </a:p>
+          <a:p>
+            <a:endParaRPr lang="en-US" sz="2800" dirty="0">
               <a:solidFill>
-                <a:schemeClr val="bg1">
-                  <a:lumMod val="50000"/>
-                </a:schemeClr>
+                <a:srgbClr val="707070"/>
               </a:solidFill>
-              <a:latin typeface="Pragmatica" pitchFamily="2" charset="0"/>
+              <a:latin typeface="Pragmatica" panose="020B0403040502020204" pitchFamily="34" charset="0"/>
             </a:endParaRPr>
           </a:p>
-        </p:txBody>
-      </p:sp>
-      <p:pic>
-        <p:nvPicPr>
-          <p:cNvPr id="3" name="Picture 2" descr="Diagram&#10;&#10;Description automatically generated">
-            <a:extLst>
-              <a:ext uri="{FF2B5EF4-FFF2-40B4-BE49-F238E27FC236}">
-                <a16:creationId xmlns:a16="http://schemas.microsoft.com/office/drawing/2014/main" id="{F62938BD-1388-4B93-BCA8-422F8A964B88}"/>
-              </a:ext>
-            </a:extLst>
-          </p:cNvPr>
-          <p:cNvPicPr>
-            <a:picLocks noChangeAspect="1"/>
-          </p:cNvPicPr>
-          <p:nvPr/>
-        </p:nvPicPr>
-        <p:blipFill>
-          <a:blip r:embed="rId4">
-            <a:extLst>
-              <a:ext uri="{28A0092B-C50C-407E-A947-70E740481C1C}">
-                <a14:useLocalDpi xmlns:a14="http://schemas.microsoft.com/office/drawing/2010/main" val="0"/>
-              </a:ext>
-            </a:extLst>
-          </a:blip>
-          <a:stretch>
-            <a:fillRect/>
-          </a:stretch>
-        </p:blipFill>
-        <p:spPr>
-          <a:xfrm>
-            <a:off x="917257" y="1529723"/>
-            <a:ext cx="10500602" cy="3798554"/>
-          </a:xfrm>
-          <a:prstGeom prst="rect">
-            <a:avLst/>
-          </a:prstGeom>
-        </p:spPr>
-      </p:pic>
+          <a:p>
+            <a:pPr marL="457200" indent="-457200">
+              <a:buFont typeface="Arial" panose="020B0604020202020204" pitchFamily="34" charset="0"/>
+              <a:buChar char="•"/>
+            </a:pPr>
+            <a:r>
+              <a:rPr lang="en-US" sz="2800" dirty="0">
+                <a:solidFill>
+                  <a:srgbClr val="707070"/>
+                </a:solidFill>
+                <a:latin typeface="Pragmatica" panose="020B0403040502020204" pitchFamily="34" charset="0"/>
+              </a:rPr>
+              <a:t>What sorts of stories are possible? </a:t>
+            </a:r>
+          </a:p>
+          <a:p>
+            <a:pPr marL="457200" indent="-457200">
+              <a:buFont typeface="Arial" panose="020B0604020202020204" pitchFamily="34" charset="0"/>
+              <a:buChar char="•"/>
+            </a:pPr>
+            <a:r>
+              <a:rPr lang="en-US" sz="2800" dirty="0">
+                <a:solidFill>
+                  <a:srgbClr val="707070"/>
+                </a:solidFill>
+                <a:latin typeface="Pragmatica" panose="020B0403040502020204" pitchFamily="34" charset="0"/>
+              </a:rPr>
+              <a:t>What types of variables are there? </a:t>
+            </a:r>
+          </a:p>
+          <a:p>
+            <a:pPr marL="457200" indent="-457200">
+              <a:buFont typeface="Arial" panose="020B0604020202020204" pitchFamily="34" charset="0"/>
+              <a:buChar char="•"/>
+            </a:pPr>
+            <a:r>
+              <a:rPr lang="en-US" sz="2800" dirty="0">
+                <a:solidFill>
+                  <a:srgbClr val="707070"/>
+                </a:solidFill>
+                <a:latin typeface="Pragmatica" panose="020B0403040502020204" pitchFamily="34" charset="0"/>
+              </a:rPr>
+              <a:t>How can we “summarize” them (frequencies, descriptive statistics, etc.)? </a:t>
+            </a:r>
+          </a:p>
+          <a:p>
+            <a:pPr marL="457200" indent="-457200">
+              <a:buFont typeface="Arial" panose="020B0604020202020204" pitchFamily="34" charset="0"/>
+              <a:buChar char="•"/>
+            </a:pPr>
+            <a:r>
+              <a:rPr lang="en-US" sz="2800" dirty="0">
+                <a:solidFill>
+                  <a:srgbClr val="707070"/>
+                </a:solidFill>
+                <a:latin typeface="Pragmatica" panose="020B0403040502020204" pitchFamily="34" charset="0"/>
+              </a:rPr>
+              <a:t>How can we depict them visually? </a:t>
+            </a:r>
+          </a:p>
+          <a:p>
+            <a:endParaRPr lang="en-US" sz="2800" dirty="0">
+              <a:solidFill>
+                <a:srgbClr val="707070"/>
+              </a:solidFill>
+              <a:latin typeface="Pragmatica" panose="020B0403040502020204" pitchFamily="34" charset="0"/>
+            </a:endParaRPr>
+          </a:p>
+          <a:p>
+            <a:endParaRPr lang="en-US" sz="2800" dirty="0">
+              <a:solidFill>
+                <a:srgbClr val="707070"/>
+              </a:solidFill>
+              <a:latin typeface="Pragmatica" panose="020B0403040502020204" pitchFamily="34" charset="0"/>
+            </a:endParaRPr>
+          </a:p>
+        </p:txBody>
+      </p:sp>
     </p:spTree>
     <p:extLst>
       <p:ext uri="{BB962C8B-B14F-4D97-AF65-F5344CB8AC3E}">
-        <p14:creationId xmlns:p14="http://schemas.microsoft.com/office/powerpoint/2010/main" val="3729633991"/>
+        <p14:creationId xmlns:p14="http://schemas.microsoft.com/office/powerpoint/2010/main" val="2480351462"/>
       </p:ext>
     </p:extLst>
   </p:cSld>
@@ -11142,7 +11574,7 @@
               <a:rPr lang="en-US" sz="6000" dirty="0">
                 <a:latin typeface="Aliens &amp; cows" panose="00000500000000000000" pitchFamily="2" charset="0"/>
               </a:rPr>
-              <a:t>“How much?”</a:t>
+              <a:t>The tree of data</a:t>
             </a:r>
           </a:p>
         </p:txBody>
@@ -11161,8 +11593,8 @@
         </p:nvSpPr>
         <p:spPr>
           <a:xfrm>
-            <a:off x="1825343" y="5087081"/>
-            <a:ext cx="3007834" cy="646331"/>
+            <a:off x="261704" y="6114327"/>
+            <a:ext cx="9493446" cy="369332"/>
           </a:xfrm>
           <a:prstGeom prst="rect">
             <a:avLst/>
@@ -11175,7 +11607,6 @@
           </a:bodyPr>
           <a:lstStyle/>
           <a:p>
-            <a:pPr algn="ctr"/>
             <a:r>
               <a:rPr lang="en-US" dirty="0">
                 <a:solidFill>
@@ -11185,13 +11616,10 @@
                 </a:solidFill>
                 <a:latin typeface="Pragmatica" pitchFamily="2" charset="0"/>
               </a:rPr>
-              <a:t>Made purchase?</a:t>
-            </a:r>
-          </a:p>
-          <a:p>
-            <a:pPr algn="ctr"/>
-            <a:r>
-              <a:rPr lang="en-US" dirty="0">
+              <a:t>Mount, George. </a:t>
+            </a:r>
+            <a:r>
+              <a:rPr lang="en-US" i="1" dirty="0">
                 <a:solidFill>
                   <a:schemeClr val="bg1">
                     <a:lumMod val="50000"/>
@@ -11199,8 +11627,27 @@
                 </a:solidFill>
                 <a:latin typeface="Pragmatica" pitchFamily="2" charset="0"/>
               </a:rPr>
-              <a:t>Yes or No</a:t>
-            </a:r>
+              <a:t>Advancing into Analytics: From Excel to Python and R</a:t>
+            </a:r>
+            <a:r>
+              <a:rPr lang="en-US" dirty="0">
+                <a:solidFill>
+                  <a:schemeClr val="bg1">
+                    <a:lumMod val="50000"/>
+                  </a:schemeClr>
+                </a:solidFill>
+                <a:latin typeface="Pragmatica" pitchFamily="2" charset="0"/>
+              </a:rPr>
+              <a:t>. O’Reilly Media, 2021</a:t>
+            </a:r>
+            <a:endParaRPr lang="en-US" i="1" dirty="0">
+              <a:solidFill>
+                <a:schemeClr val="bg1">
+                  <a:lumMod val="50000"/>
+                </a:schemeClr>
+              </a:solidFill>
+              <a:latin typeface="Pragmatica" pitchFamily="2" charset="0"/>
+            </a:endParaRPr>
           </a:p>
         </p:txBody>
       </p:sp>
@@ -11218,7 +11665,7 @@
           </p:cNvPicPr>
           <p:nvPr/>
         </p:nvPicPr>
-        <p:blipFill rotWithShape="1">
+        <p:blipFill>
           <a:blip r:embed="rId4">
             <a:extLst>
               <a:ext uri="{28A0092B-C50C-407E-A947-70E740481C1C}">
@@ -11226,137 +11673,24 @@
               </a:ext>
             </a:extLst>
           </a:blip>
-          <a:srcRect l="1" t="34294" r="41194" b="-286"/>
-          <a:stretch/>
+          <a:stretch>
+            <a:fillRect/>
+          </a:stretch>
         </p:blipFill>
         <p:spPr>
           <a:xfrm>
-            <a:off x="1898703" y="1663762"/>
-            <a:ext cx="8317465" cy="3376589"/>
+            <a:off x="917257" y="1529723"/>
+            <a:ext cx="10500602" cy="3798554"/>
           </a:xfrm>
           <a:prstGeom prst="rect">
             <a:avLst/>
           </a:prstGeom>
         </p:spPr>
       </p:pic>
-      <p:sp>
-        <p:nvSpPr>
-          <p:cNvPr id="6" name="TextBox 5">
-            <a:extLst>
-              <a:ext uri="{FF2B5EF4-FFF2-40B4-BE49-F238E27FC236}">
-                <a16:creationId xmlns:a16="http://schemas.microsoft.com/office/drawing/2014/main" id="{FF2AD4A0-B85F-435F-AB79-FAF5FF4B4289}"/>
-              </a:ext>
-            </a:extLst>
-          </p:cNvPr>
-          <p:cNvSpPr txBox="1"/>
-          <p:nvPr/>
-        </p:nvSpPr>
-        <p:spPr>
-          <a:xfrm>
-            <a:off x="4553518" y="5087081"/>
-            <a:ext cx="3007834" cy="646331"/>
-          </a:xfrm>
-          <a:prstGeom prst="rect">
-            <a:avLst/>
-          </a:prstGeom>
-          <a:noFill/>
-        </p:spPr>
-        <p:txBody>
-          <a:bodyPr wrap="square" rtlCol="0">
-            <a:spAutoFit/>
-          </a:bodyPr>
-          <a:lstStyle/>
-          <a:p>
-            <a:pPr algn="ctr"/>
-            <a:r>
-              <a:rPr lang="en-US" dirty="0">
-                <a:solidFill>
-                  <a:schemeClr val="bg1">
-                    <a:lumMod val="50000"/>
-                  </a:schemeClr>
-                </a:solidFill>
-                <a:latin typeface="Pragmatica" pitchFamily="2" charset="0"/>
-              </a:rPr>
-              <a:t>ZIP code</a:t>
-            </a:r>
-          </a:p>
-          <a:p>
-            <a:pPr algn="ctr"/>
-            <a:r>
-              <a:rPr lang="en-US" dirty="0">
-                <a:solidFill>
-                  <a:schemeClr val="bg1">
-                    <a:lumMod val="50000"/>
-                  </a:schemeClr>
-                </a:solidFill>
-                <a:latin typeface="Pragmatica" pitchFamily="2" charset="0"/>
-              </a:rPr>
-              <a:t>44134, 90210, etc.</a:t>
-            </a:r>
-          </a:p>
-        </p:txBody>
-      </p:sp>
-      <p:sp>
-        <p:nvSpPr>
-          <p:cNvPr id="8" name="TextBox 7">
-            <a:extLst>
-              <a:ext uri="{FF2B5EF4-FFF2-40B4-BE49-F238E27FC236}">
-                <a16:creationId xmlns:a16="http://schemas.microsoft.com/office/drawing/2014/main" id="{282C95F5-CB22-462D-A245-8DC18D7937C4}"/>
-              </a:ext>
-            </a:extLst>
-          </p:cNvPr>
-          <p:cNvSpPr txBox="1"/>
-          <p:nvPr/>
-        </p:nvSpPr>
-        <p:spPr>
-          <a:xfrm>
-            <a:off x="7281693" y="5087082"/>
-            <a:ext cx="3007834" cy="923330"/>
-          </a:xfrm>
-          <a:prstGeom prst="rect">
-            <a:avLst/>
-          </a:prstGeom>
-          <a:noFill/>
-        </p:spPr>
-        <p:txBody>
-          <a:bodyPr wrap="square" rtlCol="0">
-            <a:spAutoFit/>
-          </a:bodyPr>
-          <a:lstStyle/>
-          <a:p>
-            <a:pPr algn="ctr"/>
-            <a:r>
-              <a:rPr lang="en-US" dirty="0">
-                <a:solidFill>
-                  <a:schemeClr val="bg1">
-                    <a:lumMod val="50000"/>
-                  </a:schemeClr>
-                </a:solidFill>
-                <a:latin typeface="Pragmatica" pitchFamily="2" charset="0"/>
-              </a:rPr>
-              <a:t>Beverage size:</a:t>
-            </a:r>
-          </a:p>
-          <a:p>
-            <a:pPr algn="ctr"/>
-            <a:r>
-              <a:rPr lang="en-US" dirty="0">
-                <a:solidFill>
-                  <a:schemeClr val="bg1">
-                    <a:lumMod val="50000"/>
-                  </a:schemeClr>
-                </a:solidFill>
-                <a:latin typeface="Pragmatica" pitchFamily="2" charset="0"/>
-              </a:rPr>
-              <a:t>Small, medium, large… extra large?</a:t>
-            </a:r>
-          </a:p>
-        </p:txBody>
-      </p:sp>
     </p:spTree>
     <p:extLst>
       <p:ext uri="{BB962C8B-B14F-4D97-AF65-F5344CB8AC3E}">
-        <p14:creationId xmlns:p14="http://schemas.microsoft.com/office/powerpoint/2010/main" val="3497312275"/>
+        <p14:creationId xmlns:p14="http://schemas.microsoft.com/office/powerpoint/2010/main" val="3729633991"/>
       </p:ext>
     </p:extLst>
   </p:cSld>
@@ -11438,7 +11772,7 @@
               <a:rPr lang="en-US" sz="6000" dirty="0">
                 <a:latin typeface="Aliens &amp; cows" panose="00000500000000000000" pitchFamily="2" charset="0"/>
               </a:rPr>
-              <a:t>“How much/how many?”</a:t>
+              <a:t>“How much?”</a:t>
             </a:r>
           </a:p>
         </p:txBody>
@@ -11457,8 +11791,8 @@
         </p:nvSpPr>
         <p:spPr>
           <a:xfrm>
-            <a:off x="988764" y="5565128"/>
-            <a:ext cx="2735744" cy="646331"/>
+            <a:off x="1825343" y="5087081"/>
+            <a:ext cx="3007834" cy="646331"/>
           </a:xfrm>
           <a:prstGeom prst="rect">
             <a:avLst/>
@@ -11481,7 +11815,7 @@
                 </a:solidFill>
                 <a:latin typeface="Pragmatica" pitchFamily="2" charset="0"/>
               </a:rPr>
-              <a:t>pH level</a:t>
+              <a:t>Made purchase?</a:t>
             </a:r>
           </a:p>
           <a:p>
@@ -11495,7 +11829,7 @@
                 </a:solidFill>
                 <a:latin typeface="Pragmatica" pitchFamily="2" charset="0"/>
               </a:rPr>
-              <a:t>Height</a:t>
+              <a:t>Yes or No</a:t>
             </a:r>
           </a:p>
         </p:txBody>
@@ -11522,13 +11856,13 @@
               </a:ext>
             </a:extLst>
           </a:blip>
-          <a:srcRect l="59613" t="33590"/>
+          <a:srcRect l="1" t="34294" r="41194" b="-286"/>
           <a:stretch/>
         </p:blipFill>
         <p:spPr>
           <a:xfrm>
-            <a:off x="789058" y="1993836"/>
-            <a:ext cx="5796555" cy="3447958"/>
+            <a:off x="1898703" y="1663762"/>
+            <a:ext cx="8317465" cy="3376589"/>
           </a:xfrm>
           <a:prstGeom prst="rect">
             <a:avLst/>
@@ -11540,7 +11874,7 @@
           <p:cNvPr id="6" name="TextBox 5">
             <a:extLst>
               <a:ext uri="{FF2B5EF4-FFF2-40B4-BE49-F238E27FC236}">
-                <a16:creationId xmlns:a16="http://schemas.microsoft.com/office/drawing/2014/main" id="{A1523D18-648F-4B40-AA33-5172A4806A34}"/>
+                <a16:creationId xmlns:a16="http://schemas.microsoft.com/office/drawing/2014/main" id="{FF2AD4A0-B85F-435F-AB79-FAF5FF4B4289}"/>
               </a:ext>
             </a:extLst>
           </p:cNvPr>
@@ -11549,8 +11883,8 @@
         </p:nvSpPr>
         <p:spPr>
           <a:xfrm>
-            <a:off x="3687336" y="5565128"/>
-            <a:ext cx="2735744" cy="646331"/>
+            <a:off x="4553518" y="5087081"/>
+            <a:ext cx="3007834" cy="646331"/>
           </a:xfrm>
           <a:prstGeom prst="rect">
             <a:avLst/>
@@ -11573,7 +11907,7 @@
                 </a:solidFill>
                 <a:latin typeface="Pragmatica" pitchFamily="2" charset="0"/>
               </a:rPr>
-              <a:t>Number of children</a:t>
+              <a:t>ZIP code</a:t>
             </a:r>
           </a:p>
           <a:p>
@@ -11587,47 +11921,17 @@
                 </a:solidFill>
                 <a:latin typeface="Pragmatica" pitchFamily="2" charset="0"/>
               </a:rPr>
-              <a:t>Units sold</a:t>
-            </a:r>
-          </a:p>
-        </p:txBody>
-      </p:sp>
-      <p:pic>
-        <p:nvPicPr>
-          <p:cNvPr id="4" name="Picture 3">
+              <a:t>44134, 90210, etc.</a:t>
+            </a:r>
+          </a:p>
+        </p:txBody>
+      </p:sp>
+      <p:sp>
+        <p:nvSpPr>
+          <p:cNvPr id="8" name="TextBox 7">
             <a:extLst>
               <a:ext uri="{FF2B5EF4-FFF2-40B4-BE49-F238E27FC236}">
-                <a16:creationId xmlns:a16="http://schemas.microsoft.com/office/drawing/2014/main" id="{0F1AF5A1-0495-4203-A634-7FECA4F99F42}"/>
-              </a:ext>
-            </a:extLst>
-          </p:cNvPr>
-          <p:cNvPicPr>
-            <a:picLocks noChangeAspect="1"/>
-          </p:cNvPicPr>
-          <p:nvPr/>
-        </p:nvPicPr>
-        <p:blipFill>
-          <a:blip r:embed="rId5"/>
-          <a:stretch>
-            <a:fillRect/>
-          </a:stretch>
-        </p:blipFill>
-        <p:spPr>
-          <a:xfrm>
-            <a:off x="7090580" y="1192792"/>
-            <a:ext cx="4247585" cy="1809116"/>
-          </a:xfrm>
-          <a:prstGeom prst="rect">
-            <a:avLst/>
-          </a:prstGeom>
-        </p:spPr>
-      </p:pic>
-      <p:sp>
-        <p:nvSpPr>
-          <p:cNvPr id="9" name="TextBox 8">
-            <a:extLst>
-              <a:ext uri="{FF2B5EF4-FFF2-40B4-BE49-F238E27FC236}">
-                <a16:creationId xmlns:a16="http://schemas.microsoft.com/office/drawing/2014/main" id="{87C23650-181D-4E62-B809-2C04738D8BA2}"/>
+                <a16:creationId xmlns:a16="http://schemas.microsoft.com/office/drawing/2014/main" id="{282C95F5-CB22-462D-A245-8DC18D7937C4}"/>
               </a:ext>
             </a:extLst>
           </p:cNvPr>
@@ -11636,8 +11940,8 @@
         </p:nvSpPr>
         <p:spPr>
           <a:xfrm>
-            <a:off x="8558932" y="2554622"/>
-            <a:ext cx="2735744" cy="769441"/>
+            <a:off x="7281693" y="5087082"/>
+            <a:ext cx="3007834" cy="923330"/>
           </a:xfrm>
           <a:prstGeom prst="rect">
             <a:avLst/>
@@ -11652,7 +11956,7 @@
           <a:p>
             <a:pPr algn="ctr"/>
             <a:r>
-              <a:rPr lang="en-US" sz="4400" dirty="0">
+              <a:rPr lang="en-US" dirty="0">
                 <a:solidFill>
                   <a:schemeClr val="bg1">
                     <a:lumMod val="50000"/>
@@ -11660,23 +11964,29 @@
                 </a:solidFill>
                 <a:latin typeface="Pragmatica" pitchFamily="2" charset="0"/>
               </a:rPr>
-              <a:t>🤔</a:t>
-            </a:r>
-            <a:endParaRPr lang="en-US" dirty="0">
-              <a:solidFill>
-                <a:schemeClr val="bg1">
-                  <a:lumMod val="50000"/>
-                </a:schemeClr>
-              </a:solidFill>
-              <a:latin typeface="Pragmatica" pitchFamily="2" charset="0"/>
-            </a:endParaRPr>
+              <a:t>Beverage size:</a:t>
+            </a:r>
+          </a:p>
+          <a:p>
+            <a:pPr algn="ctr"/>
+            <a:r>
+              <a:rPr lang="en-US" dirty="0">
+                <a:solidFill>
+                  <a:schemeClr val="bg1">
+                    <a:lumMod val="50000"/>
+                  </a:schemeClr>
+                </a:solidFill>
+                <a:latin typeface="Pragmatica" pitchFamily="2" charset="0"/>
+              </a:rPr>
+              <a:t>Small, medium, large… extra large?</a:t>
+            </a:r>
           </a:p>
         </p:txBody>
       </p:sp>
     </p:spTree>
     <p:extLst>
       <p:ext uri="{BB962C8B-B14F-4D97-AF65-F5344CB8AC3E}">
-        <p14:creationId xmlns:p14="http://schemas.microsoft.com/office/powerpoint/2010/main" val="4231221310"/>
+        <p14:creationId xmlns:p14="http://schemas.microsoft.com/office/powerpoint/2010/main" val="3497312275"/>
       </p:ext>
     </p:extLst>
   </p:cSld>
@@ -11703,86 +12013,9 @@
           <a:chExt cx="0" cy="0"/>
         </a:xfrm>
       </p:grpSpPr>
-      <p:sp>
-        <p:nvSpPr>
-          <p:cNvPr id="4" name="Rectangle 3"/>
-          <p:cNvSpPr/>
-          <p:nvPr/>
-        </p:nvSpPr>
-        <p:spPr>
-          <a:xfrm>
-            <a:off x="6574420" y="0"/>
-            <a:ext cx="5617580" cy="6858000"/>
-          </a:xfrm>
-          <a:prstGeom prst="rect">
-            <a:avLst/>
-          </a:prstGeom>
-          <a:solidFill>
-            <a:srgbClr val="CF3338"/>
-          </a:solidFill>
-        </p:spPr>
-        <p:style>
-          <a:lnRef idx="2">
-            <a:schemeClr val="accent1">
-              <a:shade val="50000"/>
-            </a:schemeClr>
-          </a:lnRef>
-          <a:fillRef idx="1">
-            <a:schemeClr val="accent1"/>
-          </a:fillRef>
-          <a:effectRef idx="0">
-            <a:schemeClr val="accent1"/>
-          </a:effectRef>
-          <a:fontRef idx="minor">
-            <a:schemeClr val="lt1"/>
-          </a:fontRef>
-        </p:style>
-        <p:txBody>
-          <a:bodyPr rtlCol="0" anchor="ctr"/>
-          <a:lstStyle/>
-          <a:p>
-            <a:pPr algn="ctr"/>
-            <a:endParaRPr lang="en-US"/>
-          </a:p>
-        </p:txBody>
-      </p:sp>
-      <p:sp>
-        <p:nvSpPr>
-          <p:cNvPr id="5" name="TextBox 4"/>
-          <p:cNvSpPr txBox="1"/>
-          <p:nvPr/>
-        </p:nvSpPr>
-        <p:spPr>
-          <a:xfrm>
-            <a:off x="6817489" y="0"/>
-            <a:ext cx="4120587" cy="1446550"/>
-          </a:xfrm>
-          <a:prstGeom prst="rect">
-            <a:avLst/>
-          </a:prstGeom>
-          <a:noFill/>
-        </p:spPr>
-        <p:txBody>
-          <a:bodyPr wrap="square" rtlCol="0">
-            <a:spAutoFit/>
-          </a:bodyPr>
-          <a:lstStyle/>
-          <a:p>
-            <a:r>
-              <a:rPr lang="en-US" sz="8800" dirty="0">
-                <a:solidFill>
-                  <a:schemeClr val="bg1"/>
-                </a:solidFill>
-                <a:latin typeface="Aliens &amp; cows" panose="00000500000000000000" pitchFamily="2" charset="0"/>
-              </a:rPr>
-              <a:t>Drill</a:t>
-            </a:r>
-          </a:p>
-        </p:txBody>
-      </p:sp>
       <p:pic>
         <p:nvPicPr>
-          <p:cNvPr id="2" name="Picture 1"/>
+          <p:cNvPr id="10" name="Picture 9"/>
           <p:cNvPicPr>
             <a:picLocks noChangeAspect="1"/>
           </p:cNvPicPr>
@@ -11796,13 +12029,13 @@
               </a:ext>
             </a:extLst>
           </a:blip>
-          <a:srcRect l="69227" t="33418" r="20112" b="50548"/>
+          <a:srcRect l="50728" t="56371"/>
           <a:stretch/>
         </p:blipFill>
         <p:spPr>
           <a:xfrm>
-            <a:off x="10386349" y="5029795"/>
-            <a:ext cx="1805651" cy="1991719"/>
+            <a:off x="10894024" y="5370653"/>
+            <a:ext cx="1297975" cy="1487348"/>
           </a:xfrm>
           <a:prstGeom prst="rect">
             <a:avLst/>
@@ -11811,14 +12044,14 @@
       </p:pic>
       <p:sp>
         <p:nvSpPr>
-          <p:cNvPr id="3" name="TextBox 2"/>
+          <p:cNvPr id="11" name="TextBox 10"/>
           <p:cNvSpPr txBox="1"/>
           <p:nvPr/>
         </p:nvSpPr>
         <p:spPr>
           <a:xfrm>
-            <a:off x="173620" y="219919"/>
-            <a:ext cx="5937813" cy="5262979"/>
+            <a:off x="347240" y="113388"/>
+            <a:ext cx="9799937" cy="1015663"/>
           </a:xfrm>
           <a:prstGeom prst="rect">
             <a:avLst/>
@@ -11831,143 +12064,249 @@
           </a:bodyPr>
           <a:lstStyle/>
           <a:p>
-            <a:endParaRPr lang="en-US" sz="2800" b="1" dirty="0">
+            <a:r>
+              <a:rPr lang="en-US" sz="6000" dirty="0">
+                <a:latin typeface="Aliens &amp; cows" panose="00000500000000000000" pitchFamily="2" charset="0"/>
+              </a:rPr>
+              <a:t>“How much/how many?”</a:t>
+            </a:r>
+          </a:p>
+        </p:txBody>
+      </p:sp>
+      <p:sp>
+        <p:nvSpPr>
+          <p:cNvPr id="7" name="TextBox 6">
+            <a:extLst>
+              <a:ext uri="{FF2B5EF4-FFF2-40B4-BE49-F238E27FC236}">
+                <a16:creationId xmlns:a16="http://schemas.microsoft.com/office/drawing/2014/main" id="{CFAB272F-EC83-45BA-935F-DFBF5407D2B6}"/>
+              </a:ext>
+            </a:extLst>
+          </p:cNvPr>
+          <p:cNvSpPr txBox="1"/>
+          <p:nvPr/>
+        </p:nvSpPr>
+        <p:spPr>
+          <a:xfrm>
+            <a:off x="988764" y="5565128"/>
+            <a:ext cx="2735744" cy="646331"/>
+          </a:xfrm>
+          <a:prstGeom prst="rect">
+            <a:avLst/>
+          </a:prstGeom>
+          <a:noFill/>
+        </p:spPr>
+        <p:txBody>
+          <a:bodyPr wrap="square" rtlCol="0">
+            <a:spAutoFit/>
+          </a:bodyPr>
+          <a:lstStyle/>
+          <a:p>
+            <a:pPr algn="ctr"/>
+            <a:r>
+              <a:rPr lang="en-US" dirty="0">
+                <a:solidFill>
+                  <a:schemeClr val="bg1">
+                    <a:lumMod val="50000"/>
+                  </a:schemeClr>
+                </a:solidFill>
+                <a:latin typeface="Pragmatica" pitchFamily="2" charset="0"/>
+              </a:rPr>
+              <a:t>pH level</a:t>
+            </a:r>
+          </a:p>
+          <a:p>
+            <a:pPr algn="ctr"/>
+            <a:r>
+              <a:rPr lang="en-US" dirty="0">
+                <a:solidFill>
+                  <a:schemeClr val="bg1">
+                    <a:lumMod val="50000"/>
+                  </a:schemeClr>
+                </a:solidFill>
+                <a:latin typeface="Pragmatica" pitchFamily="2" charset="0"/>
+              </a:rPr>
+              <a:t>Height</a:t>
+            </a:r>
+          </a:p>
+        </p:txBody>
+      </p:sp>
+      <p:pic>
+        <p:nvPicPr>
+          <p:cNvPr id="3" name="Picture 2" descr="Diagram&#10;&#10;Description automatically generated">
+            <a:extLst>
+              <a:ext uri="{FF2B5EF4-FFF2-40B4-BE49-F238E27FC236}">
+                <a16:creationId xmlns:a16="http://schemas.microsoft.com/office/drawing/2014/main" id="{F62938BD-1388-4B93-BCA8-422F8A964B88}"/>
+              </a:ext>
+            </a:extLst>
+          </p:cNvPr>
+          <p:cNvPicPr>
+            <a:picLocks noChangeAspect="1"/>
+          </p:cNvPicPr>
+          <p:nvPr/>
+        </p:nvPicPr>
+        <p:blipFill rotWithShape="1">
+          <a:blip r:embed="rId4">
+            <a:extLst>
+              <a:ext uri="{28A0092B-C50C-407E-A947-70E740481C1C}">
+                <a14:useLocalDpi xmlns:a14="http://schemas.microsoft.com/office/drawing/2010/main" val="0"/>
+              </a:ext>
+            </a:extLst>
+          </a:blip>
+          <a:srcRect l="59613" t="33590"/>
+          <a:stretch/>
+        </p:blipFill>
+        <p:spPr>
+          <a:xfrm>
+            <a:off x="789058" y="1993836"/>
+            <a:ext cx="5796555" cy="3447958"/>
+          </a:xfrm>
+          <a:prstGeom prst="rect">
+            <a:avLst/>
+          </a:prstGeom>
+        </p:spPr>
+      </p:pic>
+      <p:sp>
+        <p:nvSpPr>
+          <p:cNvPr id="6" name="TextBox 5">
+            <a:extLst>
+              <a:ext uri="{FF2B5EF4-FFF2-40B4-BE49-F238E27FC236}">
+                <a16:creationId xmlns:a16="http://schemas.microsoft.com/office/drawing/2014/main" id="{A1523D18-648F-4B40-AA33-5172A4806A34}"/>
+              </a:ext>
+            </a:extLst>
+          </p:cNvPr>
+          <p:cNvSpPr txBox="1"/>
+          <p:nvPr/>
+        </p:nvSpPr>
+        <p:spPr>
+          <a:xfrm>
+            <a:off x="3687336" y="5565128"/>
+            <a:ext cx="2735744" cy="646331"/>
+          </a:xfrm>
+          <a:prstGeom prst="rect">
+            <a:avLst/>
+          </a:prstGeom>
+          <a:noFill/>
+        </p:spPr>
+        <p:txBody>
+          <a:bodyPr wrap="square" rtlCol="0">
+            <a:spAutoFit/>
+          </a:bodyPr>
+          <a:lstStyle/>
+          <a:p>
+            <a:pPr algn="ctr"/>
+            <a:r>
+              <a:rPr lang="en-US" dirty="0">
+                <a:solidFill>
+                  <a:schemeClr val="bg1">
+                    <a:lumMod val="50000"/>
+                  </a:schemeClr>
+                </a:solidFill>
+                <a:latin typeface="Pragmatica" pitchFamily="2" charset="0"/>
+              </a:rPr>
+              <a:t>Number of children</a:t>
+            </a:r>
+          </a:p>
+          <a:p>
+            <a:pPr algn="ctr"/>
+            <a:r>
+              <a:rPr lang="en-US" dirty="0">
+                <a:solidFill>
+                  <a:schemeClr val="bg1">
+                    <a:lumMod val="50000"/>
+                  </a:schemeClr>
+                </a:solidFill>
+                <a:latin typeface="Pragmatica" pitchFamily="2" charset="0"/>
+              </a:rPr>
+              <a:t>Units sold</a:t>
+            </a:r>
+          </a:p>
+        </p:txBody>
+      </p:sp>
+      <p:pic>
+        <p:nvPicPr>
+          <p:cNvPr id="4" name="Picture 3">
+            <a:extLst>
+              <a:ext uri="{FF2B5EF4-FFF2-40B4-BE49-F238E27FC236}">
+                <a16:creationId xmlns:a16="http://schemas.microsoft.com/office/drawing/2014/main" id="{0F1AF5A1-0495-4203-A634-7FECA4F99F42}"/>
+              </a:ext>
+            </a:extLst>
+          </p:cNvPr>
+          <p:cNvPicPr>
+            <a:picLocks noChangeAspect="1"/>
+          </p:cNvPicPr>
+          <p:nvPr/>
+        </p:nvPicPr>
+        <p:blipFill>
+          <a:blip r:embed="rId5"/>
+          <a:stretch>
+            <a:fillRect/>
+          </a:stretch>
+        </p:blipFill>
+        <p:spPr>
+          <a:xfrm>
+            <a:off x="7090580" y="1192792"/>
+            <a:ext cx="4247585" cy="1809116"/>
+          </a:xfrm>
+          <a:prstGeom prst="rect">
+            <a:avLst/>
+          </a:prstGeom>
+        </p:spPr>
+      </p:pic>
+      <p:sp>
+        <p:nvSpPr>
+          <p:cNvPr id="9" name="TextBox 8">
+            <a:extLst>
+              <a:ext uri="{FF2B5EF4-FFF2-40B4-BE49-F238E27FC236}">
+                <a16:creationId xmlns:a16="http://schemas.microsoft.com/office/drawing/2014/main" id="{87C23650-181D-4E62-B809-2C04738D8BA2}"/>
+              </a:ext>
+            </a:extLst>
+          </p:cNvPr>
+          <p:cNvSpPr txBox="1"/>
+          <p:nvPr/>
+        </p:nvSpPr>
+        <p:spPr>
+          <a:xfrm>
+            <a:off x="8558932" y="2554622"/>
+            <a:ext cx="2735744" cy="769441"/>
+          </a:xfrm>
+          <a:prstGeom prst="rect">
+            <a:avLst/>
+          </a:prstGeom>
+          <a:noFill/>
+        </p:spPr>
+        <p:txBody>
+          <a:bodyPr wrap="square" rtlCol="0">
+            <a:spAutoFit/>
+          </a:bodyPr>
+          <a:lstStyle/>
+          <a:p>
+            <a:pPr algn="ctr"/>
+            <a:r>
+              <a:rPr lang="en-US" sz="4400" dirty="0">
+                <a:solidFill>
+                  <a:schemeClr val="bg1">
+                    <a:lumMod val="50000"/>
+                  </a:schemeClr>
+                </a:solidFill>
+                <a:latin typeface="Pragmatica" pitchFamily="2" charset="0"/>
+              </a:rPr>
+              <a:t>🤔</a:t>
+            </a:r>
+            <a:endParaRPr lang="en-US" dirty="0">
               <a:solidFill>
-                <a:srgbClr val="CF3338"/>
+                <a:schemeClr val="bg1">
+                  <a:lumMod val="50000"/>
+                </a:schemeClr>
               </a:solidFill>
               <a:latin typeface="Pragmatica" pitchFamily="2" charset="0"/>
             </a:endParaRPr>
           </a:p>
-          <a:p>
-            <a:pPr marL="514350" indent="-514350">
-              <a:buFont typeface="Arial" panose="020B0604020202020204" pitchFamily="34" charset="0"/>
-              <a:buChar char="•"/>
-            </a:pPr>
-            <a:r>
-              <a:rPr lang="en-US" sz="2800" b="1" dirty="0">
-                <a:solidFill>
-                  <a:srgbClr val="CF3338"/>
-                </a:solidFill>
-                <a:latin typeface="Pragmatica" pitchFamily="2" charset="0"/>
-              </a:rPr>
-              <a:t>File: </a:t>
-            </a:r>
-            <a:r>
-              <a:rPr lang="en-US" sz="2800" b="1" dirty="0">
-                <a:solidFill>
-                  <a:srgbClr val="CF3338"/>
-                </a:solidFill>
-                <a:latin typeface="Consolas" panose="020B0609020204030204" pitchFamily="49" charset="0"/>
-              </a:rPr>
-              <a:t>titanic.xlsx</a:t>
-            </a:r>
-          </a:p>
-          <a:p>
-            <a:pPr marL="971550" lvl="1" indent="-514350">
-              <a:buFont typeface="Arial" panose="020B0604020202020204" pitchFamily="34" charset="0"/>
-              <a:buChar char="•"/>
-            </a:pPr>
-            <a:r>
-              <a:rPr lang="en-US" sz="2800" b="1" dirty="0">
-                <a:solidFill>
-                  <a:srgbClr val="CF3338"/>
-                </a:solidFill>
-                <a:latin typeface="Pragmatica" panose="020B0403040502020204"/>
-              </a:rPr>
-              <a:t>Variable descriptions: </a:t>
-            </a:r>
-            <a:r>
-              <a:rPr lang="en-US" sz="2800" b="1" dirty="0">
-                <a:solidFill>
-                  <a:srgbClr val="CF3338"/>
-                </a:solidFill>
-                <a:latin typeface="Pragmatica" panose="020B0403040502020204"/>
-                <a:hlinkClick r:id="rId4"/>
-              </a:rPr>
-              <a:t>https://web.stanford.edu/class/archive/cs/cs109/cs109.1166/problem12.html</a:t>
-            </a:r>
-            <a:r>
-              <a:rPr lang="en-US" sz="2800" b="1" dirty="0">
-                <a:solidFill>
-                  <a:srgbClr val="CF3338"/>
-                </a:solidFill>
-                <a:latin typeface="Pragmatica" panose="020B0403040502020204"/>
-              </a:rPr>
-              <a:t> </a:t>
-            </a:r>
-          </a:p>
-          <a:p>
-            <a:pPr marL="514350" indent="-514350">
-              <a:buFont typeface="Arial" panose="020B0604020202020204" pitchFamily="34" charset="0"/>
-              <a:buChar char="•"/>
-            </a:pPr>
-            <a:r>
-              <a:rPr lang="en-US" sz="2800" b="1" dirty="0">
-                <a:solidFill>
-                  <a:srgbClr val="CF3338"/>
-                </a:solidFill>
-                <a:latin typeface="Pragmatica" panose="020B0403040502020204"/>
-              </a:rPr>
-              <a:t>Categorize each variable</a:t>
-            </a:r>
-          </a:p>
-          <a:p>
-            <a:pPr marL="514350" indent="-514350">
-              <a:buFont typeface="Arial" panose="020B0604020202020204" pitchFamily="34" charset="0"/>
-              <a:buChar char="•"/>
-            </a:pPr>
-            <a:r>
-              <a:rPr lang="en-US" sz="2800" b="1" i="1" dirty="0">
-                <a:solidFill>
-                  <a:srgbClr val="CF3338"/>
-                </a:solidFill>
-                <a:latin typeface="Pragmatica"/>
-              </a:rPr>
-              <a:t>Add an index column and convert to table!</a:t>
-            </a:r>
-          </a:p>
-          <a:p>
-            <a:pPr marL="514350" indent="-514350">
-              <a:buFont typeface="Arial" panose="020B0604020202020204" pitchFamily="34" charset="0"/>
-              <a:buChar char="•"/>
-            </a:pPr>
-            <a:endParaRPr lang="en-US" sz="2800" b="1" dirty="0">
-              <a:solidFill>
-                <a:srgbClr val="CF3338"/>
-              </a:solidFill>
-              <a:latin typeface="Pragmatica"/>
-            </a:endParaRPr>
-          </a:p>
-          <a:p>
-            <a:pPr marL="514350" indent="-514350">
-              <a:buFont typeface="Arial" panose="020B0604020202020204" pitchFamily="34" charset="0"/>
-              <a:buChar char="•"/>
-            </a:pPr>
-            <a:r>
-              <a:rPr lang="en-US" sz="2800" b="1" dirty="0">
-                <a:solidFill>
-                  <a:srgbClr val="CF3338"/>
-                </a:solidFill>
-                <a:latin typeface="Pragmatica"/>
-              </a:rPr>
-              <a:t>Solutions: </a:t>
-            </a:r>
-            <a:r>
-              <a:rPr lang="en-US" sz="2800" b="1" dirty="0">
-                <a:solidFill>
-                  <a:srgbClr val="CF3338"/>
-                </a:solidFill>
-                <a:latin typeface="Consolas" panose="020B0609020204030204" pitchFamily="49" charset="0"/>
-              </a:rPr>
-              <a:t>solutions/titanic-solutions.xlsx</a:t>
-            </a:r>
-          </a:p>
         </p:txBody>
       </p:sp>
     </p:spTree>
     <p:extLst>
       <p:ext uri="{BB962C8B-B14F-4D97-AF65-F5344CB8AC3E}">
-        <p14:creationId xmlns:p14="http://schemas.microsoft.com/office/powerpoint/2010/main" val="3088895096"/>
+        <p14:creationId xmlns:p14="http://schemas.microsoft.com/office/powerpoint/2010/main" val="4231221310"/>
       </p:ext>
     </p:extLst>
   </p:cSld>
@@ -12015,8 +12354,38 @@
         </p:blipFill>
         <p:spPr>
           <a:xfrm>
-            <a:off x="10894024" y="5370653"/>
-            <a:ext cx="1297975" cy="1487348"/>
+            <a:off x="8136460" y="2210765"/>
+            <a:ext cx="4055539" cy="4647236"/>
+          </a:xfrm>
+          <a:prstGeom prst="rect">
+            <a:avLst/>
+          </a:prstGeom>
+        </p:spPr>
+      </p:pic>
+      <p:pic>
+        <p:nvPicPr>
+          <p:cNvPr id="4" name="Picture 3"/>
+          <p:cNvPicPr>
+            <a:picLocks noChangeAspect="1"/>
+          </p:cNvPicPr>
+          <p:nvPr/>
+        </p:nvPicPr>
+        <p:blipFill>
+          <a:blip r:embed="rId3">
+            <a:extLst>
+              <a:ext uri="{28A0092B-C50C-407E-A947-70E740481C1C}">
+                <a14:useLocalDpi xmlns:a14="http://schemas.microsoft.com/office/drawing/2010/main" val="0"/>
+              </a:ext>
+            </a:extLst>
+          </a:blip>
+          <a:stretch>
+            <a:fillRect/>
+          </a:stretch>
+        </p:blipFill>
+        <p:spPr>
+          <a:xfrm>
+            <a:off x="-538496" y="-2482770"/>
+            <a:ext cx="10171472" cy="7459883"/>
           </a:xfrm>
           <a:prstGeom prst="rect">
             <a:avLst/>
@@ -12031,8 +12400,8 @@
         </p:nvSpPr>
         <p:spPr>
           <a:xfrm>
-            <a:off x="347240" y="113388"/>
-            <a:ext cx="9799937" cy="923330"/>
+            <a:off x="324091" y="1687545"/>
+            <a:ext cx="7986531" cy="769441"/>
           </a:xfrm>
           <a:prstGeom prst="rect">
             <a:avLst/>
@@ -12046,123 +12415,21 @@
           <a:lstStyle/>
           <a:p>
             <a:r>
-              <a:rPr lang="en-US" sz="5400" dirty="0">
-                <a:latin typeface="Aliens &amp; cows" panose="00000500000000000000" pitchFamily="2" charset="0"/>
-              </a:rPr>
-              <a:t>Summarizing continuous variables</a:t>
-            </a:r>
-          </a:p>
-        </p:txBody>
-      </p:sp>
-      <p:sp>
-        <p:nvSpPr>
-          <p:cNvPr id="13" name="TextBox 12">
-            <a:extLst>
-              <a:ext uri="{FF2B5EF4-FFF2-40B4-BE49-F238E27FC236}">
-                <a16:creationId xmlns:a16="http://schemas.microsoft.com/office/drawing/2014/main" id="{028B35C6-31DB-454A-95C1-1F1FC93CAB77}"/>
-              </a:ext>
-            </a:extLst>
-          </p:cNvPr>
-          <p:cNvSpPr txBox="1"/>
-          <p:nvPr/>
-        </p:nvSpPr>
-        <p:spPr>
-          <a:xfrm>
-            <a:off x="462987" y="1365813"/>
-            <a:ext cx="9595413" cy="2677656"/>
-          </a:xfrm>
-          <a:prstGeom prst="rect">
-            <a:avLst/>
-          </a:prstGeom>
-          <a:noFill/>
-        </p:spPr>
-        <p:txBody>
-          <a:bodyPr wrap="square" rtlCol="0">
-            <a:spAutoFit/>
-          </a:bodyPr>
-          <a:lstStyle/>
-          <a:p>
-            <a:pPr marL="457200" indent="-457200">
-              <a:buFont typeface="Arial" panose="020B0604020202020204" pitchFamily="34" charset="0"/>
-              <a:buChar char="•"/>
-            </a:pPr>
-            <a:r>
-              <a:rPr lang="en-US" sz="2800" dirty="0">
+              <a:rPr lang="en-US" sz="4400" b="1" dirty="0">
                 <a:solidFill>
                   <a:srgbClr val="707070"/>
                 </a:solidFill>
                 <a:latin typeface="Pragmatica" panose="020B0403040502020204" pitchFamily="34" charset="0"/>
               </a:rPr>
-              <a:t>Central tendency: what value is the variable centered around?</a:t>
-            </a:r>
-          </a:p>
-          <a:p>
-            <a:pPr marL="914400" lvl="1" indent="-457200">
-              <a:buFont typeface="Arial" panose="020B0604020202020204" pitchFamily="34" charset="0"/>
-              <a:buChar char="•"/>
-            </a:pPr>
-            <a:r>
-              <a:rPr lang="en-US" sz="2800" dirty="0">
-                <a:solidFill>
-                  <a:srgbClr val="707070"/>
-                </a:solidFill>
-                <a:latin typeface="Pragmatica" panose="020B0403040502020204" pitchFamily="34" charset="0"/>
-              </a:rPr>
-              <a:t>Mean: “average”</a:t>
-            </a:r>
-          </a:p>
-          <a:p>
-            <a:pPr marL="914400" lvl="1" indent="-457200">
-              <a:buFont typeface="Arial" panose="020B0604020202020204" pitchFamily="34" charset="0"/>
-              <a:buChar char="•"/>
-            </a:pPr>
-            <a:r>
-              <a:rPr lang="en-US" sz="2800" dirty="0">
-                <a:solidFill>
-                  <a:srgbClr val="707070"/>
-                </a:solidFill>
-                <a:latin typeface="Pragmatica" panose="020B0403040502020204" pitchFamily="34" charset="0"/>
-              </a:rPr>
-              <a:t>Median: “middle”</a:t>
-            </a:r>
-          </a:p>
-          <a:p>
-            <a:pPr marL="914400" lvl="1" indent="-457200">
-              <a:buFont typeface="Arial" panose="020B0604020202020204" pitchFamily="34" charset="0"/>
-              <a:buChar char="•"/>
-            </a:pPr>
-            <a:r>
-              <a:rPr lang="en-US" sz="2800" dirty="0">
-                <a:solidFill>
-                  <a:srgbClr val="707070"/>
-                </a:solidFill>
-                <a:latin typeface="Pragmatica" panose="020B0403040502020204" pitchFamily="34" charset="0"/>
-              </a:rPr>
-              <a:t>Mode: “most common”</a:t>
-            </a:r>
-          </a:p>
-          <a:p>
-            <a:endParaRPr lang="en-US" sz="2800" dirty="0">
-              <a:solidFill>
-                <a:srgbClr val="707070"/>
-              </a:solidFill>
-              <a:latin typeface="Pragmatica" panose="020B0403040502020204" pitchFamily="34" charset="0"/>
-            </a:endParaRPr>
-          </a:p>
-          <a:p>
-            <a:endParaRPr lang="en-US" sz="2800" dirty="0">
-              <a:solidFill>
-                <a:srgbClr val="707070"/>
-              </a:solidFill>
-              <a:latin typeface="Pragmatica" panose="020B0403040502020204" pitchFamily="34" charset="0"/>
-            </a:endParaRPr>
+              <a:t>Questions?</a:t>
+            </a:r>
           </a:p>
         </p:txBody>
       </p:sp>
     </p:spTree>
     <p:extLst>
       <p:ext uri="{BB962C8B-B14F-4D97-AF65-F5344CB8AC3E}">
-        <p14:creationId xmlns:p14="http://schemas.microsoft.com/office/powerpoint/2010/main" val="2014522667"/>
+        <p14:creationId xmlns:p14="http://schemas.microsoft.com/office/powerpoint/2010/main" val="1044444434"/>
       </p:ext>
     </p:extLst>
   </p:cSld>
